--- a/ER_4.pptx
+++ b/ER_4.pptx
@@ -5,9 +5,7 @@
     <p:sldMasterId id="2147483648" r:id="rId1"/>
   </p:sldMasterIdLst>
   <p:sldIdLst>
-    <p:sldId id="258" r:id="rId2"/>
-    <p:sldId id="257" r:id="rId3"/>
-    <p:sldId id="259" r:id="rId4"/>
+    <p:sldId id="259" r:id="rId2"/>
   </p:sldIdLst>
   <p:sldSz cx="12192000" cy="6858000"/>
   <p:notesSz cx="6858000" cy="9144000"/>
@@ -117,7 +115,7 @@
 <file path=ppt/revisionInfo.xml><?xml version="1.0" encoding="utf-8"?>
 <p1510:revInfo xmlns:a="http://schemas.openxmlformats.org/drawingml/2006/main" xmlns:r="http://schemas.openxmlformats.org/officeDocument/2006/relationships" xmlns:p1510="http://schemas.microsoft.com/office/powerpoint/2015/10/main">
   <p1510:revLst>
-    <p1510:client id="{073E60A3-31A6-4ECE-9FA7-E76095E30EF5}" v="4" dt="2025-05-22T11:09:53.012"/>
+    <p1510:client id="{073E60A3-31A6-4ECE-9FA7-E76095E30EF5}" v="6" dt="2025-05-22T11:32:15.879"/>
   </p1510:revLst>
 </p1510:revInfo>
 </file>
@@ -126,17 +124,47 @@
 <pc:chgInfo xmlns:a="http://schemas.openxmlformats.org/drawingml/2006/main" xmlns:r="http://schemas.openxmlformats.org/officeDocument/2006/relationships" xmlns:ac="http://schemas.microsoft.com/office/drawing/2013/main/command" xmlns:pc="http://schemas.microsoft.com/office/powerpoint/2013/main/command">
   <pc:docChgLst>
     <pc:chgData name="Kristian Bitsch Ebbensgaard" userId="db474494-81e8-4465-9809-a1d335558f45" providerId="ADAL" clId="{073E60A3-31A6-4ECE-9FA7-E76095E30EF5}"/>
-    <pc:docChg chg="undo custSel addSld modSld">
-      <pc:chgData name="Kristian Bitsch Ebbensgaard" userId="db474494-81e8-4465-9809-a1d335558f45" providerId="ADAL" clId="{073E60A3-31A6-4ECE-9FA7-E76095E30EF5}" dt="2025-05-22T11:11:50.037" v="252" actId="14100"/>
+    <pc:docChg chg="undo custSel addSld delSld modSld">
+      <pc:chgData name="Kristian Bitsch Ebbensgaard" userId="db474494-81e8-4465-9809-a1d335558f45" providerId="ADAL" clId="{073E60A3-31A6-4ECE-9FA7-E76095E30EF5}" dt="2025-05-22T11:46:49.032" v="416" actId="20577"/>
       <pc:docMkLst>
         <pc:docMk/>
       </pc:docMkLst>
+      <pc:sldChg chg="del">
+        <pc:chgData name="Kristian Bitsch Ebbensgaard" userId="db474494-81e8-4465-9809-a1d335558f45" providerId="ADAL" clId="{073E60A3-31A6-4ECE-9FA7-E76095E30EF5}" dt="2025-05-22T11:46:20.660" v="414" actId="47"/>
+        <pc:sldMkLst>
+          <pc:docMk/>
+          <pc:sldMk cId="1804535035" sldId="257"/>
+        </pc:sldMkLst>
+      </pc:sldChg>
+      <pc:sldChg chg="del">
+        <pc:chgData name="Kristian Bitsch Ebbensgaard" userId="db474494-81e8-4465-9809-a1d335558f45" providerId="ADAL" clId="{073E60A3-31A6-4ECE-9FA7-E76095E30EF5}" dt="2025-05-22T11:46:20.660" v="414" actId="47"/>
+        <pc:sldMkLst>
+          <pc:docMk/>
+          <pc:sldMk cId="931196468" sldId="258"/>
+        </pc:sldMkLst>
+      </pc:sldChg>
       <pc:sldChg chg="addSp delSp modSp add mod">
-        <pc:chgData name="Kristian Bitsch Ebbensgaard" userId="db474494-81e8-4465-9809-a1d335558f45" providerId="ADAL" clId="{073E60A3-31A6-4ECE-9FA7-E76095E30EF5}" dt="2025-05-22T11:11:50.037" v="252" actId="14100"/>
+        <pc:chgData name="Kristian Bitsch Ebbensgaard" userId="db474494-81e8-4465-9809-a1d335558f45" providerId="ADAL" clId="{073E60A3-31A6-4ECE-9FA7-E76095E30EF5}" dt="2025-05-22T11:46:49.032" v="416" actId="20577"/>
         <pc:sldMkLst>
           <pc:docMk/>
           <pc:sldMk cId="2452662424" sldId="259"/>
         </pc:sldMkLst>
+        <pc:spChg chg="del">
+          <ac:chgData name="Kristian Bitsch Ebbensgaard" userId="db474494-81e8-4465-9809-a1d335558f45" providerId="ADAL" clId="{073E60A3-31A6-4ECE-9FA7-E76095E30EF5}" dt="2025-05-22T11:45:25.584" v="413" actId="478"/>
+          <ac:spMkLst>
+            <pc:docMk/>
+            <pc:sldMk cId="2452662424" sldId="259"/>
+            <ac:spMk id="2" creationId="{4BE75545-6E4A-F431-A3E5-FB00006557A5}"/>
+          </ac:spMkLst>
+        </pc:spChg>
+        <pc:spChg chg="mod">
+          <ac:chgData name="Kristian Bitsch Ebbensgaard" userId="db474494-81e8-4465-9809-a1d335558f45" providerId="ADAL" clId="{073E60A3-31A6-4ECE-9FA7-E76095E30EF5}" dt="2025-05-22T11:29:50.122" v="345" actId="20577"/>
+          <ac:spMkLst>
+            <pc:docMk/>
+            <pc:sldMk cId="2452662424" sldId="259"/>
+            <ac:spMk id="3" creationId="{CD41D8C5-ABC9-9D65-12F8-9E19C6376BD7}"/>
+          </ac:spMkLst>
+        </pc:spChg>
         <pc:spChg chg="mod">
           <ac:chgData name="Kristian Bitsch Ebbensgaard" userId="db474494-81e8-4465-9809-a1d335558f45" providerId="ADAL" clId="{073E60A3-31A6-4ECE-9FA7-E76095E30EF5}" dt="2025-05-22T11:07:44.311" v="171" actId="20577"/>
           <ac:spMkLst>
@@ -201,28 +229,148 @@
             <ac:spMk id="11" creationId="{223E63AD-190E-8B0D-6777-BE23AB9FF9F2}"/>
           </ac:spMkLst>
         </pc:spChg>
+        <pc:spChg chg="add mod">
+          <ac:chgData name="Kristian Bitsch Ebbensgaard" userId="db474494-81e8-4465-9809-a1d335558f45" providerId="ADAL" clId="{073E60A3-31A6-4ECE-9FA7-E76095E30EF5}" dt="2025-05-22T11:32:12.668" v="347" actId="1076"/>
+          <ac:spMkLst>
+            <pc:docMk/>
+            <pc:sldMk cId="2452662424" sldId="259"/>
+            <ac:spMk id="11" creationId="{BD7DA258-4445-EF92-BC21-172A87EE24FD}"/>
+          </ac:spMkLst>
+        </pc:spChg>
         <pc:spChg chg="mod">
-          <ac:chgData name="Kristian Bitsch Ebbensgaard" userId="db474494-81e8-4465-9809-a1d335558f45" providerId="ADAL" clId="{073E60A3-31A6-4ECE-9FA7-E76095E30EF5}" dt="2025-05-22T11:09:25.489" v="210" actId="20577"/>
+          <ac:chgData name="Kristian Bitsch Ebbensgaard" userId="db474494-81e8-4465-9809-a1d335558f45" providerId="ADAL" clId="{073E60A3-31A6-4ECE-9FA7-E76095E30EF5}" dt="2025-05-22T11:46:49.032" v="416" actId="20577"/>
           <ac:spMkLst>
             <pc:docMk/>
             <pc:sldMk cId="2452662424" sldId="259"/>
             <ac:spMk id="13" creationId="{AB6CE645-BFFA-7AC3-1B4C-622D37685714}"/>
           </ac:spMkLst>
         </pc:spChg>
+        <pc:spChg chg="del">
+          <ac:chgData name="Kristian Bitsch Ebbensgaard" userId="db474494-81e8-4465-9809-a1d335558f45" providerId="ADAL" clId="{073E60A3-31A6-4ECE-9FA7-E76095E30EF5}" dt="2025-05-22T11:29:39.087" v="334" actId="478"/>
+          <ac:spMkLst>
+            <pc:docMk/>
+            <pc:sldMk cId="2452662424" sldId="259"/>
+            <ac:spMk id="14" creationId="{DF4D5939-6662-205C-2B71-1E2A41CC47E8}"/>
+          </ac:spMkLst>
+        </pc:spChg>
         <pc:spChg chg="add mod">
-          <ac:chgData name="Kristian Bitsch Ebbensgaard" userId="db474494-81e8-4465-9809-a1d335558f45" providerId="ADAL" clId="{073E60A3-31A6-4ECE-9FA7-E76095E30EF5}" dt="2025-05-22T11:04:13.435" v="106" actId="20577"/>
+          <ac:chgData name="Kristian Bitsch Ebbensgaard" userId="db474494-81e8-4465-9809-a1d335558f45" providerId="ADAL" clId="{073E60A3-31A6-4ECE-9FA7-E76095E30EF5}" dt="2025-05-22T11:25:13.440" v="254" actId="207"/>
           <ac:spMkLst>
             <pc:docMk/>
             <pc:sldMk cId="2452662424" sldId="259"/>
             <ac:spMk id="16" creationId="{4AC81A10-8C03-D89E-FE3E-CC5BCDAF7212}"/>
           </ac:spMkLst>
         </pc:spChg>
+        <pc:spChg chg="del">
+          <ac:chgData name="Kristian Bitsch Ebbensgaard" userId="db474494-81e8-4465-9809-a1d335558f45" providerId="ADAL" clId="{073E60A3-31A6-4ECE-9FA7-E76095E30EF5}" dt="2025-05-22T11:29:39.087" v="334" actId="478"/>
+          <ac:spMkLst>
+            <pc:docMk/>
+            <pc:sldMk cId="2452662424" sldId="259"/>
+            <ac:spMk id="20" creationId="{3157C241-C5BF-578E-A521-EAA4D4978C82}"/>
+          </ac:spMkLst>
+        </pc:spChg>
+        <pc:spChg chg="del">
+          <ac:chgData name="Kristian Bitsch Ebbensgaard" userId="db474494-81e8-4465-9809-a1d335558f45" providerId="ADAL" clId="{073E60A3-31A6-4ECE-9FA7-E76095E30EF5}" dt="2025-05-22T11:29:39.087" v="334" actId="478"/>
+          <ac:spMkLst>
+            <pc:docMk/>
+            <pc:sldMk cId="2452662424" sldId="259"/>
+            <ac:spMk id="22" creationId="{E9A0A4A1-B97C-E85B-AC37-D7BA9FC7B404}"/>
+          </ac:spMkLst>
+        </pc:spChg>
         <pc:spChg chg="add mod">
-          <ac:chgData name="Kristian Bitsch Ebbensgaard" userId="db474494-81e8-4465-9809-a1d335558f45" providerId="ADAL" clId="{073E60A3-31A6-4ECE-9FA7-E76095E30EF5}" dt="2025-05-22T11:10:39.578" v="219" actId="1076"/>
+          <ac:chgData name="Kristian Bitsch Ebbensgaard" userId="db474494-81e8-4465-9809-a1d335558f45" providerId="ADAL" clId="{073E60A3-31A6-4ECE-9FA7-E76095E30EF5}" dt="2025-05-22T11:38:31.890" v="368" actId="20577"/>
           <ac:spMkLst>
             <pc:docMk/>
             <pc:sldMk cId="2452662424" sldId="259"/>
             <ac:spMk id="32" creationId="{7C7EB0E4-7B62-85D0-CF6D-0A5FF82D92FB}"/>
+          </ac:spMkLst>
+        </pc:spChg>
+        <pc:spChg chg="mod">
+          <ac:chgData name="Kristian Bitsch Ebbensgaard" userId="db474494-81e8-4465-9809-a1d335558f45" providerId="ADAL" clId="{073E60A3-31A6-4ECE-9FA7-E76095E30EF5}" dt="2025-05-22T11:28:13.959" v="306" actId="20577"/>
+          <ac:spMkLst>
+            <pc:docMk/>
+            <pc:sldMk cId="2452662424" sldId="259"/>
+            <ac:spMk id="33" creationId="{5C324880-120A-1AD2-2B0D-78C3F11B550D}"/>
+          </ac:spMkLst>
+        </pc:spChg>
+        <pc:spChg chg="mod">
+          <ac:chgData name="Kristian Bitsch Ebbensgaard" userId="db474494-81e8-4465-9809-a1d335558f45" providerId="ADAL" clId="{073E60A3-31A6-4ECE-9FA7-E76095E30EF5}" dt="2025-05-22T11:27:08.471" v="265" actId="20577"/>
+          <ac:spMkLst>
+            <pc:docMk/>
+            <pc:sldMk cId="2452662424" sldId="259"/>
+            <ac:spMk id="36" creationId="{52253958-FCAC-8B34-BEAC-9D8577092A26}"/>
+          </ac:spMkLst>
+        </pc:spChg>
+        <pc:spChg chg="mod">
+          <ac:chgData name="Kristian Bitsch Ebbensgaard" userId="db474494-81e8-4465-9809-a1d335558f45" providerId="ADAL" clId="{073E60A3-31A6-4ECE-9FA7-E76095E30EF5}" dt="2025-05-22T11:27:33.646" v="271" actId="20577"/>
+          <ac:spMkLst>
+            <pc:docMk/>
+            <pc:sldMk cId="2452662424" sldId="259"/>
+            <ac:spMk id="42" creationId="{CC23731E-4CFF-6E30-E63F-07B79A9CA445}"/>
+          </ac:spMkLst>
+        </pc:spChg>
+        <pc:spChg chg="mod">
+          <ac:chgData name="Kristian Bitsch Ebbensgaard" userId="db474494-81e8-4465-9809-a1d335558f45" providerId="ADAL" clId="{073E60A3-31A6-4ECE-9FA7-E76095E30EF5}" dt="2025-05-22T11:28:50.777" v="310" actId="20577"/>
+          <ac:spMkLst>
+            <pc:docMk/>
+            <pc:sldMk cId="2452662424" sldId="259"/>
+            <ac:spMk id="51" creationId="{FE08539F-E500-2FC1-5472-8684FDD9D876}"/>
+          </ac:spMkLst>
+        </pc:spChg>
+        <pc:spChg chg="mod">
+          <ac:chgData name="Kristian Bitsch Ebbensgaard" userId="db474494-81e8-4465-9809-a1d335558f45" providerId="ADAL" clId="{073E60A3-31A6-4ECE-9FA7-E76095E30EF5}" dt="2025-05-22T11:44:51.510" v="381" actId="115"/>
+          <ac:spMkLst>
+            <pc:docMk/>
+            <pc:sldMk cId="2452662424" sldId="259"/>
+            <ac:spMk id="53" creationId="{701D9D47-C696-EA9D-D2F6-63978B8AF7D9}"/>
+          </ac:spMkLst>
+        </pc:spChg>
+        <pc:spChg chg="mod">
+          <ac:chgData name="Kristian Bitsch Ebbensgaard" userId="db474494-81e8-4465-9809-a1d335558f45" providerId="ADAL" clId="{073E60A3-31A6-4ECE-9FA7-E76095E30EF5}" dt="2025-05-22T11:45:13.745" v="412" actId="20577"/>
+          <ac:spMkLst>
+            <pc:docMk/>
+            <pc:sldMk cId="2452662424" sldId="259"/>
+            <ac:spMk id="54" creationId="{0C17B33E-17BD-5A5A-0171-EAC4DE92D470}"/>
+          </ac:spMkLst>
+        </pc:spChg>
+        <pc:spChg chg="mod">
+          <ac:chgData name="Kristian Bitsch Ebbensgaard" userId="db474494-81e8-4465-9809-a1d335558f45" providerId="ADAL" clId="{073E60A3-31A6-4ECE-9FA7-E76095E30EF5}" dt="2025-05-22T11:44:45.411" v="378" actId="20577"/>
+          <ac:spMkLst>
+            <pc:docMk/>
+            <pc:sldMk cId="2452662424" sldId="259"/>
+            <ac:spMk id="55" creationId="{486D211B-8734-91B9-C516-72E8B5685809}"/>
+          </ac:spMkLst>
+        </pc:spChg>
+        <pc:spChg chg="del">
+          <ac:chgData name="Kristian Bitsch Ebbensgaard" userId="db474494-81e8-4465-9809-a1d335558f45" providerId="ADAL" clId="{073E60A3-31A6-4ECE-9FA7-E76095E30EF5}" dt="2025-05-22T11:25:36.135" v="255" actId="478"/>
+          <ac:spMkLst>
+            <pc:docMk/>
+            <pc:sldMk cId="2452662424" sldId="259"/>
+            <ac:spMk id="72" creationId="{F792DCC3-E8DC-EB37-0522-B1B919B40B37}"/>
+          </ac:spMkLst>
+        </pc:spChg>
+        <pc:spChg chg="del">
+          <ac:chgData name="Kristian Bitsch Ebbensgaard" userId="db474494-81e8-4465-9809-a1d335558f45" providerId="ADAL" clId="{073E60A3-31A6-4ECE-9FA7-E76095E30EF5}" dt="2025-05-22T11:25:36.135" v="255" actId="478"/>
+          <ac:spMkLst>
+            <pc:docMk/>
+            <pc:sldMk cId="2452662424" sldId="259"/>
+            <ac:spMk id="73" creationId="{9F0A646A-B907-DD79-76AC-60B82A291B57}"/>
+          </ac:spMkLst>
+        </pc:spChg>
+        <pc:spChg chg="del">
+          <ac:chgData name="Kristian Bitsch Ebbensgaard" userId="db474494-81e8-4465-9809-a1d335558f45" providerId="ADAL" clId="{073E60A3-31A6-4ECE-9FA7-E76095E30EF5}" dt="2025-05-22T11:25:36.135" v="255" actId="478"/>
+          <ac:spMkLst>
+            <pc:docMk/>
+            <pc:sldMk cId="2452662424" sldId="259"/>
+            <ac:spMk id="77" creationId="{FE64A7C7-8A88-FC76-0E42-DDD99F6844E1}"/>
+          </ac:spMkLst>
+        </pc:spChg>
+        <pc:spChg chg="del">
+          <ac:chgData name="Kristian Bitsch Ebbensgaard" userId="db474494-81e8-4465-9809-a1d335558f45" providerId="ADAL" clId="{073E60A3-31A6-4ECE-9FA7-E76095E30EF5}" dt="2025-05-22T11:25:36.135" v="255" actId="478"/>
+          <ac:spMkLst>
+            <pc:docMk/>
+            <pc:sldMk cId="2452662424" sldId="259"/>
+            <ac:spMk id="78" creationId="{94381F04-AEBD-2183-63ED-F7F5105943F1}"/>
           </ac:spMkLst>
         </pc:spChg>
         <pc:spChg chg="mod">
@@ -234,7 +382,7 @@
           </ac:spMkLst>
         </pc:spChg>
         <pc:spChg chg="mod">
-          <ac:chgData name="Kristian Bitsch Ebbensgaard" userId="db474494-81e8-4465-9809-a1d335558f45" providerId="ADAL" clId="{073E60A3-31A6-4ECE-9FA7-E76095E30EF5}" dt="2025-05-22T11:00:57.811" v="78" actId="20577"/>
+          <ac:chgData name="Kristian Bitsch Ebbensgaard" userId="db474494-81e8-4465-9809-a1d335558f45" providerId="ADAL" clId="{073E60A3-31A6-4ECE-9FA7-E76095E30EF5}" dt="2025-05-22T11:25:13.440" v="254" actId="207"/>
           <ac:spMkLst>
             <pc:docMk/>
             <pc:sldMk cId="2452662424" sldId="259"/>
@@ -242,7 +390,7 @@
           </ac:spMkLst>
         </pc:spChg>
         <pc:spChg chg="mod">
-          <ac:chgData name="Kristian Bitsch Ebbensgaard" userId="db474494-81e8-4465-9809-a1d335558f45" providerId="ADAL" clId="{073E60A3-31A6-4ECE-9FA7-E76095E30EF5}" dt="2025-05-22T11:04:17.720" v="112" actId="20577"/>
+          <ac:chgData name="Kristian Bitsch Ebbensgaard" userId="db474494-81e8-4465-9809-a1d335558f45" providerId="ADAL" clId="{073E60A3-31A6-4ECE-9FA7-E76095E30EF5}" dt="2025-05-22T11:25:13.440" v="254" actId="207"/>
           <ac:spMkLst>
             <pc:docMk/>
             <pc:sldMk cId="2452662424" sldId="259"/>
@@ -257,8 +405,8 @@
             <ac:spMk id="101" creationId="{E55F1A20-A5EA-77A1-AE72-7691EDF6EB26}"/>
           </ac:spMkLst>
         </pc:spChg>
-        <pc:picChg chg="add mod">
-          <ac:chgData name="Kristian Bitsch Ebbensgaard" userId="db474494-81e8-4465-9809-a1d335558f45" providerId="ADAL" clId="{073E60A3-31A6-4ECE-9FA7-E76095E30EF5}" dt="2025-05-22T11:09:09.547" v="196" actId="1076"/>
+        <pc:picChg chg="add del mod">
+          <ac:chgData name="Kristian Bitsch Ebbensgaard" userId="db474494-81e8-4465-9809-a1d335558f45" providerId="ADAL" clId="{073E60A3-31A6-4ECE-9FA7-E76095E30EF5}" dt="2025-05-22T11:24:52.438" v="253" actId="478"/>
           <ac:picMkLst>
             <pc:docMk/>
             <pc:sldMk cId="2452662424" sldId="259"/>
@@ -287,6 +435,70 @@
             <pc:docMk/>
             <pc:sldMk cId="2452662424" sldId="259"/>
             <ac:cxnSpMk id="26" creationId="{BB3832F6-9679-66C3-331B-456C9D1D884B}"/>
+          </ac:cxnSpMkLst>
+        </pc:cxnChg>
+        <pc:cxnChg chg="add mod">
+          <ac:chgData name="Kristian Bitsch Ebbensgaard" userId="db474494-81e8-4465-9809-a1d335558f45" providerId="ADAL" clId="{073E60A3-31A6-4ECE-9FA7-E76095E30EF5}" dt="2025-05-22T11:32:19.090" v="349" actId="1076"/>
+          <ac:cxnSpMkLst>
+            <pc:docMk/>
+            <pc:sldMk cId="2452662424" sldId="259"/>
+            <ac:cxnSpMk id="27" creationId="{BC880FC1-6BA3-8C36-30F0-5C6302F09BB5}"/>
+          </ac:cxnSpMkLst>
+        </pc:cxnChg>
+        <pc:cxnChg chg="del mod">
+          <ac:chgData name="Kristian Bitsch Ebbensgaard" userId="db474494-81e8-4465-9809-a1d335558f45" providerId="ADAL" clId="{073E60A3-31A6-4ECE-9FA7-E76095E30EF5}" dt="2025-05-22T11:29:39.087" v="334" actId="478"/>
+          <ac:cxnSpMkLst>
+            <pc:docMk/>
+            <pc:sldMk cId="2452662424" sldId="259"/>
+            <ac:cxnSpMk id="28" creationId="{CEE27779-AF59-9B21-2501-3FE9E5155161}"/>
+          </ac:cxnSpMkLst>
+        </pc:cxnChg>
+        <pc:cxnChg chg="del">
+          <ac:chgData name="Kristian Bitsch Ebbensgaard" userId="db474494-81e8-4465-9809-a1d335558f45" providerId="ADAL" clId="{073E60A3-31A6-4ECE-9FA7-E76095E30EF5}" dt="2025-05-22T11:29:39.087" v="334" actId="478"/>
+          <ac:cxnSpMkLst>
+            <pc:docMk/>
+            <pc:sldMk cId="2452662424" sldId="259"/>
+            <ac:cxnSpMk id="29" creationId="{D70C58E2-4318-7BCA-E068-7570B7939777}"/>
+          </ac:cxnSpMkLst>
+        </pc:cxnChg>
+        <pc:cxnChg chg="del mod">
+          <ac:chgData name="Kristian Bitsch Ebbensgaard" userId="db474494-81e8-4465-9809-a1d335558f45" providerId="ADAL" clId="{073E60A3-31A6-4ECE-9FA7-E76095E30EF5}" dt="2025-05-22T11:29:43.357" v="335" actId="478"/>
+          <ac:cxnSpMkLst>
+            <pc:docMk/>
+            <pc:sldMk cId="2452662424" sldId="259"/>
+            <ac:cxnSpMk id="30" creationId="{3EDAC2CB-4221-6E0C-2AB9-2FAF012E18E4}"/>
+          </ac:cxnSpMkLst>
+        </pc:cxnChg>
+        <pc:cxnChg chg="del mod">
+          <ac:chgData name="Kristian Bitsch Ebbensgaard" userId="db474494-81e8-4465-9809-a1d335558f45" providerId="ADAL" clId="{073E60A3-31A6-4ECE-9FA7-E76095E30EF5}" dt="2025-05-22T11:25:36.135" v="255" actId="478"/>
+          <ac:cxnSpMkLst>
+            <pc:docMk/>
+            <pc:sldMk cId="2452662424" sldId="259"/>
+            <ac:cxnSpMk id="71" creationId="{E3387C29-5FB6-8D5D-942D-D214E73E8C13}"/>
+          </ac:cxnSpMkLst>
+        </pc:cxnChg>
+        <pc:cxnChg chg="del mod">
+          <ac:chgData name="Kristian Bitsch Ebbensgaard" userId="db474494-81e8-4465-9809-a1d335558f45" providerId="ADAL" clId="{073E60A3-31A6-4ECE-9FA7-E76095E30EF5}" dt="2025-05-22T11:25:36.135" v="255" actId="478"/>
+          <ac:cxnSpMkLst>
+            <pc:docMk/>
+            <pc:sldMk cId="2452662424" sldId="259"/>
+            <ac:cxnSpMk id="74" creationId="{8B03A982-89B6-6DB8-BE04-1C916966E1E7}"/>
+          </ac:cxnSpMkLst>
+        </pc:cxnChg>
+        <pc:cxnChg chg="del">
+          <ac:chgData name="Kristian Bitsch Ebbensgaard" userId="db474494-81e8-4465-9809-a1d335558f45" providerId="ADAL" clId="{073E60A3-31A6-4ECE-9FA7-E76095E30EF5}" dt="2025-05-22T11:25:36.135" v="255" actId="478"/>
+          <ac:cxnSpMkLst>
+            <pc:docMk/>
+            <pc:sldMk cId="2452662424" sldId="259"/>
+            <ac:cxnSpMk id="79" creationId="{82A6458F-D755-9680-9A84-A9D869234FB9}"/>
+          </ac:cxnSpMkLst>
+        </pc:cxnChg>
+        <pc:cxnChg chg="del">
+          <ac:chgData name="Kristian Bitsch Ebbensgaard" userId="db474494-81e8-4465-9809-a1d335558f45" providerId="ADAL" clId="{073E60A3-31A6-4ECE-9FA7-E76095E30EF5}" dt="2025-05-22T11:25:36.135" v="255" actId="478"/>
+          <ac:cxnSpMkLst>
+            <pc:docMk/>
+            <pc:sldMk cId="2452662424" sldId="259"/>
+            <ac:cxnSpMk id="80" creationId="{7C97E9B6-1DBB-1EC8-FCA5-F8D8087D99D7}"/>
           </ac:cxnSpMkLst>
         </pc:cxnChg>
       </pc:sldChg>
@@ -3518,3739 +3730,6 @@
   <p:cSld>
     <p:spTree>
       <p:nvGrpSpPr>
-        <p:cNvPr id="1" name=""/>
-        <p:cNvGrpSpPr/>
-        <p:nvPr/>
-      </p:nvGrpSpPr>
-      <p:grpSpPr>
-        <a:xfrm>
-          <a:off x="0" y="0"/>
-          <a:ext cx="0" cy="0"/>
-          <a:chOff x="0" y="0"/>
-          <a:chExt cx="0" cy="0"/>
-        </a:xfrm>
-      </p:grpSpPr>
-      <p:sp>
-        <p:nvSpPr>
-          <p:cNvPr id="3" name="Pladsholder til indhold 2">
-            <a:extLst>
-              <a:ext uri="{FF2B5EF4-FFF2-40B4-BE49-F238E27FC236}">
-                <a16:creationId xmlns:a16="http://schemas.microsoft.com/office/drawing/2014/main" id="{4A3AEE3A-331D-C212-349B-045DA5F30A4E}"/>
-              </a:ext>
-            </a:extLst>
-          </p:cNvPr>
-          <p:cNvSpPr>
-            <a:spLocks noGrp="1"/>
-          </p:cNvSpPr>
-          <p:nvPr>
-            <p:ph idx="1"/>
-          </p:nvPr>
-        </p:nvSpPr>
-        <p:spPr>
-          <a:xfrm>
-            <a:off x="838200" y="1629682"/>
-            <a:ext cx="10515600" cy="4351338"/>
-          </a:xfrm>
-        </p:spPr>
-        <p:txBody>
-          <a:bodyPr>
-            <a:normAutofit/>
-          </a:bodyPr>
-          <a:lstStyle/>
-          <a:p>
-            <a:r>
-              <a:rPr lang="da-DK" sz="1800" dirty="0" err="1"/>
-              <a:t>Our</a:t>
-            </a:r>
-            <a:r>
-              <a:rPr lang="da-DK" sz="1800" dirty="0"/>
-              <a:t> </a:t>
-            </a:r>
-            <a:r>
-              <a:rPr lang="da-DK" sz="1800" dirty="0" err="1"/>
-              <a:t>idea</a:t>
-            </a:r>
-            <a:r>
-              <a:rPr lang="da-DK" sz="1800" dirty="0"/>
-              <a:t> is to </a:t>
-            </a:r>
-            <a:r>
-              <a:rPr lang="da-DK" sz="1800" dirty="0" err="1"/>
-              <a:t>create</a:t>
-            </a:r>
-            <a:r>
-              <a:rPr lang="da-DK" sz="1800" dirty="0"/>
-              <a:t> a website </a:t>
-            </a:r>
-            <a:r>
-              <a:rPr lang="da-DK" sz="1800" dirty="0" err="1"/>
-              <a:t>where</a:t>
-            </a:r>
-            <a:r>
-              <a:rPr lang="da-DK" sz="1800" dirty="0"/>
-              <a:t> </a:t>
-            </a:r>
-            <a:r>
-              <a:rPr lang="da-DK" sz="1800" dirty="0" err="1"/>
-              <a:t>you</a:t>
-            </a:r>
-            <a:r>
-              <a:rPr lang="da-DK" sz="1800" dirty="0"/>
-              <a:t> </a:t>
-            </a:r>
-            <a:r>
-              <a:rPr lang="da-DK" sz="1800" dirty="0" err="1"/>
-              <a:t>can</a:t>
-            </a:r>
-            <a:r>
-              <a:rPr lang="da-DK" sz="1800" dirty="0"/>
-              <a:t> </a:t>
-            </a:r>
-            <a:r>
-              <a:rPr lang="da-DK" sz="1800" dirty="0" err="1"/>
-              <a:t>get</a:t>
-            </a:r>
-            <a:r>
-              <a:rPr lang="da-DK" sz="1800" dirty="0"/>
-              <a:t> an overview of </a:t>
-            </a:r>
-            <a:r>
-              <a:rPr lang="da-DK" sz="1800" dirty="0" err="1"/>
-              <a:t>how</a:t>
-            </a:r>
-            <a:r>
-              <a:rPr lang="da-DK" sz="1800" dirty="0"/>
-              <a:t> Danish </a:t>
-            </a:r>
-            <a:r>
-              <a:rPr lang="da-DK" sz="1800" dirty="0" err="1"/>
-              <a:t>political</a:t>
-            </a:r>
-            <a:r>
-              <a:rPr lang="da-DK" sz="1800" dirty="0"/>
-              <a:t> parties have </a:t>
-            </a:r>
-            <a:r>
-              <a:rPr lang="da-DK" sz="1800" dirty="0" err="1"/>
-              <a:t>voted</a:t>
-            </a:r>
-            <a:r>
-              <a:rPr lang="da-DK" sz="1800" dirty="0"/>
-              <a:t> in the </a:t>
-            </a:r>
-            <a:r>
-              <a:rPr lang="da-DK" sz="1800" dirty="0" err="1"/>
-              <a:t>past</a:t>
-            </a:r>
-            <a:r>
-              <a:rPr lang="da-DK" sz="1800" dirty="0"/>
-              <a:t>. </a:t>
-            </a:r>
-          </a:p>
-          <a:p>
-            <a:r>
-              <a:rPr lang="da-DK" sz="1800" dirty="0"/>
-              <a:t>In </a:t>
-            </a:r>
-            <a:r>
-              <a:rPr lang="da-DK" sz="1800" dirty="0" err="1"/>
-              <a:t>our</a:t>
-            </a:r>
-            <a:r>
-              <a:rPr lang="da-DK" sz="1800" dirty="0"/>
-              <a:t> web </a:t>
-            </a:r>
-            <a:r>
-              <a:rPr lang="da-DK" sz="1800" dirty="0" err="1"/>
-              <a:t>application</a:t>
-            </a:r>
-            <a:r>
-              <a:rPr lang="da-DK" sz="1800" dirty="0"/>
-              <a:t> it </a:t>
-            </a:r>
-            <a:r>
-              <a:rPr lang="da-DK" sz="1800" dirty="0" err="1"/>
-              <a:t>will</a:t>
-            </a:r>
-            <a:r>
-              <a:rPr lang="da-DK" sz="1800" dirty="0"/>
-              <a:t> </a:t>
-            </a:r>
-            <a:r>
-              <a:rPr lang="da-DK" sz="1800" dirty="0" err="1"/>
-              <a:t>be</a:t>
-            </a:r>
-            <a:r>
-              <a:rPr lang="da-DK" sz="1800" dirty="0"/>
-              <a:t> </a:t>
-            </a:r>
-            <a:r>
-              <a:rPr lang="da-DK" sz="1800" dirty="0" err="1"/>
-              <a:t>possible</a:t>
-            </a:r>
-            <a:r>
-              <a:rPr lang="da-DK" sz="1800" dirty="0"/>
-              <a:t> to </a:t>
-            </a:r>
-            <a:r>
-              <a:rPr lang="da-DK" sz="1800" dirty="0" err="1"/>
-              <a:t>choose</a:t>
-            </a:r>
-            <a:r>
-              <a:rPr lang="da-DK" sz="1800" dirty="0"/>
-              <a:t> a </a:t>
-            </a:r>
-            <a:r>
-              <a:rPr lang="da-DK" sz="1800" dirty="0" err="1"/>
-              <a:t>specific</a:t>
-            </a:r>
-            <a:r>
-              <a:rPr lang="da-DK" sz="1800" dirty="0"/>
-              <a:t> party and  a </a:t>
-            </a:r>
-            <a:r>
-              <a:rPr lang="da-DK" sz="1800" dirty="0" err="1"/>
-              <a:t>specific</a:t>
-            </a:r>
-            <a:r>
-              <a:rPr lang="da-DK" sz="1800" dirty="0"/>
-              <a:t> time </a:t>
-            </a:r>
-            <a:r>
-              <a:rPr lang="da-DK" sz="1800" dirty="0" err="1"/>
-              <a:t>period</a:t>
-            </a:r>
-            <a:r>
-              <a:rPr lang="da-DK" sz="1800" dirty="0"/>
-              <a:t> and </a:t>
-            </a:r>
-            <a:r>
-              <a:rPr lang="da-DK" sz="1800" dirty="0" err="1"/>
-              <a:t>then</a:t>
-            </a:r>
-            <a:r>
-              <a:rPr lang="da-DK" sz="1800" dirty="0"/>
-              <a:t> </a:t>
-            </a:r>
-            <a:r>
-              <a:rPr lang="da-DK" sz="1800" dirty="0" err="1"/>
-              <a:t>get</a:t>
-            </a:r>
-            <a:r>
-              <a:rPr lang="da-DK" sz="1800" dirty="0"/>
-              <a:t> a list of all the </a:t>
-            </a:r>
-            <a:r>
-              <a:rPr lang="da-DK" sz="1800" dirty="0" err="1"/>
-              <a:t>laws</a:t>
-            </a:r>
-            <a:r>
-              <a:rPr lang="da-DK" sz="1800" dirty="0"/>
-              <a:t> </a:t>
-            </a:r>
-            <a:r>
-              <a:rPr lang="da-DK" sz="1800" dirty="0" err="1"/>
-              <a:t>they</a:t>
-            </a:r>
-            <a:r>
-              <a:rPr lang="da-DK" sz="1800" dirty="0"/>
-              <a:t> have </a:t>
-            </a:r>
-            <a:r>
-              <a:rPr lang="da-DK" sz="1800" dirty="0" err="1"/>
-              <a:t>voted</a:t>
-            </a:r>
-            <a:r>
-              <a:rPr lang="da-DK" sz="1800" dirty="0"/>
-              <a:t> for and </a:t>
-            </a:r>
-            <a:r>
-              <a:rPr lang="da-DK" sz="1800" dirty="0" err="1"/>
-              <a:t>against</a:t>
-            </a:r>
-            <a:r>
-              <a:rPr lang="da-DK" sz="1800" dirty="0"/>
-              <a:t>.</a:t>
-            </a:r>
-          </a:p>
-          <a:p>
-            <a:r>
-              <a:rPr lang="da-DK" sz="1800" dirty="0"/>
-              <a:t>Data on </a:t>
-            </a:r>
-            <a:r>
-              <a:rPr lang="da-DK" sz="1800" dirty="0" err="1"/>
-              <a:t>this</a:t>
-            </a:r>
-            <a:r>
-              <a:rPr lang="da-DK" sz="1800" dirty="0"/>
-              <a:t> is </a:t>
-            </a:r>
-            <a:r>
-              <a:rPr lang="da-DK" sz="1800" dirty="0" err="1"/>
-              <a:t>publicly</a:t>
-            </a:r>
-            <a:r>
-              <a:rPr lang="da-DK" sz="1800" dirty="0"/>
-              <a:t> </a:t>
-            </a:r>
-            <a:r>
-              <a:rPr lang="da-DK" sz="1800" dirty="0" err="1"/>
-              <a:t>available</a:t>
-            </a:r>
-            <a:r>
-              <a:rPr lang="da-DK" sz="1800" dirty="0"/>
-              <a:t> on </a:t>
-            </a:r>
-            <a:r>
-              <a:rPr lang="da-DK" sz="1800" dirty="0">
-                <a:hlinkClick r:id="rId2"/>
-              </a:rPr>
-              <a:t>https://oda.ft.dk/</a:t>
-            </a:r>
-            <a:r>
-              <a:rPr lang="da-DK" sz="1800" dirty="0"/>
-              <a:t> but it is not </a:t>
-            </a:r>
-            <a:r>
-              <a:rPr lang="da-DK" sz="1800" dirty="0" err="1"/>
-              <a:t>easy</a:t>
-            </a:r>
-            <a:r>
-              <a:rPr lang="da-DK" sz="1800" dirty="0"/>
-              <a:t> to </a:t>
-            </a:r>
-            <a:r>
-              <a:rPr lang="da-DK" sz="1800" dirty="0" err="1"/>
-              <a:t>get</a:t>
-            </a:r>
-            <a:r>
-              <a:rPr lang="da-DK" sz="1800" dirty="0"/>
-              <a:t> an overview on </a:t>
-            </a:r>
-            <a:r>
-              <a:rPr lang="da-DK" sz="1800" dirty="0" err="1"/>
-              <a:t>how</a:t>
-            </a:r>
-            <a:r>
-              <a:rPr lang="da-DK" sz="1800" dirty="0"/>
-              <a:t> a given party has </a:t>
-            </a:r>
-            <a:r>
-              <a:rPr lang="da-DK" sz="1800" dirty="0" err="1"/>
-              <a:t>voted</a:t>
-            </a:r>
-            <a:r>
-              <a:rPr lang="da-DK" sz="1800" dirty="0"/>
-              <a:t>.</a:t>
-            </a:r>
-          </a:p>
-          <a:p>
-            <a:r>
-              <a:rPr lang="da-DK" sz="1800" dirty="0"/>
-              <a:t>The data </a:t>
-            </a:r>
-            <a:r>
-              <a:rPr lang="da-DK" sz="1800" dirty="0" err="1"/>
-              <a:t>exists</a:t>
-            </a:r>
-            <a:r>
-              <a:rPr lang="da-DK" sz="1800" dirty="0"/>
-              <a:t> in the oda.ft.dk database in the same </a:t>
-            </a:r>
-            <a:r>
-              <a:rPr lang="da-DK" sz="1800" dirty="0" err="1"/>
-              <a:t>structure</a:t>
-            </a:r>
-            <a:r>
-              <a:rPr lang="da-DK" sz="1800" dirty="0"/>
-              <a:t> as </a:t>
-            </a:r>
-            <a:r>
-              <a:rPr lang="da-DK" sz="1800" dirty="0" err="1"/>
-              <a:t>indicated</a:t>
-            </a:r>
-            <a:r>
-              <a:rPr lang="da-DK" sz="1800" dirty="0"/>
-              <a:t> in the E/R diagram, </a:t>
-            </a:r>
-            <a:r>
-              <a:rPr lang="da-DK" sz="1800" dirty="0" err="1"/>
-              <a:t>except</a:t>
-            </a:r>
-            <a:r>
-              <a:rPr lang="da-DK" sz="1800" dirty="0"/>
-              <a:t> the </a:t>
-            </a:r>
-            <a:r>
-              <a:rPr lang="da-DK" sz="1800" dirty="0" err="1"/>
-              <a:t>weak</a:t>
-            </a:r>
-            <a:r>
-              <a:rPr lang="da-DK" sz="1800" dirty="0"/>
-              <a:t> </a:t>
-            </a:r>
-            <a:r>
-              <a:rPr lang="da-DK" sz="1800" dirty="0" err="1"/>
-              <a:t>entity</a:t>
-            </a:r>
-            <a:r>
-              <a:rPr lang="da-DK" sz="1800" dirty="0"/>
-              <a:t> ”</a:t>
-            </a:r>
-            <a:r>
-              <a:rPr lang="da-DK" sz="1800" dirty="0" err="1"/>
-              <a:t>Party_Votes</a:t>
-            </a:r>
-            <a:r>
-              <a:rPr lang="da-DK" sz="1800" dirty="0"/>
-              <a:t>” </a:t>
-            </a:r>
-            <a:r>
-              <a:rPr lang="da-DK" sz="1800" dirty="0" err="1"/>
-              <a:t>which</a:t>
-            </a:r>
-            <a:r>
-              <a:rPr lang="da-DK" sz="1800" dirty="0"/>
-              <a:t> is </a:t>
-            </a:r>
-            <a:r>
-              <a:rPr lang="da-DK" sz="1800" dirty="0" err="1"/>
-              <a:t>created</a:t>
-            </a:r>
-            <a:r>
-              <a:rPr lang="da-DK" sz="1800" dirty="0"/>
-              <a:t> from data </a:t>
-            </a:r>
-            <a:r>
-              <a:rPr lang="da-DK" sz="1800" dirty="0" err="1"/>
-              <a:t>parsed</a:t>
-            </a:r>
-            <a:r>
-              <a:rPr lang="da-DK" sz="1800" dirty="0"/>
-              <a:t> from a </a:t>
-            </a:r>
-            <a:r>
-              <a:rPr lang="da-DK" sz="1800" dirty="0" err="1"/>
-              <a:t>text</a:t>
-            </a:r>
-            <a:r>
-              <a:rPr lang="da-DK" sz="1800" dirty="0"/>
-              <a:t> </a:t>
-            </a:r>
-            <a:r>
-              <a:rPr lang="da-DK" sz="1800" dirty="0" err="1"/>
-              <a:t>field</a:t>
-            </a:r>
-            <a:r>
-              <a:rPr lang="da-DK" sz="1800" dirty="0"/>
-              <a:t> in the ”</a:t>
-            </a:r>
-            <a:r>
-              <a:rPr lang="da-DK" sz="1800" dirty="0" err="1"/>
-              <a:t>Vote</a:t>
-            </a:r>
-            <a:r>
-              <a:rPr lang="da-DK" sz="1800" dirty="0"/>
-              <a:t>” </a:t>
-            </a:r>
-            <a:r>
-              <a:rPr lang="da-DK" sz="1800"/>
-              <a:t>entity</a:t>
-            </a:r>
-            <a:endParaRPr lang="da-DK" sz="1800" dirty="0"/>
-          </a:p>
-          <a:p>
-            <a:endParaRPr lang="da-DK" sz="1800" dirty="0"/>
-          </a:p>
-        </p:txBody>
-      </p:sp>
-      <p:sp>
-        <p:nvSpPr>
-          <p:cNvPr id="4" name="TextBox 3">
-            <a:extLst>
-              <a:ext uri="{FF2B5EF4-FFF2-40B4-BE49-F238E27FC236}">
-                <a16:creationId xmlns:a16="http://schemas.microsoft.com/office/drawing/2014/main" id="{BC286FA5-DA82-77FC-B876-8CCB805CBB65}"/>
-              </a:ext>
-            </a:extLst>
-          </p:cNvPr>
-          <p:cNvSpPr txBox="1"/>
-          <p:nvPr/>
-        </p:nvSpPr>
-        <p:spPr>
-          <a:xfrm>
-            <a:off x="668682" y="445973"/>
-            <a:ext cx="6309612" cy="830997"/>
-          </a:xfrm>
-          <a:prstGeom prst="rect">
-            <a:avLst/>
-          </a:prstGeom>
-          <a:noFill/>
-        </p:spPr>
-        <p:txBody>
-          <a:bodyPr wrap="none" rtlCol="0">
-            <a:spAutoFit/>
-          </a:bodyPr>
-          <a:lstStyle/>
-          <a:p>
-            <a:r>
-              <a:rPr lang="en-US" sz="2400" b="1" dirty="0"/>
-              <a:t>Project idea presentation – Vote Tracker App</a:t>
-            </a:r>
-          </a:p>
-          <a:p>
-            <a:r>
-              <a:rPr lang="en-US" b="1" dirty="0"/>
-              <a:t>Draft May 1</a:t>
-            </a:r>
-            <a:r>
-              <a:rPr lang="en-US" b="1" baseline="30000" dirty="0"/>
-              <a:t>st</a:t>
-            </a:r>
-            <a:r>
-              <a:rPr lang="en-US" sz="2400" b="1" dirty="0"/>
-              <a:t> </a:t>
-            </a:r>
-            <a:endParaRPr lang="en-DK" sz="2400" b="1" dirty="0"/>
-          </a:p>
-        </p:txBody>
-      </p:sp>
-    </p:spTree>
-    <p:extLst>
-      <p:ext uri="{BB962C8B-B14F-4D97-AF65-F5344CB8AC3E}">
-        <p14:creationId xmlns:p14="http://schemas.microsoft.com/office/powerpoint/2010/main" val="931196468"/>
-      </p:ext>
-    </p:extLst>
-  </p:cSld>
-  <p:clrMapOvr>
-    <a:masterClrMapping/>
-  </p:clrMapOvr>
-</p:sld>
-</file>
-
-<file path=ppt/slides/slide2.xml><?xml version="1.0" encoding="utf-8"?>
-<p:sld xmlns:a="http://schemas.openxmlformats.org/drawingml/2006/main" xmlns:r="http://schemas.openxmlformats.org/officeDocument/2006/relationships" xmlns:p="http://schemas.openxmlformats.org/presentationml/2006/main">
-  <p:cSld>
-    <p:spTree>
-      <p:nvGrpSpPr>
-        <p:cNvPr id="1" name=""/>
-        <p:cNvGrpSpPr/>
-        <p:nvPr/>
-      </p:nvGrpSpPr>
-      <p:grpSpPr>
-        <a:xfrm>
-          <a:off x="0" y="0"/>
-          <a:ext cx="0" cy="0"/>
-          <a:chOff x="0" y="0"/>
-          <a:chExt cx="0" cy="0"/>
-        </a:xfrm>
-      </p:grpSpPr>
-      <p:sp>
-        <p:nvSpPr>
-          <p:cNvPr id="4" name="Oval 3">
-            <a:extLst>
-              <a:ext uri="{FF2B5EF4-FFF2-40B4-BE49-F238E27FC236}">
-                <a16:creationId xmlns:a16="http://schemas.microsoft.com/office/drawing/2014/main" id="{8C0FF021-4866-D165-E652-A4DDA285CE41}"/>
-              </a:ext>
-            </a:extLst>
-          </p:cNvPr>
-          <p:cNvSpPr/>
-          <p:nvPr/>
-        </p:nvSpPr>
-        <p:spPr>
-          <a:xfrm>
-            <a:off x="2225488" y="3872752"/>
-            <a:ext cx="1190065" cy="275665"/>
-          </a:xfrm>
-          <a:prstGeom prst="ellipse">
-            <a:avLst/>
-          </a:prstGeom>
-          <a:solidFill>
-            <a:schemeClr val="bg1"/>
-          </a:solidFill>
-          <a:ln w="9525"/>
-        </p:spPr>
-        <p:style>
-          <a:lnRef idx="2">
-            <a:schemeClr val="accent1">
-              <a:shade val="15000"/>
-            </a:schemeClr>
-          </a:lnRef>
-          <a:fillRef idx="1">
-            <a:schemeClr val="accent1"/>
-          </a:fillRef>
-          <a:effectRef idx="0">
-            <a:schemeClr val="accent1"/>
-          </a:effectRef>
-          <a:fontRef idx="minor">
-            <a:schemeClr val="lt1"/>
-          </a:fontRef>
-        </p:style>
-        <p:txBody>
-          <a:bodyPr rtlCol="0" anchor="ctr"/>
-          <a:lstStyle/>
-          <a:p>
-            <a:pPr algn="ctr"/>
-            <a:r>
-              <a:rPr lang="en-US" sz="800" dirty="0" err="1">
-                <a:solidFill>
-                  <a:schemeClr val="tx1"/>
-                </a:solidFill>
-              </a:rPr>
-              <a:t>Meeting_ID</a:t>
-            </a:r>
-            <a:endParaRPr lang="en-DK" sz="800" dirty="0">
-              <a:solidFill>
-                <a:schemeClr val="tx1"/>
-              </a:solidFill>
-            </a:endParaRPr>
-          </a:p>
-        </p:txBody>
-      </p:sp>
-      <p:sp>
-        <p:nvSpPr>
-          <p:cNvPr id="5" name="Oval 4">
-            <a:extLst>
-              <a:ext uri="{FF2B5EF4-FFF2-40B4-BE49-F238E27FC236}">
-                <a16:creationId xmlns:a16="http://schemas.microsoft.com/office/drawing/2014/main" id="{12131A1A-B847-EC87-2F19-E37FF92525D8}"/>
-              </a:ext>
-            </a:extLst>
-          </p:cNvPr>
-          <p:cNvSpPr/>
-          <p:nvPr/>
-        </p:nvSpPr>
-        <p:spPr>
-          <a:xfrm>
-            <a:off x="3621741" y="3878354"/>
-            <a:ext cx="1190065" cy="275665"/>
-          </a:xfrm>
-          <a:prstGeom prst="ellipse">
-            <a:avLst/>
-          </a:prstGeom>
-          <a:solidFill>
-            <a:schemeClr val="tx2">
-              <a:lumMod val="25000"/>
-              <a:lumOff val="75000"/>
-            </a:schemeClr>
-          </a:solidFill>
-          <a:ln w="9525"/>
-        </p:spPr>
-        <p:style>
-          <a:lnRef idx="2">
-            <a:schemeClr val="accent1">
-              <a:shade val="15000"/>
-            </a:schemeClr>
-          </a:lnRef>
-          <a:fillRef idx="1">
-            <a:schemeClr val="accent1"/>
-          </a:fillRef>
-          <a:effectRef idx="0">
-            <a:schemeClr val="accent1"/>
-          </a:effectRef>
-          <a:fontRef idx="minor">
-            <a:schemeClr val="lt1"/>
-          </a:fontRef>
-        </p:style>
-        <p:txBody>
-          <a:bodyPr rtlCol="0" anchor="ctr"/>
-          <a:lstStyle/>
-          <a:p>
-            <a:pPr algn="ctr"/>
-            <a:r>
-              <a:rPr lang="en-US" sz="800" dirty="0">
-                <a:solidFill>
-                  <a:schemeClr val="tx1"/>
-                </a:solidFill>
-              </a:rPr>
-              <a:t>Adopted</a:t>
-            </a:r>
-            <a:endParaRPr lang="en-DK" sz="800" dirty="0">
-              <a:solidFill>
-                <a:schemeClr val="tx1"/>
-              </a:solidFill>
-            </a:endParaRPr>
-          </a:p>
-        </p:txBody>
-      </p:sp>
-      <p:sp>
-        <p:nvSpPr>
-          <p:cNvPr id="6" name="Oval 5">
-            <a:extLst>
-              <a:ext uri="{FF2B5EF4-FFF2-40B4-BE49-F238E27FC236}">
-                <a16:creationId xmlns:a16="http://schemas.microsoft.com/office/drawing/2014/main" id="{31176031-5084-4B7C-9279-AD8C8773038B}"/>
-              </a:ext>
-            </a:extLst>
-          </p:cNvPr>
-          <p:cNvSpPr/>
-          <p:nvPr/>
-        </p:nvSpPr>
-        <p:spPr>
-          <a:xfrm>
-            <a:off x="2935941" y="3449168"/>
-            <a:ext cx="1190065" cy="275665"/>
-          </a:xfrm>
-          <a:prstGeom prst="ellipse">
-            <a:avLst/>
-          </a:prstGeom>
-          <a:solidFill>
-            <a:schemeClr val="bg1"/>
-          </a:solidFill>
-          <a:ln w="9525"/>
-        </p:spPr>
-        <p:style>
-          <a:lnRef idx="2">
-            <a:schemeClr val="accent1">
-              <a:shade val="15000"/>
-            </a:schemeClr>
-          </a:lnRef>
-          <a:fillRef idx="1">
-            <a:schemeClr val="accent1"/>
-          </a:fillRef>
-          <a:effectRef idx="0">
-            <a:schemeClr val="accent1"/>
-          </a:effectRef>
-          <a:fontRef idx="minor">
-            <a:schemeClr val="lt1"/>
-          </a:fontRef>
-        </p:style>
-        <p:txBody>
-          <a:bodyPr rtlCol="0" anchor="ctr"/>
-          <a:lstStyle/>
-          <a:p>
-            <a:pPr algn="ctr"/>
-            <a:r>
-              <a:rPr lang="en-US" sz="800" dirty="0">
-                <a:solidFill>
-                  <a:schemeClr val="tx1"/>
-                </a:solidFill>
-              </a:rPr>
-              <a:t>Number</a:t>
-            </a:r>
-            <a:endParaRPr lang="en-DK" sz="800" dirty="0">
-              <a:solidFill>
-                <a:schemeClr val="tx1"/>
-              </a:solidFill>
-            </a:endParaRPr>
-          </a:p>
-        </p:txBody>
-      </p:sp>
-      <p:sp>
-        <p:nvSpPr>
-          <p:cNvPr id="7" name="Oval 6">
-            <a:extLst>
-              <a:ext uri="{FF2B5EF4-FFF2-40B4-BE49-F238E27FC236}">
-                <a16:creationId xmlns:a16="http://schemas.microsoft.com/office/drawing/2014/main" id="{55CD3842-8E9B-63BE-EB05-0D9AE52772DB}"/>
-              </a:ext>
-            </a:extLst>
-          </p:cNvPr>
-          <p:cNvSpPr/>
-          <p:nvPr/>
-        </p:nvSpPr>
-        <p:spPr>
-          <a:xfrm>
-            <a:off x="1539687" y="3449167"/>
-            <a:ext cx="1190065" cy="275665"/>
-          </a:xfrm>
-          <a:prstGeom prst="ellipse">
-            <a:avLst/>
-          </a:prstGeom>
-          <a:solidFill>
-            <a:schemeClr val="bg1"/>
-          </a:solidFill>
-          <a:ln w="9525"/>
-        </p:spPr>
-        <p:style>
-          <a:lnRef idx="2">
-            <a:schemeClr val="accent1">
-              <a:shade val="15000"/>
-            </a:schemeClr>
-          </a:lnRef>
-          <a:fillRef idx="1">
-            <a:schemeClr val="accent1"/>
-          </a:fillRef>
-          <a:effectRef idx="0">
-            <a:schemeClr val="accent1"/>
-          </a:effectRef>
-          <a:fontRef idx="minor">
-            <a:schemeClr val="lt1"/>
-          </a:fontRef>
-        </p:style>
-        <p:txBody>
-          <a:bodyPr rtlCol="0" anchor="ctr"/>
-          <a:lstStyle/>
-          <a:p>
-            <a:pPr algn="ctr"/>
-            <a:r>
-              <a:rPr lang="en-US" sz="800" dirty="0">
-                <a:solidFill>
-                  <a:schemeClr val="tx1"/>
-                </a:solidFill>
-              </a:rPr>
-              <a:t>Conclusion</a:t>
-            </a:r>
-            <a:endParaRPr lang="en-DK" sz="800" dirty="0">
-              <a:solidFill>
-                <a:schemeClr val="tx1"/>
-              </a:solidFill>
-            </a:endParaRPr>
-          </a:p>
-        </p:txBody>
-      </p:sp>
-      <p:sp>
-        <p:nvSpPr>
-          <p:cNvPr id="8" name="Oval 7">
-            <a:extLst>
-              <a:ext uri="{FF2B5EF4-FFF2-40B4-BE49-F238E27FC236}">
-                <a16:creationId xmlns:a16="http://schemas.microsoft.com/office/drawing/2014/main" id="{35471D3A-9FA0-301A-4BC0-D75A4792445F}"/>
-              </a:ext>
-            </a:extLst>
-          </p:cNvPr>
-          <p:cNvSpPr/>
-          <p:nvPr/>
-        </p:nvSpPr>
-        <p:spPr>
-          <a:xfrm>
-            <a:off x="2225488" y="4752409"/>
-            <a:ext cx="1190065" cy="275665"/>
-          </a:xfrm>
-          <a:prstGeom prst="ellipse">
-            <a:avLst/>
-          </a:prstGeom>
-          <a:solidFill>
-            <a:schemeClr val="bg1"/>
-          </a:solidFill>
-          <a:ln w="9525"/>
-        </p:spPr>
-        <p:style>
-          <a:lnRef idx="2">
-            <a:schemeClr val="accent1">
-              <a:shade val="15000"/>
-            </a:schemeClr>
-          </a:lnRef>
-          <a:fillRef idx="1">
-            <a:schemeClr val="accent1"/>
-          </a:fillRef>
-          <a:effectRef idx="0">
-            <a:schemeClr val="accent1"/>
-          </a:effectRef>
-          <a:fontRef idx="minor">
-            <a:schemeClr val="lt1"/>
-          </a:fontRef>
-        </p:style>
-        <p:txBody>
-          <a:bodyPr rtlCol="0" anchor="ctr"/>
-          <a:lstStyle/>
-          <a:p>
-            <a:pPr algn="ctr"/>
-            <a:r>
-              <a:rPr lang="en-US" sz="800" dirty="0" err="1">
-                <a:solidFill>
-                  <a:schemeClr val="tx1"/>
-                </a:solidFill>
-              </a:rPr>
-              <a:t>Update_Date</a:t>
-            </a:r>
-            <a:endParaRPr lang="en-DK" sz="800" dirty="0">
-              <a:solidFill>
-                <a:schemeClr val="tx1"/>
-              </a:solidFill>
-            </a:endParaRPr>
-          </a:p>
-        </p:txBody>
-      </p:sp>
-      <p:sp>
-        <p:nvSpPr>
-          <p:cNvPr id="9" name="Oval 8">
-            <a:extLst>
-              <a:ext uri="{FF2B5EF4-FFF2-40B4-BE49-F238E27FC236}">
-                <a16:creationId xmlns:a16="http://schemas.microsoft.com/office/drawing/2014/main" id="{7938211E-55F8-A6CB-2493-015D77A60567}"/>
-              </a:ext>
-            </a:extLst>
-          </p:cNvPr>
-          <p:cNvSpPr/>
-          <p:nvPr/>
-        </p:nvSpPr>
-        <p:spPr>
-          <a:xfrm>
-            <a:off x="3621741" y="4758011"/>
-            <a:ext cx="1190065" cy="275665"/>
-          </a:xfrm>
-          <a:prstGeom prst="ellipse">
-            <a:avLst/>
-          </a:prstGeom>
-          <a:solidFill>
-            <a:schemeClr val="bg1"/>
-          </a:solidFill>
-          <a:ln w="9525"/>
-        </p:spPr>
-        <p:style>
-          <a:lnRef idx="2">
-            <a:schemeClr val="accent1">
-              <a:shade val="15000"/>
-            </a:schemeClr>
-          </a:lnRef>
-          <a:fillRef idx="1">
-            <a:schemeClr val="accent1"/>
-          </a:fillRef>
-          <a:effectRef idx="0">
-            <a:schemeClr val="accent1"/>
-          </a:effectRef>
-          <a:fontRef idx="minor">
-            <a:schemeClr val="lt1"/>
-          </a:fontRef>
-        </p:style>
-        <p:txBody>
-          <a:bodyPr rtlCol="0" anchor="ctr"/>
-          <a:lstStyle/>
-          <a:p>
-            <a:pPr algn="ctr"/>
-            <a:r>
-              <a:rPr lang="en-US" sz="800" dirty="0" err="1">
-                <a:solidFill>
-                  <a:schemeClr val="tx1"/>
-                </a:solidFill>
-              </a:rPr>
-              <a:t>Type_ID</a:t>
-            </a:r>
-            <a:endParaRPr lang="en-DK" sz="800" dirty="0">
-              <a:solidFill>
-                <a:schemeClr val="tx1"/>
-              </a:solidFill>
-            </a:endParaRPr>
-          </a:p>
-        </p:txBody>
-      </p:sp>
-      <p:sp>
-        <p:nvSpPr>
-          <p:cNvPr id="10" name="Oval 9">
-            <a:extLst>
-              <a:ext uri="{FF2B5EF4-FFF2-40B4-BE49-F238E27FC236}">
-                <a16:creationId xmlns:a16="http://schemas.microsoft.com/office/drawing/2014/main" id="{37DA0249-5303-32FC-DEB5-FCA10C7B790F}"/>
-              </a:ext>
-            </a:extLst>
-          </p:cNvPr>
-          <p:cNvSpPr/>
-          <p:nvPr/>
-        </p:nvSpPr>
-        <p:spPr>
-          <a:xfrm>
-            <a:off x="2935938" y="5195043"/>
-            <a:ext cx="1190065" cy="275665"/>
-          </a:xfrm>
-          <a:prstGeom prst="ellipse">
-            <a:avLst/>
-          </a:prstGeom>
-          <a:solidFill>
-            <a:schemeClr val="bg1"/>
-          </a:solidFill>
-          <a:ln w="9525"/>
-        </p:spPr>
-        <p:style>
-          <a:lnRef idx="2">
-            <a:schemeClr val="accent1">
-              <a:shade val="15000"/>
-            </a:schemeClr>
-          </a:lnRef>
-          <a:fillRef idx="1">
-            <a:schemeClr val="accent1"/>
-          </a:fillRef>
-          <a:effectRef idx="0">
-            <a:schemeClr val="accent1"/>
-          </a:effectRef>
-          <a:fontRef idx="minor">
-            <a:schemeClr val="lt1"/>
-          </a:fontRef>
-        </p:style>
-        <p:txBody>
-          <a:bodyPr rtlCol="0" anchor="ctr"/>
-          <a:lstStyle/>
-          <a:p>
-            <a:pPr algn="ctr"/>
-            <a:r>
-              <a:rPr lang="en-US" sz="800" dirty="0" err="1">
-                <a:solidFill>
-                  <a:schemeClr val="tx1"/>
-                </a:solidFill>
-              </a:rPr>
-              <a:t>CaseStep_ID</a:t>
-            </a:r>
-            <a:endParaRPr lang="en-DK" sz="800" dirty="0">
-              <a:solidFill>
-                <a:schemeClr val="tx1"/>
-              </a:solidFill>
-            </a:endParaRPr>
-          </a:p>
-        </p:txBody>
-      </p:sp>
-      <p:sp>
-        <p:nvSpPr>
-          <p:cNvPr id="11" name="Oval 10">
-            <a:extLst>
-              <a:ext uri="{FF2B5EF4-FFF2-40B4-BE49-F238E27FC236}">
-                <a16:creationId xmlns:a16="http://schemas.microsoft.com/office/drawing/2014/main" id="{9A470374-7191-6AA7-F452-F3063F5B87D2}"/>
-              </a:ext>
-            </a:extLst>
-          </p:cNvPr>
-          <p:cNvSpPr/>
-          <p:nvPr/>
-        </p:nvSpPr>
-        <p:spPr>
-          <a:xfrm>
-            <a:off x="1539687" y="5195043"/>
-            <a:ext cx="1190065" cy="275665"/>
-          </a:xfrm>
-          <a:prstGeom prst="ellipse">
-            <a:avLst/>
-          </a:prstGeom>
-          <a:solidFill>
-            <a:schemeClr val="bg1"/>
-          </a:solidFill>
-          <a:ln w="9525"/>
-        </p:spPr>
-        <p:style>
-          <a:lnRef idx="2">
-            <a:schemeClr val="accent1">
-              <a:shade val="15000"/>
-            </a:schemeClr>
-          </a:lnRef>
-          <a:fillRef idx="1">
-            <a:schemeClr val="accent1"/>
-          </a:fillRef>
-          <a:effectRef idx="0">
-            <a:schemeClr val="accent1"/>
-          </a:effectRef>
-          <a:fontRef idx="minor">
-            <a:schemeClr val="lt1"/>
-          </a:fontRef>
-        </p:style>
-        <p:txBody>
-          <a:bodyPr rtlCol="0" anchor="ctr"/>
-          <a:lstStyle/>
-          <a:p>
-            <a:pPr algn="ctr"/>
-            <a:r>
-              <a:rPr lang="en-US" sz="800" u="sng" dirty="0" err="1">
-                <a:solidFill>
-                  <a:schemeClr val="tx1"/>
-                </a:solidFill>
-              </a:rPr>
-              <a:t>Vote_ID</a:t>
-            </a:r>
-            <a:endParaRPr lang="en-DK" sz="800" u="sng" dirty="0">
-              <a:solidFill>
-                <a:schemeClr val="tx1"/>
-              </a:solidFill>
-            </a:endParaRPr>
-          </a:p>
-        </p:txBody>
-      </p:sp>
-      <p:sp>
-        <p:nvSpPr>
-          <p:cNvPr id="13" name="Rectangle 12">
-            <a:extLst>
-              <a:ext uri="{FF2B5EF4-FFF2-40B4-BE49-F238E27FC236}">
-                <a16:creationId xmlns:a16="http://schemas.microsoft.com/office/drawing/2014/main" id="{5842C47D-EFF9-39BB-8687-C5007114B669}"/>
-              </a:ext>
-            </a:extLst>
-          </p:cNvPr>
-          <p:cNvSpPr/>
-          <p:nvPr/>
-        </p:nvSpPr>
-        <p:spPr>
-          <a:xfrm>
-            <a:off x="2023782" y="4307540"/>
-            <a:ext cx="2391896" cy="275665"/>
-          </a:xfrm>
-          <a:prstGeom prst="rect">
-            <a:avLst/>
-          </a:prstGeom>
-          <a:solidFill>
-            <a:schemeClr val="bg1"/>
-          </a:solidFill>
-          <a:ln w="9525"/>
-        </p:spPr>
-        <p:style>
-          <a:lnRef idx="2">
-            <a:schemeClr val="accent1">
-              <a:shade val="15000"/>
-            </a:schemeClr>
-          </a:lnRef>
-          <a:fillRef idx="1">
-            <a:schemeClr val="accent1"/>
-          </a:fillRef>
-          <a:effectRef idx="0">
-            <a:schemeClr val="accent1"/>
-          </a:effectRef>
-          <a:fontRef idx="minor">
-            <a:schemeClr val="lt1"/>
-          </a:fontRef>
-        </p:style>
-        <p:txBody>
-          <a:bodyPr rtlCol="0" anchor="ctr"/>
-          <a:lstStyle/>
-          <a:p>
-            <a:pPr algn="ctr"/>
-            <a:r>
-              <a:rPr lang="en-US" sz="800" dirty="0">
-                <a:solidFill>
-                  <a:sysClr val="windowText" lastClr="000000"/>
-                </a:solidFill>
-              </a:rPr>
-              <a:t>Vote</a:t>
-            </a:r>
-            <a:endParaRPr lang="en-DK" sz="800" dirty="0">
-              <a:solidFill>
-                <a:sysClr val="windowText" lastClr="000000"/>
-              </a:solidFill>
-            </a:endParaRPr>
-          </a:p>
-        </p:txBody>
-      </p:sp>
-      <p:cxnSp>
-        <p:nvCxnSpPr>
-          <p:cNvPr id="15" name="Straight Connector 14">
-            <a:extLst>
-              <a:ext uri="{FF2B5EF4-FFF2-40B4-BE49-F238E27FC236}">
-                <a16:creationId xmlns:a16="http://schemas.microsoft.com/office/drawing/2014/main" id="{1ABDE529-6F68-24DA-A011-03020CB22B28}"/>
-              </a:ext>
-            </a:extLst>
-          </p:cNvPr>
-          <p:cNvCxnSpPr>
-            <a:cxnSpLocks/>
-          </p:cNvCxnSpPr>
-          <p:nvPr/>
-        </p:nvCxnSpPr>
-        <p:spPr>
-          <a:xfrm>
-            <a:off x="2134719" y="3732115"/>
-            <a:ext cx="0" cy="575425"/>
-          </a:xfrm>
-          <a:prstGeom prst="line">
-            <a:avLst/>
-          </a:prstGeom>
-          <a:ln w="9525"/>
-        </p:spPr>
-        <p:style>
-          <a:lnRef idx="2">
-            <a:schemeClr val="accent1"/>
-          </a:lnRef>
-          <a:fillRef idx="0">
-            <a:schemeClr val="accent1"/>
-          </a:fillRef>
-          <a:effectRef idx="1">
-            <a:schemeClr val="accent1"/>
-          </a:effectRef>
-          <a:fontRef idx="minor">
-            <a:schemeClr val="tx1"/>
-          </a:fontRef>
-        </p:style>
-      </p:cxnSp>
-      <p:cxnSp>
-        <p:nvCxnSpPr>
-          <p:cNvPr id="17" name="Straight Connector 16">
-            <a:extLst>
-              <a:ext uri="{FF2B5EF4-FFF2-40B4-BE49-F238E27FC236}">
-                <a16:creationId xmlns:a16="http://schemas.microsoft.com/office/drawing/2014/main" id="{DFE884A7-AF72-C7FD-12EC-2856602C8CF3}"/>
-              </a:ext>
-            </a:extLst>
-          </p:cNvPr>
-          <p:cNvCxnSpPr>
-            <a:cxnSpLocks/>
-          </p:cNvCxnSpPr>
-          <p:nvPr/>
-        </p:nvCxnSpPr>
-        <p:spPr>
-          <a:xfrm>
-            <a:off x="3525369" y="3722871"/>
-            <a:ext cx="0" cy="575425"/>
-          </a:xfrm>
-          <a:prstGeom prst="line">
-            <a:avLst/>
-          </a:prstGeom>
-          <a:ln w="9525"/>
-        </p:spPr>
-        <p:style>
-          <a:lnRef idx="2">
-            <a:schemeClr val="accent1"/>
-          </a:lnRef>
-          <a:fillRef idx="0">
-            <a:schemeClr val="accent1"/>
-          </a:fillRef>
-          <a:effectRef idx="1">
-            <a:schemeClr val="accent1"/>
-          </a:effectRef>
-          <a:fontRef idx="minor">
-            <a:schemeClr val="tx1"/>
-          </a:fontRef>
-        </p:style>
-      </p:cxnSp>
-      <p:cxnSp>
-        <p:nvCxnSpPr>
-          <p:cNvPr id="18" name="Straight Connector 17">
-            <a:extLst>
-              <a:ext uri="{FF2B5EF4-FFF2-40B4-BE49-F238E27FC236}">
-                <a16:creationId xmlns:a16="http://schemas.microsoft.com/office/drawing/2014/main" id="{BAC0F3D4-BCB1-A462-B66D-3859D947D978}"/>
-              </a:ext>
-            </a:extLst>
-          </p:cNvPr>
-          <p:cNvCxnSpPr>
-            <a:cxnSpLocks/>
-            <a:endCxn id="11" idx="0"/>
-          </p:cNvCxnSpPr>
-          <p:nvPr/>
-        </p:nvCxnSpPr>
-        <p:spPr>
-          <a:xfrm>
-            <a:off x="2134719" y="4592721"/>
-            <a:ext cx="1" cy="602322"/>
-          </a:xfrm>
-          <a:prstGeom prst="line">
-            <a:avLst/>
-          </a:prstGeom>
-          <a:ln w="9525"/>
-        </p:spPr>
-        <p:style>
-          <a:lnRef idx="2">
-            <a:schemeClr val="accent1"/>
-          </a:lnRef>
-          <a:fillRef idx="0">
-            <a:schemeClr val="accent1"/>
-          </a:fillRef>
-          <a:effectRef idx="1">
-            <a:schemeClr val="accent1"/>
-          </a:effectRef>
-          <a:fontRef idx="minor">
-            <a:schemeClr val="tx1"/>
-          </a:fontRef>
-        </p:style>
-      </p:cxnSp>
-      <p:cxnSp>
-        <p:nvCxnSpPr>
-          <p:cNvPr id="19" name="Straight Connector 18">
-            <a:extLst>
-              <a:ext uri="{FF2B5EF4-FFF2-40B4-BE49-F238E27FC236}">
-                <a16:creationId xmlns:a16="http://schemas.microsoft.com/office/drawing/2014/main" id="{FF2249A8-1077-D783-5BF0-FB51E98E4CE4}"/>
-              </a:ext>
-            </a:extLst>
-          </p:cNvPr>
-          <p:cNvCxnSpPr>
-            <a:cxnSpLocks/>
-            <a:endCxn id="10" idx="0"/>
-          </p:cNvCxnSpPr>
-          <p:nvPr/>
-        </p:nvCxnSpPr>
-        <p:spPr>
-          <a:xfrm>
-            <a:off x="3530971" y="4592449"/>
-            <a:ext cx="0" cy="602594"/>
-          </a:xfrm>
-          <a:prstGeom prst="line">
-            <a:avLst/>
-          </a:prstGeom>
-          <a:ln w="9525"/>
-        </p:spPr>
-        <p:style>
-          <a:lnRef idx="2">
-            <a:schemeClr val="accent1"/>
-          </a:lnRef>
-          <a:fillRef idx="0">
-            <a:schemeClr val="accent1"/>
-          </a:fillRef>
-          <a:effectRef idx="1">
-            <a:schemeClr val="accent1"/>
-          </a:effectRef>
-          <a:fontRef idx="minor">
-            <a:schemeClr val="tx1"/>
-          </a:fontRef>
-        </p:style>
-      </p:cxnSp>
-      <p:cxnSp>
-        <p:nvCxnSpPr>
-          <p:cNvPr id="21" name="Straight Connector 20">
-            <a:extLst>
-              <a:ext uri="{FF2B5EF4-FFF2-40B4-BE49-F238E27FC236}">
-                <a16:creationId xmlns:a16="http://schemas.microsoft.com/office/drawing/2014/main" id="{008520BA-391D-53FC-880F-590778C293E8}"/>
-              </a:ext>
-            </a:extLst>
-          </p:cNvPr>
-          <p:cNvCxnSpPr>
-            <a:cxnSpLocks/>
-            <a:stCxn id="4" idx="4"/>
-          </p:cNvCxnSpPr>
-          <p:nvPr/>
-        </p:nvCxnSpPr>
-        <p:spPr>
-          <a:xfrm>
-            <a:off x="2820521" y="4148417"/>
-            <a:ext cx="0" cy="169204"/>
-          </a:xfrm>
-          <a:prstGeom prst="line">
-            <a:avLst/>
-          </a:prstGeom>
-          <a:ln w="9525"/>
-        </p:spPr>
-        <p:style>
-          <a:lnRef idx="2">
-            <a:schemeClr val="accent1"/>
-          </a:lnRef>
-          <a:fillRef idx="0">
-            <a:schemeClr val="accent1"/>
-          </a:fillRef>
-          <a:effectRef idx="1">
-            <a:schemeClr val="accent1"/>
-          </a:effectRef>
-          <a:fontRef idx="minor">
-            <a:schemeClr val="tx1"/>
-          </a:fontRef>
-        </p:style>
-      </p:cxnSp>
-      <p:cxnSp>
-        <p:nvCxnSpPr>
-          <p:cNvPr id="23" name="Straight Connector 22">
-            <a:extLst>
-              <a:ext uri="{FF2B5EF4-FFF2-40B4-BE49-F238E27FC236}">
-                <a16:creationId xmlns:a16="http://schemas.microsoft.com/office/drawing/2014/main" id="{6590E04F-5E30-999C-5D75-A337E03380F5}"/>
-              </a:ext>
-            </a:extLst>
-          </p:cNvPr>
-          <p:cNvCxnSpPr>
-            <a:cxnSpLocks/>
-          </p:cNvCxnSpPr>
-          <p:nvPr/>
-        </p:nvCxnSpPr>
-        <p:spPr>
-          <a:xfrm>
-            <a:off x="4216773" y="4148417"/>
-            <a:ext cx="0" cy="169204"/>
-          </a:xfrm>
-          <a:prstGeom prst="line">
-            <a:avLst/>
-          </a:prstGeom>
-          <a:ln w="9525"/>
-        </p:spPr>
-        <p:style>
-          <a:lnRef idx="2">
-            <a:schemeClr val="accent1"/>
-          </a:lnRef>
-          <a:fillRef idx="0">
-            <a:schemeClr val="accent1"/>
-          </a:fillRef>
-          <a:effectRef idx="1">
-            <a:schemeClr val="accent1"/>
-          </a:effectRef>
-          <a:fontRef idx="minor">
-            <a:schemeClr val="tx1"/>
-          </a:fontRef>
-        </p:style>
-      </p:cxnSp>
-      <p:cxnSp>
-        <p:nvCxnSpPr>
-          <p:cNvPr id="24" name="Straight Connector 23">
-            <a:extLst>
-              <a:ext uri="{FF2B5EF4-FFF2-40B4-BE49-F238E27FC236}">
-                <a16:creationId xmlns:a16="http://schemas.microsoft.com/office/drawing/2014/main" id="{FF867FAF-9632-7AD5-877F-EAE9757A9393}"/>
-              </a:ext>
-            </a:extLst>
-          </p:cNvPr>
-          <p:cNvCxnSpPr>
-            <a:cxnSpLocks/>
-          </p:cNvCxnSpPr>
-          <p:nvPr/>
-        </p:nvCxnSpPr>
-        <p:spPr>
-          <a:xfrm>
-            <a:off x="2824999" y="4576482"/>
-            <a:ext cx="0" cy="169204"/>
-          </a:xfrm>
-          <a:prstGeom prst="line">
-            <a:avLst/>
-          </a:prstGeom>
-          <a:ln w="9525"/>
-        </p:spPr>
-        <p:style>
-          <a:lnRef idx="2">
-            <a:schemeClr val="accent1"/>
-          </a:lnRef>
-          <a:fillRef idx="0">
-            <a:schemeClr val="accent1"/>
-          </a:fillRef>
-          <a:effectRef idx="1">
-            <a:schemeClr val="accent1"/>
-          </a:effectRef>
-          <a:fontRef idx="minor">
-            <a:schemeClr val="tx1"/>
-          </a:fontRef>
-        </p:style>
-      </p:cxnSp>
-      <p:cxnSp>
-        <p:nvCxnSpPr>
-          <p:cNvPr id="25" name="Straight Connector 24">
-            <a:extLst>
-              <a:ext uri="{FF2B5EF4-FFF2-40B4-BE49-F238E27FC236}">
-                <a16:creationId xmlns:a16="http://schemas.microsoft.com/office/drawing/2014/main" id="{B7B6CCB3-D13D-5FC2-15C4-7EC28FC7BBB3}"/>
-              </a:ext>
-            </a:extLst>
-          </p:cNvPr>
-          <p:cNvCxnSpPr>
-            <a:cxnSpLocks/>
-          </p:cNvCxnSpPr>
-          <p:nvPr/>
-        </p:nvCxnSpPr>
-        <p:spPr>
-          <a:xfrm>
-            <a:off x="4221251" y="4576482"/>
-            <a:ext cx="0" cy="169204"/>
-          </a:xfrm>
-          <a:prstGeom prst="line">
-            <a:avLst/>
-          </a:prstGeom>
-          <a:ln w="9525"/>
-        </p:spPr>
-        <p:style>
-          <a:lnRef idx="2">
-            <a:schemeClr val="accent1"/>
-          </a:lnRef>
-          <a:fillRef idx="0">
-            <a:schemeClr val="accent1"/>
-          </a:fillRef>
-          <a:effectRef idx="1">
-            <a:schemeClr val="accent1"/>
-          </a:effectRef>
-          <a:fontRef idx="minor">
-            <a:schemeClr val="tx1"/>
-          </a:fontRef>
-        </p:style>
-      </p:cxnSp>
-      <p:sp>
-        <p:nvSpPr>
-          <p:cNvPr id="35" name="Diamond 34">
-            <a:extLst>
-              <a:ext uri="{FF2B5EF4-FFF2-40B4-BE49-F238E27FC236}">
-                <a16:creationId xmlns:a16="http://schemas.microsoft.com/office/drawing/2014/main" id="{4A7353DA-AFB9-9C5A-15F8-1FA76D3216F4}"/>
-              </a:ext>
-            </a:extLst>
-          </p:cNvPr>
-          <p:cNvSpPr/>
-          <p:nvPr/>
-        </p:nvSpPr>
-        <p:spPr>
-          <a:xfrm>
-            <a:off x="5101479" y="3540221"/>
-            <a:ext cx="632012" cy="602594"/>
-          </a:xfrm>
-          <a:prstGeom prst="diamond">
-            <a:avLst/>
-          </a:prstGeom>
-          <a:solidFill>
-            <a:schemeClr val="bg1"/>
-          </a:solidFill>
-          <a:ln w="9525">
-            <a:solidFill>
-              <a:schemeClr val="tx1"/>
-            </a:solidFill>
-          </a:ln>
-        </p:spPr>
-        <p:style>
-          <a:lnRef idx="2">
-            <a:schemeClr val="accent1">
-              <a:shade val="15000"/>
-            </a:schemeClr>
-          </a:lnRef>
-          <a:fillRef idx="1">
-            <a:schemeClr val="accent1"/>
-          </a:fillRef>
-          <a:effectRef idx="0">
-            <a:schemeClr val="accent1"/>
-          </a:effectRef>
-          <a:fontRef idx="minor">
-            <a:schemeClr val="lt1"/>
-          </a:fontRef>
-        </p:style>
-        <p:txBody>
-          <a:bodyPr wrap="none" lIns="0" rIns="0" rtlCol="0" anchor="ctr"/>
-          <a:lstStyle/>
-          <a:p>
-            <a:pPr algn="ctr"/>
-            <a:r>
-              <a:rPr lang="en-US" sz="800" dirty="0">
-                <a:solidFill>
-                  <a:schemeClr val="tx1"/>
-                </a:solidFill>
-              </a:rPr>
-              <a:t>At</a:t>
-            </a:r>
-            <a:endParaRPr lang="en-DK" sz="800" dirty="0"/>
-          </a:p>
-        </p:txBody>
-      </p:sp>
-      <p:sp>
-        <p:nvSpPr>
-          <p:cNvPr id="36" name="Rectangle 35">
-            <a:extLst>
-              <a:ext uri="{FF2B5EF4-FFF2-40B4-BE49-F238E27FC236}">
-                <a16:creationId xmlns:a16="http://schemas.microsoft.com/office/drawing/2014/main" id="{166F6D6B-719F-EBDC-2F20-BA1D8AA5FAB8}"/>
-              </a:ext>
-            </a:extLst>
-          </p:cNvPr>
-          <p:cNvSpPr/>
-          <p:nvPr/>
-        </p:nvSpPr>
-        <p:spPr>
-          <a:xfrm>
-            <a:off x="6292665" y="3703686"/>
-            <a:ext cx="2391896" cy="275665"/>
-          </a:xfrm>
-          <a:prstGeom prst="rect">
-            <a:avLst/>
-          </a:prstGeom>
-          <a:solidFill>
-            <a:schemeClr val="bg1"/>
-          </a:solidFill>
-          <a:ln w="9525"/>
-        </p:spPr>
-        <p:style>
-          <a:lnRef idx="2">
-            <a:schemeClr val="accent1">
-              <a:shade val="15000"/>
-            </a:schemeClr>
-          </a:lnRef>
-          <a:fillRef idx="1">
-            <a:schemeClr val="accent1"/>
-          </a:fillRef>
-          <a:effectRef idx="0">
-            <a:schemeClr val="accent1"/>
-          </a:effectRef>
-          <a:fontRef idx="minor">
-            <a:schemeClr val="lt1"/>
-          </a:fontRef>
-        </p:style>
-        <p:txBody>
-          <a:bodyPr rtlCol="0" anchor="ctr"/>
-          <a:lstStyle/>
-          <a:p>
-            <a:pPr algn="ctr"/>
-            <a:r>
-              <a:rPr lang="en-US" sz="800" dirty="0" err="1">
-                <a:solidFill>
-                  <a:sysClr val="windowText" lastClr="000000"/>
-                </a:solidFill>
-              </a:rPr>
-              <a:t>CaseStep</a:t>
-            </a:r>
-            <a:endParaRPr lang="en-DK" sz="800" dirty="0">
-              <a:solidFill>
-                <a:sysClr val="windowText" lastClr="000000"/>
-              </a:solidFill>
-            </a:endParaRPr>
-          </a:p>
-        </p:txBody>
-      </p:sp>
-      <p:cxnSp>
-        <p:nvCxnSpPr>
-          <p:cNvPr id="38" name="Connector: Elbow 37">
-            <a:extLst>
-              <a:ext uri="{FF2B5EF4-FFF2-40B4-BE49-F238E27FC236}">
-                <a16:creationId xmlns:a16="http://schemas.microsoft.com/office/drawing/2014/main" id="{53DF8B26-B773-FBCE-44D9-6723E9013552}"/>
-              </a:ext>
-            </a:extLst>
-          </p:cNvPr>
-          <p:cNvCxnSpPr>
-            <a:cxnSpLocks/>
-            <a:stCxn id="35" idx="2"/>
-          </p:cNvCxnSpPr>
-          <p:nvPr/>
-        </p:nvCxnSpPr>
-        <p:spPr>
-          <a:xfrm rot="5400000">
-            <a:off x="4804769" y="3753727"/>
-            <a:ext cx="223629" cy="1001804"/>
-          </a:xfrm>
-          <a:prstGeom prst="bentConnector2">
-            <a:avLst/>
-          </a:prstGeom>
-          <a:ln w="9525">
-            <a:solidFill>
-              <a:schemeClr val="tx1"/>
-            </a:solidFill>
-          </a:ln>
-        </p:spPr>
-        <p:style>
-          <a:lnRef idx="2">
-            <a:schemeClr val="accent1"/>
-          </a:lnRef>
-          <a:fillRef idx="0">
-            <a:schemeClr val="accent1"/>
-          </a:fillRef>
-          <a:effectRef idx="1">
-            <a:schemeClr val="accent1"/>
-          </a:effectRef>
-          <a:fontRef idx="minor">
-            <a:schemeClr val="tx1"/>
-          </a:fontRef>
-        </p:style>
-      </p:cxnSp>
-      <p:cxnSp>
-        <p:nvCxnSpPr>
-          <p:cNvPr id="41" name="Straight Connector 40">
-            <a:extLst>
-              <a:ext uri="{FF2B5EF4-FFF2-40B4-BE49-F238E27FC236}">
-                <a16:creationId xmlns:a16="http://schemas.microsoft.com/office/drawing/2014/main" id="{DADE58CF-6BD2-FD58-F946-5A004639550C}"/>
-              </a:ext>
-            </a:extLst>
-          </p:cNvPr>
-          <p:cNvCxnSpPr>
-            <a:stCxn id="35" idx="3"/>
-            <a:endCxn id="36" idx="1"/>
-          </p:cNvCxnSpPr>
-          <p:nvPr/>
-        </p:nvCxnSpPr>
-        <p:spPr>
-          <a:xfrm>
-            <a:off x="5733491" y="3841518"/>
-            <a:ext cx="559174" cy="1"/>
-          </a:xfrm>
-          <a:prstGeom prst="line">
-            <a:avLst/>
-          </a:prstGeom>
-          <a:ln w="9525">
-            <a:solidFill>
-              <a:schemeClr val="tx1"/>
-            </a:solidFill>
-          </a:ln>
-        </p:spPr>
-        <p:style>
-          <a:lnRef idx="2">
-            <a:schemeClr val="accent1"/>
-          </a:lnRef>
-          <a:fillRef idx="0">
-            <a:schemeClr val="accent1"/>
-          </a:fillRef>
-          <a:effectRef idx="1">
-            <a:schemeClr val="accent1"/>
-          </a:effectRef>
-          <a:fontRef idx="minor">
-            <a:schemeClr val="tx1"/>
-          </a:fontRef>
-        </p:style>
-      </p:cxnSp>
-      <p:sp>
-        <p:nvSpPr>
-          <p:cNvPr id="42" name="Oval 41">
-            <a:extLst>
-              <a:ext uri="{FF2B5EF4-FFF2-40B4-BE49-F238E27FC236}">
-                <a16:creationId xmlns:a16="http://schemas.microsoft.com/office/drawing/2014/main" id="{7C75F03E-593E-00F0-89F3-8DFD62602AF5}"/>
-              </a:ext>
-            </a:extLst>
-          </p:cNvPr>
-          <p:cNvSpPr/>
-          <p:nvPr/>
-        </p:nvSpPr>
-        <p:spPr>
-          <a:xfrm>
-            <a:off x="6207779" y="4148417"/>
-            <a:ext cx="1190065" cy="275665"/>
-          </a:xfrm>
-          <a:prstGeom prst="ellipse">
-            <a:avLst/>
-          </a:prstGeom>
-          <a:solidFill>
-            <a:schemeClr val="bg1"/>
-          </a:solidFill>
-          <a:ln w="9525"/>
-        </p:spPr>
-        <p:style>
-          <a:lnRef idx="2">
-            <a:schemeClr val="accent1">
-              <a:shade val="15000"/>
-            </a:schemeClr>
-          </a:lnRef>
-          <a:fillRef idx="1">
-            <a:schemeClr val="accent1"/>
-          </a:fillRef>
-          <a:effectRef idx="0">
-            <a:schemeClr val="accent1"/>
-          </a:effectRef>
-          <a:fontRef idx="minor">
-            <a:schemeClr val="lt1"/>
-          </a:fontRef>
-        </p:style>
-        <p:txBody>
-          <a:bodyPr rtlCol="0" anchor="ctr"/>
-          <a:lstStyle/>
-          <a:p>
-            <a:pPr algn="ctr"/>
-            <a:r>
-              <a:rPr lang="en-US" sz="800" u="sng" dirty="0" err="1">
-                <a:solidFill>
-                  <a:schemeClr val="tx1"/>
-                </a:solidFill>
-              </a:rPr>
-              <a:t>CaseStep_ID</a:t>
-            </a:r>
-            <a:endParaRPr lang="en-DK" sz="800" u="sng" dirty="0">
-              <a:solidFill>
-                <a:schemeClr val="tx1"/>
-              </a:solidFill>
-            </a:endParaRPr>
-          </a:p>
-        </p:txBody>
-      </p:sp>
-      <p:cxnSp>
-        <p:nvCxnSpPr>
-          <p:cNvPr id="43" name="Straight Connector 42">
-            <a:extLst>
-              <a:ext uri="{FF2B5EF4-FFF2-40B4-BE49-F238E27FC236}">
-                <a16:creationId xmlns:a16="http://schemas.microsoft.com/office/drawing/2014/main" id="{64A774CC-126F-F2AC-99B5-0CE4519E004C}"/>
-              </a:ext>
-            </a:extLst>
-          </p:cNvPr>
-          <p:cNvCxnSpPr>
-            <a:cxnSpLocks/>
-            <a:endCxn id="42" idx="0"/>
-          </p:cNvCxnSpPr>
-          <p:nvPr/>
-        </p:nvCxnSpPr>
-        <p:spPr>
-          <a:xfrm>
-            <a:off x="6802812" y="3979351"/>
-            <a:ext cx="0" cy="169066"/>
-          </a:xfrm>
-          <a:prstGeom prst="line">
-            <a:avLst/>
-          </a:prstGeom>
-          <a:ln w="9525">
-            <a:solidFill>
-              <a:schemeClr val="tx1"/>
-            </a:solidFill>
-          </a:ln>
-        </p:spPr>
-        <p:style>
-          <a:lnRef idx="2">
-            <a:schemeClr val="accent1"/>
-          </a:lnRef>
-          <a:fillRef idx="0">
-            <a:schemeClr val="accent1"/>
-          </a:fillRef>
-          <a:effectRef idx="1">
-            <a:schemeClr val="accent1"/>
-          </a:effectRef>
-          <a:fontRef idx="minor">
-            <a:schemeClr val="tx1"/>
-          </a:fontRef>
-        </p:style>
-      </p:cxnSp>
-      <p:sp>
-        <p:nvSpPr>
-          <p:cNvPr id="46" name="Diamond 45">
-            <a:extLst>
-              <a:ext uri="{FF2B5EF4-FFF2-40B4-BE49-F238E27FC236}">
-                <a16:creationId xmlns:a16="http://schemas.microsoft.com/office/drawing/2014/main" id="{8364BAD9-9FE7-370C-309E-6A6B442BAA88}"/>
-              </a:ext>
-            </a:extLst>
-          </p:cNvPr>
-          <p:cNvSpPr/>
-          <p:nvPr/>
-        </p:nvSpPr>
-        <p:spPr>
-          <a:xfrm>
-            <a:off x="7172606" y="2900159"/>
-            <a:ext cx="632012" cy="602594"/>
-          </a:xfrm>
-          <a:prstGeom prst="diamond">
-            <a:avLst/>
-          </a:prstGeom>
-          <a:solidFill>
-            <a:schemeClr val="bg1"/>
-          </a:solidFill>
-          <a:ln w="9525">
-            <a:solidFill>
-              <a:schemeClr val="tx1"/>
-            </a:solidFill>
-          </a:ln>
-        </p:spPr>
-        <p:style>
-          <a:lnRef idx="2">
-            <a:schemeClr val="accent1">
-              <a:shade val="15000"/>
-            </a:schemeClr>
-          </a:lnRef>
-          <a:fillRef idx="1">
-            <a:schemeClr val="accent1"/>
-          </a:fillRef>
-          <a:effectRef idx="0">
-            <a:schemeClr val="accent1"/>
-          </a:effectRef>
-          <a:fontRef idx="minor">
-            <a:schemeClr val="lt1"/>
-          </a:fontRef>
-        </p:style>
-        <p:txBody>
-          <a:bodyPr wrap="none" lIns="0" rIns="0" rtlCol="0" anchor="ctr"/>
-          <a:lstStyle/>
-          <a:p>
-            <a:pPr algn="ctr"/>
-            <a:r>
-              <a:rPr lang="en-US" sz="800" dirty="0">
-                <a:solidFill>
-                  <a:schemeClr val="tx1"/>
-                </a:solidFill>
-              </a:rPr>
-              <a:t>Part of</a:t>
-            </a:r>
-            <a:endParaRPr lang="en-DK" sz="800" dirty="0"/>
-          </a:p>
-        </p:txBody>
-      </p:sp>
-      <p:cxnSp>
-        <p:nvCxnSpPr>
-          <p:cNvPr id="47" name="Straight Connector 46">
-            <a:extLst>
-              <a:ext uri="{FF2B5EF4-FFF2-40B4-BE49-F238E27FC236}">
-                <a16:creationId xmlns:a16="http://schemas.microsoft.com/office/drawing/2014/main" id="{5C5D6557-AE33-3451-A323-073EB1344388}"/>
-              </a:ext>
-            </a:extLst>
-          </p:cNvPr>
-          <p:cNvCxnSpPr>
-            <a:cxnSpLocks/>
-            <a:stCxn id="46" idx="2"/>
-            <a:endCxn id="36" idx="0"/>
-          </p:cNvCxnSpPr>
-          <p:nvPr/>
-        </p:nvCxnSpPr>
-        <p:spPr>
-          <a:xfrm>
-            <a:off x="7488612" y="3502753"/>
-            <a:ext cx="1" cy="200933"/>
-          </a:xfrm>
-          <a:prstGeom prst="line">
-            <a:avLst/>
-          </a:prstGeom>
-          <a:ln w="9525">
-            <a:solidFill>
-              <a:schemeClr val="tx1"/>
-            </a:solidFill>
-          </a:ln>
-        </p:spPr>
-        <p:style>
-          <a:lnRef idx="2">
-            <a:schemeClr val="accent1"/>
-          </a:lnRef>
-          <a:fillRef idx="0">
-            <a:schemeClr val="accent1"/>
-          </a:fillRef>
-          <a:effectRef idx="1">
-            <a:schemeClr val="accent1"/>
-          </a:effectRef>
-          <a:fontRef idx="minor">
-            <a:schemeClr val="tx1"/>
-          </a:fontRef>
-        </p:style>
-      </p:cxnSp>
-      <p:sp>
-        <p:nvSpPr>
-          <p:cNvPr id="51" name="Rectangle 50">
-            <a:extLst>
-              <a:ext uri="{FF2B5EF4-FFF2-40B4-BE49-F238E27FC236}">
-                <a16:creationId xmlns:a16="http://schemas.microsoft.com/office/drawing/2014/main" id="{16D014A1-B5D0-AED3-B407-47C74C253385}"/>
-              </a:ext>
-            </a:extLst>
-          </p:cNvPr>
-          <p:cNvSpPr/>
-          <p:nvPr/>
-        </p:nvSpPr>
-        <p:spPr>
-          <a:xfrm>
-            <a:off x="6292665" y="2473354"/>
-            <a:ext cx="2391896" cy="275665"/>
-          </a:xfrm>
-          <a:prstGeom prst="rect">
-            <a:avLst/>
-          </a:prstGeom>
-          <a:solidFill>
-            <a:schemeClr val="bg1"/>
-          </a:solidFill>
-          <a:ln w="9525"/>
-        </p:spPr>
-        <p:style>
-          <a:lnRef idx="2">
-            <a:schemeClr val="accent1">
-              <a:shade val="15000"/>
-            </a:schemeClr>
-          </a:lnRef>
-          <a:fillRef idx="1">
-            <a:schemeClr val="accent1"/>
-          </a:fillRef>
-          <a:effectRef idx="0">
-            <a:schemeClr val="accent1"/>
-          </a:effectRef>
-          <a:fontRef idx="minor">
-            <a:schemeClr val="lt1"/>
-          </a:fontRef>
-        </p:style>
-        <p:txBody>
-          <a:bodyPr rtlCol="0" anchor="ctr"/>
-          <a:lstStyle/>
-          <a:p>
-            <a:pPr algn="ctr"/>
-            <a:r>
-              <a:rPr lang="en-US" sz="800" dirty="0">
-                <a:solidFill>
-                  <a:sysClr val="windowText" lastClr="000000"/>
-                </a:solidFill>
-              </a:rPr>
-              <a:t>Case</a:t>
-            </a:r>
-            <a:endParaRPr lang="en-DK" sz="800" dirty="0">
-              <a:solidFill>
-                <a:sysClr val="windowText" lastClr="000000"/>
-              </a:solidFill>
-            </a:endParaRPr>
-          </a:p>
-        </p:txBody>
-      </p:sp>
-      <p:cxnSp>
-        <p:nvCxnSpPr>
-          <p:cNvPr id="52" name="Straight Connector 51">
-            <a:extLst>
-              <a:ext uri="{FF2B5EF4-FFF2-40B4-BE49-F238E27FC236}">
-                <a16:creationId xmlns:a16="http://schemas.microsoft.com/office/drawing/2014/main" id="{10EA8CD6-CD1E-3543-8973-FC4A76E2D281}"/>
-              </a:ext>
-            </a:extLst>
-          </p:cNvPr>
-          <p:cNvCxnSpPr>
-            <a:cxnSpLocks/>
-            <a:stCxn id="51" idx="2"/>
-          </p:cNvCxnSpPr>
-          <p:nvPr/>
-        </p:nvCxnSpPr>
-        <p:spPr>
-          <a:xfrm>
-            <a:off x="7488613" y="2749019"/>
-            <a:ext cx="0" cy="169066"/>
-          </a:xfrm>
-          <a:prstGeom prst="line">
-            <a:avLst/>
-          </a:prstGeom>
-          <a:ln w="9525">
-            <a:solidFill>
-              <a:schemeClr val="tx1"/>
-            </a:solidFill>
-          </a:ln>
-        </p:spPr>
-        <p:style>
-          <a:lnRef idx="2">
-            <a:schemeClr val="accent1"/>
-          </a:lnRef>
-          <a:fillRef idx="0">
-            <a:schemeClr val="accent1"/>
-          </a:fillRef>
-          <a:effectRef idx="1">
-            <a:schemeClr val="accent1"/>
-          </a:effectRef>
-          <a:fontRef idx="minor">
-            <a:schemeClr val="tx1"/>
-          </a:fontRef>
-        </p:style>
-      </p:cxnSp>
-      <p:sp>
-        <p:nvSpPr>
-          <p:cNvPr id="53" name="Oval 52">
-            <a:extLst>
-              <a:ext uri="{FF2B5EF4-FFF2-40B4-BE49-F238E27FC236}">
-                <a16:creationId xmlns:a16="http://schemas.microsoft.com/office/drawing/2014/main" id="{F6DE0C02-3508-E3C8-A5F1-164CA6AD917D}"/>
-              </a:ext>
-            </a:extLst>
-          </p:cNvPr>
-          <p:cNvSpPr/>
-          <p:nvPr/>
-        </p:nvSpPr>
-        <p:spPr>
-          <a:xfrm>
-            <a:off x="6191803" y="2044981"/>
-            <a:ext cx="1190065" cy="275665"/>
-          </a:xfrm>
-          <a:prstGeom prst="ellipse">
-            <a:avLst/>
-          </a:prstGeom>
-          <a:solidFill>
-            <a:schemeClr val="bg1"/>
-          </a:solidFill>
-          <a:ln w="9525"/>
-        </p:spPr>
-        <p:style>
-          <a:lnRef idx="2">
-            <a:schemeClr val="accent1">
-              <a:shade val="15000"/>
-            </a:schemeClr>
-          </a:lnRef>
-          <a:fillRef idx="1">
-            <a:schemeClr val="accent1"/>
-          </a:fillRef>
-          <a:effectRef idx="0">
-            <a:schemeClr val="accent1"/>
-          </a:effectRef>
-          <a:fontRef idx="minor">
-            <a:schemeClr val="lt1"/>
-          </a:fontRef>
-        </p:style>
-        <p:txBody>
-          <a:bodyPr rtlCol="0" anchor="ctr"/>
-          <a:lstStyle/>
-          <a:p>
-            <a:pPr algn="ctr"/>
-            <a:r>
-              <a:rPr lang="en-US" sz="800" dirty="0" err="1">
-                <a:solidFill>
-                  <a:schemeClr val="tx1"/>
-                </a:solidFill>
-              </a:rPr>
-              <a:t>Case_ID</a:t>
-            </a:r>
-            <a:endParaRPr lang="en-DK" sz="800" dirty="0">
-              <a:solidFill>
-                <a:schemeClr val="tx1"/>
-              </a:solidFill>
-            </a:endParaRPr>
-          </a:p>
-        </p:txBody>
-      </p:sp>
-      <p:sp>
-        <p:nvSpPr>
-          <p:cNvPr id="54" name="Oval 53">
-            <a:extLst>
-              <a:ext uri="{FF2B5EF4-FFF2-40B4-BE49-F238E27FC236}">
-                <a16:creationId xmlns:a16="http://schemas.microsoft.com/office/drawing/2014/main" id="{960B4634-E8D8-92D8-74F4-708392B96864}"/>
-              </a:ext>
-            </a:extLst>
-          </p:cNvPr>
-          <p:cNvSpPr/>
-          <p:nvPr/>
-        </p:nvSpPr>
-        <p:spPr>
-          <a:xfrm>
-            <a:off x="7588056" y="2050583"/>
-            <a:ext cx="1190065" cy="275665"/>
-          </a:xfrm>
-          <a:prstGeom prst="ellipse">
-            <a:avLst/>
-          </a:prstGeom>
-          <a:solidFill>
-            <a:schemeClr val="bg1"/>
-          </a:solidFill>
-          <a:ln w="9525"/>
-        </p:spPr>
-        <p:style>
-          <a:lnRef idx="2">
-            <a:schemeClr val="accent1">
-              <a:shade val="15000"/>
-            </a:schemeClr>
-          </a:lnRef>
-          <a:fillRef idx="1">
-            <a:schemeClr val="accent1"/>
-          </a:fillRef>
-          <a:effectRef idx="0">
-            <a:schemeClr val="accent1"/>
-          </a:effectRef>
-          <a:fontRef idx="minor">
-            <a:schemeClr val="lt1"/>
-          </a:fontRef>
-        </p:style>
-        <p:txBody>
-          <a:bodyPr rtlCol="0" anchor="ctr"/>
-          <a:lstStyle/>
-          <a:p>
-            <a:pPr algn="ctr"/>
-            <a:r>
-              <a:rPr lang="en-US" sz="800" dirty="0" err="1">
-                <a:solidFill>
-                  <a:schemeClr val="tx1"/>
-                </a:solidFill>
-              </a:rPr>
-              <a:t>Case_Type</a:t>
-            </a:r>
-            <a:endParaRPr lang="en-DK" sz="800" dirty="0">
-              <a:solidFill>
-                <a:schemeClr val="tx1"/>
-              </a:solidFill>
-            </a:endParaRPr>
-          </a:p>
-        </p:txBody>
-      </p:sp>
-      <p:sp>
-        <p:nvSpPr>
-          <p:cNvPr id="55" name="Oval 54">
-            <a:extLst>
-              <a:ext uri="{FF2B5EF4-FFF2-40B4-BE49-F238E27FC236}">
-                <a16:creationId xmlns:a16="http://schemas.microsoft.com/office/drawing/2014/main" id="{49971E0F-CAD1-0EEF-BD43-3F16962F6EC4}"/>
-              </a:ext>
-            </a:extLst>
-          </p:cNvPr>
-          <p:cNvSpPr/>
-          <p:nvPr/>
-        </p:nvSpPr>
-        <p:spPr>
-          <a:xfrm>
-            <a:off x="6902256" y="1621397"/>
-            <a:ext cx="1190065" cy="275665"/>
-          </a:xfrm>
-          <a:prstGeom prst="ellipse">
-            <a:avLst/>
-          </a:prstGeom>
-          <a:solidFill>
-            <a:schemeClr val="tx2">
-              <a:lumMod val="25000"/>
-              <a:lumOff val="75000"/>
-            </a:schemeClr>
-          </a:solidFill>
-          <a:ln w="9525"/>
-        </p:spPr>
-        <p:style>
-          <a:lnRef idx="2">
-            <a:schemeClr val="accent1">
-              <a:shade val="15000"/>
-            </a:schemeClr>
-          </a:lnRef>
-          <a:fillRef idx="1">
-            <a:schemeClr val="accent1"/>
-          </a:fillRef>
-          <a:effectRef idx="0">
-            <a:schemeClr val="accent1"/>
-          </a:effectRef>
-          <a:fontRef idx="minor">
-            <a:schemeClr val="lt1"/>
-          </a:fontRef>
-        </p:style>
-        <p:txBody>
-          <a:bodyPr rtlCol="0" anchor="ctr"/>
-          <a:lstStyle/>
-          <a:p>
-            <a:pPr algn="ctr"/>
-            <a:r>
-              <a:rPr lang="en-US" sz="800" dirty="0" err="1">
-                <a:solidFill>
-                  <a:schemeClr val="tx1"/>
-                </a:solidFill>
-              </a:rPr>
-              <a:t>Title_Short</a:t>
-            </a:r>
-            <a:endParaRPr lang="en-DK" sz="800" dirty="0">
-              <a:solidFill>
-                <a:schemeClr val="tx1"/>
-              </a:solidFill>
-            </a:endParaRPr>
-          </a:p>
-        </p:txBody>
-      </p:sp>
-      <p:cxnSp>
-        <p:nvCxnSpPr>
-          <p:cNvPr id="56" name="Straight Connector 55">
-            <a:extLst>
-              <a:ext uri="{FF2B5EF4-FFF2-40B4-BE49-F238E27FC236}">
-                <a16:creationId xmlns:a16="http://schemas.microsoft.com/office/drawing/2014/main" id="{F1DE6A74-F2ED-326D-0B5F-6E7F9D32CE96}"/>
-              </a:ext>
-            </a:extLst>
-          </p:cNvPr>
-          <p:cNvCxnSpPr>
-            <a:cxnSpLocks/>
-          </p:cNvCxnSpPr>
-          <p:nvPr/>
-        </p:nvCxnSpPr>
-        <p:spPr>
-          <a:xfrm>
-            <a:off x="7491684" y="1895100"/>
-            <a:ext cx="0" cy="575425"/>
-          </a:xfrm>
-          <a:prstGeom prst="line">
-            <a:avLst/>
-          </a:prstGeom>
-          <a:ln w="9525"/>
-        </p:spPr>
-        <p:style>
-          <a:lnRef idx="2">
-            <a:schemeClr val="accent1"/>
-          </a:lnRef>
-          <a:fillRef idx="0">
-            <a:schemeClr val="accent1"/>
-          </a:fillRef>
-          <a:effectRef idx="1">
-            <a:schemeClr val="accent1"/>
-          </a:effectRef>
-          <a:fontRef idx="minor">
-            <a:schemeClr val="tx1"/>
-          </a:fontRef>
-        </p:style>
-      </p:cxnSp>
-      <p:cxnSp>
-        <p:nvCxnSpPr>
-          <p:cNvPr id="57" name="Straight Connector 56">
-            <a:extLst>
-              <a:ext uri="{FF2B5EF4-FFF2-40B4-BE49-F238E27FC236}">
-                <a16:creationId xmlns:a16="http://schemas.microsoft.com/office/drawing/2014/main" id="{C8F2E149-9695-12EE-97FB-C1B16356CE46}"/>
-              </a:ext>
-            </a:extLst>
-          </p:cNvPr>
-          <p:cNvCxnSpPr>
-            <a:cxnSpLocks/>
-            <a:stCxn id="53" idx="4"/>
-          </p:cNvCxnSpPr>
-          <p:nvPr/>
-        </p:nvCxnSpPr>
-        <p:spPr>
-          <a:xfrm>
-            <a:off x="6786836" y="2320646"/>
-            <a:ext cx="0" cy="149879"/>
-          </a:xfrm>
-          <a:prstGeom prst="line">
-            <a:avLst/>
-          </a:prstGeom>
-          <a:ln w="9525"/>
-        </p:spPr>
-        <p:style>
-          <a:lnRef idx="2">
-            <a:schemeClr val="accent1"/>
-          </a:lnRef>
-          <a:fillRef idx="0">
-            <a:schemeClr val="accent1"/>
-          </a:fillRef>
-          <a:effectRef idx="1">
-            <a:schemeClr val="accent1"/>
-          </a:effectRef>
-          <a:fontRef idx="minor">
-            <a:schemeClr val="tx1"/>
-          </a:fontRef>
-        </p:style>
-      </p:cxnSp>
-      <p:cxnSp>
-        <p:nvCxnSpPr>
-          <p:cNvPr id="58" name="Straight Connector 57">
-            <a:extLst>
-              <a:ext uri="{FF2B5EF4-FFF2-40B4-BE49-F238E27FC236}">
-                <a16:creationId xmlns:a16="http://schemas.microsoft.com/office/drawing/2014/main" id="{518879B1-8EAC-85AB-8840-F79CC902ADD1}"/>
-              </a:ext>
-            </a:extLst>
-          </p:cNvPr>
-          <p:cNvCxnSpPr>
-            <a:cxnSpLocks/>
-          </p:cNvCxnSpPr>
-          <p:nvPr/>
-        </p:nvCxnSpPr>
-        <p:spPr>
-          <a:xfrm>
-            <a:off x="8183088" y="2320646"/>
-            <a:ext cx="0" cy="149879"/>
-          </a:xfrm>
-          <a:prstGeom prst="line">
-            <a:avLst/>
-          </a:prstGeom>
-          <a:ln w="9525"/>
-        </p:spPr>
-        <p:style>
-          <a:lnRef idx="2">
-            <a:schemeClr val="accent1"/>
-          </a:lnRef>
-          <a:fillRef idx="0">
-            <a:schemeClr val="accent1"/>
-          </a:fillRef>
-          <a:effectRef idx="1">
-            <a:schemeClr val="accent1"/>
-          </a:effectRef>
-          <a:fontRef idx="minor">
-            <a:schemeClr val="tx1"/>
-          </a:fontRef>
-        </p:style>
-      </p:cxnSp>
-      <p:cxnSp>
-        <p:nvCxnSpPr>
-          <p:cNvPr id="71" name="Connector: Elbow 70">
-            <a:extLst>
-              <a:ext uri="{FF2B5EF4-FFF2-40B4-BE49-F238E27FC236}">
-                <a16:creationId xmlns:a16="http://schemas.microsoft.com/office/drawing/2014/main" id="{AC936C1A-9CA5-D86E-53B7-795640BF6B35}"/>
-              </a:ext>
-            </a:extLst>
-          </p:cNvPr>
-          <p:cNvCxnSpPr>
-            <a:cxnSpLocks/>
-            <a:stCxn id="72" idx="0"/>
-          </p:cNvCxnSpPr>
-          <p:nvPr/>
-        </p:nvCxnSpPr>
-        <p:spPr>
-          <a:xfrm rot="16200000" flipV="1">
-            <a:off x="4840104" y="4045587"/>
-            <a:ext cx="151276" cy="1000126"/>
-          </a:xfrm>
-          <a:prstGeom prst="bentConnector2">
-            <a:avLst/>
-          </a:prstGeom>
-          <a:ln w="9525">
-            <a:solidFill>
-              <a:schemeClr val="tx1"/>
-            </a:solidFill>
-          </a:ln>
-        </p:spPr>
-        <p:style>
-          <a:lnRef idx="2">
-            <a:schemeClr val="accent1"/>
-          </a:lnRef>
-          <a:fillRef idx="0">
-            <a:schemeClr val="accent1"/>
-          </a:fillRef>
-          <a:effectRef idx="1">
-            <a:schemeClr val="accent1"/>
-          </a:effectRef>
-          <a:fontRef idx="minor">
-            <a:schemeClr val="tx1"/>
-          </a:fontRef>
-        </p:style>
-      </p:cxnSp>
-      <p:sp>
-        <p:nvSpPr>
-          <p:cNvPr id="72" name="Diamond 71">
-            <a:extLst>
-              <a:ext uri="{FF2B5EF4-FFF2-40B4-BE49-F238E27FC236}">
-                <a16:creationId xmlns:a16="http://schemas.microsoft.com/office/drawing/2014/main" id="{FB7A5C8F-491C-07C7-394D-0B9D8F422CE6}"/>
-              </a:ext>
-            </a:extLst>
-          </p:cNvPr>
-          <p:cNvSpPr/>
-          <p:nvPr/>
-        </p:nvSpPr>
-        <p:spPr>
-          <a:xfrm>
-            <a:off x="5099799" y="4621288"/>
-            <a:ext cx="632012" cy="602594"/>
-          </a:xfrm>
-          <a:prstGeom prst="diamond">
-            <a:avLst/>
-          </a:prstGeom>
-          <a:solidFill>
-            <a:schemeClr val="bg1"/>
-          </a:solidFill>
-          <a:ln w="9525">
-            <a:solidFill>
-              <a:schemeClr val="tx1"/>
-            </a:solidFill>
-          </a:ln>
-        </p:spPr>
-        <p:style>
-          <a:lnRef idx="2">
-            <a:schemeClr val="accent1">
-              <a:shade val="15000"/>
-            </a:schemeClr>
-          </a:lnRef>
-          <a:fillRef idx="1">
-            <a:schemeClr val="accent1"/>
-          </a:fillRef>
-          <a:effectRef idx="0">
-            <a:schemeClr val="accent1"/>
-          </a:effectRef>
-          <a:fontRef idx="minor">
-            <a:schemeClr val="lt1"/>
-          </a:fontRef>
-        </p:style>
-        <p:txBody>
-          <a:bodyPr wrap="none" lIns="0" rIns="0" rtlCol="0" anchor="ctr"/>
-          <a:lstStyle/>
-          <a:p>
-            <a:pPr algn="ctr"/>
-            <a:r>
-              <a:rPr lang="en-US" sz="800" dirty="0">
-                <a:solidFill>
-                  <a:schemeClr val="tx1"/>
-                </a:solidFill>
-              </a:rPr>
-              <a:t>At</a:t>
-            </a:r>
-            <a:endParaRPr lang="en-DK" sz="800" dirty="0"/>
-          </a:p>
-        </p:txBody>
-      </p:sp>
-      <p:sp>
-        <p:nvSpPr>
-          <p:cNvPr id="73" name="Rectangle 72">
-            <a:extLst>
-              <a:ext uri="{FF2B5EF4-FFF2-40B4-BE49-F238E27FC236}">
-                <a16:creationId xmlns:a16="http://schemas.microsoft.com/office/drawing/2014/main" id="{AEA18950-08F8-22C1-6AED-6452A33FDACB}"/>
-              </a:ext>
-            </a:extLst>
-          </p:cNvPr>
-          <p:cNvSpPr/>
-          <p:nvPr/>
-        </p:nvSpPr>
-        <p:spPr>
-          <a:xfrm>
-            <a:off x="6290985" y="4784751"/>
-            <a:ext cx="2391896" cy="275665"/>
-          </a:xfrm>
-          <a:prstGeom prst="rect">
-            <a:avLst/>
-          </a:prstGeom>
-          <a:solidFill>
-            <a:schemeClr val="bg1"/>
-          </a:solidFill>
-          <a:ln w="9525"/>
-        </p:spPr>
-        <p:style>
-          <a:lnRef idx="2">
-            <a:schemeClr val="accent1">
-              <a:shade val="15000"/>
-            </a:schemeClr>
-          </a:lnRef>
-          <a:fillRef idx="1">
-            <a:schemeClr val="accent1"/>
-          </a:fillRef>
-          <a:effectRef idx="0">
-            <a:schemeClr val="accent1"/>
-          </a:effectRef>
-          <a:fontRef idx="minor">
-            <a:schemeClr val="lt1"/>
-          </a:fontRef>
-        </p:style>
-        <p:txBody>
-          <a:bodyPr rtlCol="0" anchor="ctr"/>
-          <a:lstStyle/>
-          <a:p>
-            <a:pPr algn="ctr"/>
-            <a:r>
-              <a:rPr lang="en-US" sz="800" dirty="0">
-                <a:solidFill>
-                  <a:sysClr val="windowText" lastClr="000000"/>
-                </a:solidFill>
-              </a:rPr>
-              <a:t>Meeting</a:t>
-            </a:r>
-            <a:endParaRPr lang="en-DK" sz="800" dirty="0">
-              <a:solidFill>
-                <a:sysClr val="windowText" lastClr="000000"/>
-              </a:solidFill>
-            </a:endParaRPr>
-          </a:p>
-        </p:txBody>
-      </p:sp>
-      <p:cxnSp>
-        <p:nvCxnSpPr>
-          <p:cNvPr id="74" name="Straight Connector 73">
-            <a:extLst>
-              <a:ext uri="{FF2B5EF4-FFF2-40B4-BE49-F238E27FC236}">
-                <a16:creationId xmlns:a16="http://schemas.microsoft.com/office/drawing/2014/main" id="{C0DA2D47-8D59-8553-249A-91C6923FEC9B}"/>
-              </a:ext>
-            </a:extLst>
-          </p:cNvPr>
-          <p:cNvCxnSpPr>
-            <a:endCxn id="73" idx="1"/>
-          </p:cNvCxnSpPr>
-          <p:nvPr/>
-        </p:nvCxnSpPr>
-        <p:spPr>
-          <a:xfrm>
-            <a:off x="5731811" y="4922583"/>
-            <a:ext cx="559174" cy="1"/>
-          </a:xfrm>
-          <a:prstGeom prst="line">
-            <a:avLst/>
-          </a:prstGeom>
-          <a:ln w="9525">
-            <a:solidFill>
-              <a:schemeClr val="tx1"/>
-            </a:solidFill>
-          </a:ln>
-        </p:spPr>
-        <p:style>
-          <a:lnRef idx="2">
-            <a:schemeClr val="accent1"/>
-          </a:lnRef>
-          <a:fillRef idx="0">
-            <a:schemeClr val="accent1"/>
-          </a:fillRef>
-          <a:effectRef idx="1">
-            <a:schemeClr val="accent1"/>
-          </a:effectRef>
-          <a:fontRef idx="minor">
-            <a:schemeClr val="tx1"/>
-          </a:fontRef>
-        </p:style>
-      </p:cxnSp>
-      <p:sp>
-        <p:nvSpPr>
-          <p:cNvPr id="77" name="Oval 76">
-            <a:extLst>
-              <a:ext uri="{FF2B5EF4-FFF2-40B4-BE49-F238E27FC236}">
-                <a16:creationId xmlns:a16="http://schemas.microsoft.com/office/drawing/2014/main" id="{FB00BABB-7E99-46FE-34BB-CF49EAD61A65}"/>
-              </a:ext>
-            </a:extLst>
-          </p:cNvPr>
-          <p:cNvSpPr/>
-          <p:nvPr/>
-        </p:nvSpPr>
-        <p:spPr>
-          <a:xfrm>
-            <a:off x="6140817" y="5223435"/>
-            <a:ext cx="1190065" cy="275665"/>
-          </a:xfrm>
-          <a:prstGeom prst="ellipse">
-            <a:avLst/>
-          </a:prstGeom>
-          <a:solidFill>
-            <a:schemeClr val="bg1"/>
-          </a:solidFill>
-          <a:ln w="9525"/>
-        </p:spPr>
-        <p:style>
-          <a:lnRef idx="2">
-            <a:schemeClr val="accent1">
-              <a:shade val="15000"/>
-            </a:schemeClr>
-          </a:lnRef>
-          <a:fillRef idx="1">
-            <a:schemeClr val="accent1"/>
-          </a:fillRef>
-          <a:effectRef idx="0">
-            <a:schemeClr val="accent1"/>
-          </a:effectRef>
-          <a:fontRef idx="minor">
-            <a:schemeClr val="lt1"/>
-          </a:fontRef>
-        </p:style>
-        <p:txBody>
-          <a:bodyPr rtlCol="0" anchor="ctr"/>
-          <a:lstStyle/>
-          <a:p>
-            <a:pPr algn="ctr"/>
-            <a:r>
-              <a:rPr lang="en-US" sz="800" dirty="0" err="1">
-                <a:solidFill>
-                  <a:schemeClr val="tx1"/>
-                </a:solidFill>
-              </a:rPr>
-              <a:t>Meeting_ID</a:t>
-            </a:r>
-            <a:endParaRPr lang="en-DK" sz="800" dirty="0">
-              <a:solidFill>
-                <a:schemeClr val="tx1"/>
-              </a:solidFill>
-            </a:endParaRPr>
-          </a:p>
-        </p:txBody>
-      </p:sp>
-      <p:sp>
-        <p:nvSpPr>
-          <p:cNvPr id="78" name="Oval 77">
-            <a:extLst>
-              <a:ext uri="{FF2B5EF4-FFF2-40B4-BE49-F238E27FC236}">
-                <a16:creationId xmlns:a16="http://schemas.microsoft.com/office/drawing/2014/main" id="{D7FF61CE-3113-1EBE-3305-FEF1ED7D9540}"/>
-              </a:ext>
-            </a:extLst>
-          </p:cNvPr>
-          <p:cNvSpPr/>
-          <p:nvPr/>
-        </p:nvSpPr>
-        <p:spPr>
-          <a:xfrm>
-            <a:off x="7537070" y="5229037"/>
-            <a:ext cx="1190065" cy="275665"/>
-          </a:xfrm>
-          <a:prstGeom prst="ellipse">
-            <a:avLst/>
-          </a:prstGeom>
-          <a:solidFill>
-            <a:schemeClr val="tx2">
-              <a:lumMod val="25000"/>
-              <a:lumOff val="75000"/>
-            </a:schemeClr>
-          </a:solidFill>
-          <a:ln w="9525"/>
-        </p:spPr>
-        <p:style>
-          <a:lnRef idx="2">
-            <a:schemeClr val="accent1">
-              <a:shade val="15000"/>
-            </a:schemeClr>
-          </a:lnRef>
-          <a:fillRef idx="1">
-            <a:schemeClr val="accent1"/>
-          </a:fillRef>
-          <a:effectRef idx="0">
-            <a:schemeClr val="accent1"/>
-          </a:effectRef>
-          <a:fontRef idx="minor">
-            <a:schemeClr val="lt1"/>
-          </a:fontRef>
-        </p:style>
-        <p:txBody>
-          <a:bodyPr rtlCol="0" anchor="ctr"/>
-          <a:lstStyle/>
-          <a:p>
-            <a:pPr algn="ctr"/>
-            <a:r>
-              <a:rPr lang="en-US" sz="800" dirty="0" err="1">
-                <a:solidFill>
-                  <a:schemeClr val="tx1"/>
-                </a:solidFill>
-              </a:rPr>
-              <a:t>Meeting_Date</a:t>
-            </a:r>
-            <a:endParaRPr lang="en-DK" sz="800" dirty="0">
-              <a:solidFill>
-                <a:schemeClr val="tx1"/>
-              </a:solidFill>
-            </a:endParaRPr>
-          </a:p>
-        </p:txBody>
-      </p:sp>
-      <p:cxnSp>
-        <p:nvCxnSpPr>
-          <p:cNvPr id="79" name="Straight Connector 78">
-            <a:extLst>
-              <a:ext uri="{FF2B5EF4-FFF2-40B4-BE49-F238E27FC236}">
-                <a16:creationId xmlns:a16="http://schemas.microsoft.com/office/drawing/2014/main" id="{A7970DFA-5CCE-39B5-CE79-B053549B1800}"/>
-              </a:ext>
-            </a:extLst>
-          </p:cNvPr>
-          <p:cNvCxnSpPr>
-            <a:cxnSpLocks/>
-          </p:cNvCxnSpPr>
-          <p:nvPr/>
-        </p:nvCxnSpPr>
-        <p:spPr>
-          <a:xfrm>
-            <a:off x="6716799" y="5067140"/>
-            <a:ext cx="0" cy="149879"/>
-          </a:xfrm>
-          <a:prstGeom prst="line">
-            <a:avLst/>
-          </a:prstGeom>
-          <a:ln w="9525"/>
-        </p:spPr>
-        <p:style>
-          <a:lnRef idx="2">
-            <a:schemeClr val="accent1"/>
-          </a:lnRef>
-          <a:fillRef idx="0">
-            <a:schemeClr val="accent1"/>
-          </a:fillRef>
-          <a:effectRef idx="1">
-            <a:schemeClr val="accent1"/>
-          </a:effectRef>
-          <a:fontRef idx="minor">
-            <a:schemeClr val="tx1"/>
-          </a:fontRef>
-        </p:style>
-      </p:cxnSp>
-      <p:cxnSp>
-        <p:nvCxnSpPr>
-          <p:cNvPr id="80" name="Straight Connector 79">
-            <a:extLst>
-              <a:ext uri="{FF2B5EF4-FFF2-40B4-BE49-F238E27FC236}">
-                <a16:creationId xmlns:a16="http://schemas.microsoft.com/office/drawing/2014/main" id="{8CBB3EEC-8389-4CD5-640C-4B2343975BCE}"/>
-              </a:ext>
-            </a:extLst>
-          </p:cNvPr>
-          <p:cNvCxnSpPr>
-            <a:cxnSpLocks/>
-          </p:cNvCxnSpPr>
-          <p:nvPr/>
-        </p:nvCxnSpPr>
-        <p:spPr>
-          <a:xfrm>
-            <a:off x="8125368" y="5067140"/>
-            <a:ext cx="0" cy="156295"/>
-          </a:xfrm>
-          <a:prstGeom prst="line">
-            <a:avLst/>
-          </a:prstGeom>
-          <a:ln w="9525"/>
-        </p:spPr>
-        <p:style>
-          <a:lnRef idx="2">
-            <a:schemeClr val="accent1"/>
-          </a:lnRef>
-          <a:fillRef idx="0">
-            <a:schemeClr val="accent1"/>
-          </a:fillRef>
-          <a:effectRef idx="1">
-            <a:schemeClr val="accent1"/>
-          </a:effectRef>
-          <a:fontRef idx="minor">
-            <a:schemeClr val="tx1"/>
-          </a:fontRef>
-        </p:style>
-      </p:cxnSp>
-      <p:sp>
-        <p:nvSpPr>
-          <p:cNvPr id="85" name="Rectangle 84">
-            <a:extLst>
-              <a:ext uri="{FF2B5EF4-FFF2-40B4-BE49-F238E27FC236}">
-                <a16:creationId xmlns:a16="http://schemas.microsoft.com/office/drawing/2014/main" id="{4C6C6098-F015-ED9E-0036-8FF2E7AB523D}"/>
-              </a:ext>
-            </a:extLst>
-          </p:cNvPr>
-          <p:cNvSpPr/>
-          <p:nvPr/>
-        </p:nvSpPr>
-        <p:spPr>
-          <a:xfrm>
-            <a:off x="2023782" y="2554038"/>
-            <a:ext cx="2391896" cy="275665"/>
-          </a:xfrm>
-          <a:prstGeom prst="rect">
-            <a:avLst/>
-          </a:prstGeom>
-          <a:solidFill>
-            <a:schemeClr val="bg1"/>
-          </a:solidFill>
-          <a:ln w="19050"/>
-        </p:spPr>
-        <p:style>
-          <a:lnRef idx="2">
-            <a:schemeClr val="accent1">
-              <a:shade val="15000"/>
-            </a:schemeClr>
-          </a:lnRef>
-          <a:fillRef idx="1">
-            <a:schemeClr val="accent1"/>
-          </a:fillRef>
-          <a:effectRef idx="0">
-            <a:schemeClr val="accent1"/>
-          </a:effectRef>
-          <a:fontRef idx="minor">
-            <a:schemeClr val="lt1"/>
-          </a:fontRef>
-        </p:style>
-        <p:txBody>
-          <a:bodyPr rtlCol="0" anchor="ctr"/>
-          <a:lstStyle/>
-          <a:p>
-            <a:pPr algn="ctr"/>
-            <a:r>
-              <a:rPr lang="en-US" sz="800" dirty="0" err="1">
-                <a:solidFill>
-                  <a:sysClr val="windowText" lastClr="000000"/>
-                </a:solidFill>
-              </a:rPr>
-              <a:t>Party_Votes</a:t>
-            </a:r>
-            <a:endParaRPr lang="en-DK" sz="800" dirty="0">
-              <a:solidFill>
-                <a:sysClr val="windowText" lastClr="000000"/>
-              </a:solidFill>
-            </a:endParaRPr>
-          </a:p>
-        </p:txBody>
-      </p:sp>
-      <p:sp>
-        <p:nvSpPr>
-          <p:cNvPr id="86" name="Oval 85">
-            <a:extLst>
-              <a:ext uri="{FF2B5EF4-FFF2-40B4-BE49-F238E27FC236}">
-                <a16:creationId xmlns:a16="http://schemas.microsoft.com/office/drawing/2014/main" id="{DEFA0861-93C9-210B-375E-F31A5C723DF4}"/>
-              </a:ext>
-            </a:extLst>
-          </p:cNvPr>
-          <p:cNvSpPr/>
-          <p:nvPr/>
-        </p:nvSpPr>
-        <p:spPr>
-          <a:xfrm>
-            <a:off x="1959903" y="2130453"/>
-            <a:ext cx="1190065" cy="275665"/>
-          </a:xfrm>
-          <a:prstGeom prst="ellipse">
-            <a:avLst/>
-          </a:prstGeom>
-          <a:solidFill>
-            <a:schemeClr val="tx2">
-              <a:lumMod val="25000"/>
-              <a:lumOff val="75000"/>
-            </a:schemeClr>
-          </a:solidFill>
-          <a:ln w="9525"/>
-        </p:spPr>
-        <p:style>
-          <a:lnRef idx="2">
-            <a:schemeClr val="accent1">
-              <a:shade val="15000"/>
-            </a:schemeClr>
-          </a:lnRef>
-          <a:fillRef idx="1">
-            <a:schemeClr val="accent1"/>
-          </a:fillRef>
-          <a:effectRef idx="0">
-            <a:schemeClr val="accent1"/>
-          </a:effectRef>
-          <a:fontRef idx="minor">
-            <a:schemeClr val="lt1"/>
-          </a:fontRef>
-        </p:style>
-        <p:txBody>
-          <a:bodyPr rtlCol="0" anchor="ctr"/>
-          <a:lstStyle/>
-          <a:p>
-            <a:pPr algn="ctr"/>
-            <a:r>
-              <a:rPr lang="en-US" sz="800" dirty="0">
-                <a:solidFill>
-                  <a:schemeClr val="tx1"/>
-                </a:solidFill>
-              </a:rPr>
-              <a:t>Party</a:t>
-            </a:r>
-            <a:endParaRPr lang="en-DK" sz="800" dirty="0">
-              <a:solidFill>
-                <a:schemeClr val="tx1"/>
-              </a:solidFill>
-            </a:endParaRPr>
-          </a:p>
-        </p:txBody>
-      </p:sp>
-      <p:sp>
-        <p:nvSpPr>
-          <p:cNvPr id="87" name="Oval 86">
-            <a:extLst>
-              <a:ext uri="{FF2B5EF4-FFF2-40B4-BE49-F238E27FC236}">
-                <a16:creationId xmlns:a16="http://schemas.microsoft.com/office/drawing/2014/main" id="{47929640-2A1C-0186-4901-EAF2D992E463}"/>
-              </a:ext>
-            </a:extLst>
-          </p:cNvPr>
-          <p:cNvSpPr/>
-          <p:nvPr/>
-        </p:nvSpPr>
-        <p:spPr>
-          <a:xfrm>
-            <a:off x="3356156" y="2136055"/>
-            <a:ext cx="1190065" cy="275665"/>
-          </a:xfrm>
-          <a:prstGeom prst="ellipse">
-            <a:avLst/>
-          </a:prstGeom>
-          <a:solidFill>
-            <a:schemeClr val="tx2">
-              <a:lumMod val="25000"/>
-              <a:lumOff val="75000"/>
-            </a:schemeClr>
-          </a:solidFill>
-          <a:ln w="9525"/>
-        </p:spPr>
-        <p:style>
-          <a:lnRef idx="2">
-            <a:schemeClr val="accent1">
-              <a:shade val="15000"/>
-            </a:schemeClr>
-          </a:lnRef>
-          <a:fillRef idx="1">
-            <a:schemeClr val="accent1"/>
-          </a:fillRef>
-          <a:effectRef idx="0">
-            <a:schemeClr val="accent1"/>
-          </a:effectRef>
-          <a:fontRef idx="minor">
-            <a:schemeClr val="lt1"/>
-          </a:fontRef>
-        </p:style>
-        <p:txBody>
-          <a:bodyPr rtlCol="0" anchor="ctr"/>
-          <a:lstStyle/>
-          <a:p>
-            <a:pPr algn="ctr"/>
-            <a:r>
-              <a:rPr lang="en-US" sz="800" dirty="0" err="1">
-                <a:solidFill>
-                  <a:schemeClr val="tx1"/>
-                </a:solidFill>
-              </a:rPr>
-              <a:t>VoteCast</a:t>
-            </a:r>
-            <a:endParaRPr lang="en-DK" sz="800" dirty="0">
-              <a:solidFill>
-                <a:schemeClr val="tx1"/>
-              </a:solidFill>
-            </a:endParaRPr>
-          </a:p>
-        </p:txBody>
-      </p:sp>
-      <p:cxnSp>
-        <p:nvCxnSpPr>
-          <p:cNvPr id="89" name="Straight Connector 88">
-            <a:extLst>
-              <a:ext uri="{FF2B5EF4-FFF2-40B4-BE49-F238E27FC236}">
-                <a16:creationId xmlns:a16="http://schemas.microsoft.com/office/drawing/2014/main" id="{C91F283C-CCEC-85BF-474B-7F8295F50F3A}"/>
-              </a:ext>
-            </a:extLst>
-          </p:cNvPr>
-          <p:cNvCxnSpPr>
-            <a:cxnSpLocks/>
-            <a:stCxn id="86" idx="4"/>
-          </p:cNvCxnSpPr>
-          <p:nvPr/>
-        </p:nvCxnSpPr>
-        <p:spPr>
-          <a:xfrm>
-            <a:off x="2554936" y="2406118"/>
-            <a:ext cx="0" cy="149879"/>
-          </a:xfrm>
-          <a:prstGeom prst="line">
-            <a:avLst/>
-          </a:prstGeom>
-          <a:ln w="9525"/>
-        </p:spPr>
-        <p:style>
-          <a:lnRef idx="2">
-            <a:schemeClr val="accent1"/>
-          </a:lnRef>
-          <a:fillRef idx="0">
-            <a:schemeClr val="accent1"/>
-          </a:fillRef>
-          <a:effectRef idx="1">
-            <a:schemeClr val="accent1"/>
-          </a:effectRef>
-          <a:fontRef idx="minor">
-            <a:schemeClr val="tx1"/>
-          </a:fontRef>
-        </p:style>
-      </p:cxnSp>
-      <p:cxnSp>
-        <p:nvCxnSpPr>
-          <p:cNvPr id="90" name="Straight Connector 89">
-            <a:extLst>
-              <a:ext uri="{FF2B5EF4-FFF2-40B4-BE49-F238E27FC236}">
-                <a16:creationId xmlns:a16="http://schemas.microsoft.com/office/drawing/2014/main" id="{02B3D957-B40B-A010-1CFB-AC771DD34C3D}"/>
-              </a:ext>
-            </a:extLst>
-          </p:cNvPr>
-          <p:cNvCxnSpPr>
-            <a:cxnSpLocks/>
-          </p:cNvCxnSpPr>
-          <p:nvPr/>
-        </p:nvCxnSpPr>
-        <p:spPr>
-          <a:xfrm>
-            <a:off x="3951188" y="2406118"/>
-            <a:ext cx="0" cy="149879"/>
-          </a:xfrm>
-          <a:prstGeom prst="line">
-            <a:avLst/>
-          </a:prstGeom>
-          <a:ln w="9525"/>
-        </p:spPr>
-        <p:style>
-          <a:lnRef idx="2">
-            <a:schemeClr val="accent1"/>
-          </a:lnRef>
-          <a:fillRef idx="0">
-            <a:schemeClr val="accent1"/>
-          </a:fillRef>
-          <a:effectRef idx="1">
-            <a:schemeClr val="accent1"/>
-          </a:effectRef>
-          <a:fontRef idx="minor">
-            <a:schemeClr val="tx1"/>
-          </a:fontRef>
-        </p:style>
-      </p:cxnSp>
-      <p:sp>
-        <p:nvSpPr>
-          <p:cNvPr id="92" name="Diamond 91">
-            <a:extLst>
-              <a:ext uri="{FF2B5EF4-FFF2-40B4-BE49-F238E27FC236}">
-                <a16:creationId xmlns:a16="http://schemas.microsoft.com/office/drawing/2014/main" id="{E6787559-29A1-9144-F95C-84D6197CE0AD}"/>
-              </a:ext>
-            </a:extLst>
-          </p:cNvPr>
-          <p:cNvSpPr/>
-          <p:nvPr/>
-        </p:nvSpPr>
-        <p:spPr>
-          <a:xfrm>
-            <a:off x="791134" y="2395379"/>
-            <a:ext cx="632012" cy="602594"/>
-          </a:xfrm>
-          <a:prstGeom prst="diamond">
-            <a:avLst/>
-          </a:prstGeom>
-          <a:solidFill>
-            <a:schemeClr val="bg1"/>
-          </a:solidFill>
-          <a:ln w="19050" cmpd="dbl">
-            <a:solidFill>
-              <a:schemeClr val="tx1"/>
-            </a:solidFill>
-          </a:ln>
-        </p:spPr>
-        <p:style>
-          <a:lnRef idx="2">
-            <a:schemeClr val="accent1">
-              <a:shade val="15000"/>
-            </a:schemeClr>
-          </a:lnRef>
-          <a:fillRef idx="1">
-            <a:schemeClr val="accent1"/>
-          </a:fillRef>
-          <a:effectRef idx="0">
-            <a:schemeClr val="accent1"/>
-          </a:effectRef>
-          <a:fontRef idx="minor">
-            <a:schemeClr val="lt1"/>
-          </a:fontRef>
-        </p:style>
-        <p:txBody>
-          <a:bodyPr wrap="none" lIns="0" rIns="0" rtlCol="0" anchor="ctr"/>
-          <a:lstStyle/>
-          <a:p>
-            <a:pPr algn="ctr"/>
-            <a:r>
-              <a:rPr lang="en-US" sz="800" dirty="0">
-                <a:solidFill>
-                  <a:schemeClr val="tx1"/>
-                </a:solidFill>
-              </a:rPr>
-              <a:t>Cast at</a:t>
-            </a:r>
-            <a:endParaRPr lang="en-DK" sz="800" dirty="0"/>
-          </a:p>
-        </p:txBody>
-      </p:sp>
-      <p:cxnSp>
-        <p:nvCxnSpPr>
-          <p:cNvPr id="94" name="Straight Connector 93">
-            <a:extLst>
-              <a:ext uri="{FF2B5EF4-FFF2-40B4-BE49-F238E27FC236}">
-                <a16:creationId xmlns:a16="http://schemas.microsoft.com/office/drawing/2014/main" id="{C317E31D-D3A4-59D0-63BF-63B1BD93EC39}"/>
-              </a:ext>
-            </a:extLst>
-          </p:cNvPr>
-          <p:cNvCxnSpPr>
-            <a:stCxn id="92" idx="3"/>
-            <a:endCxn id="85" idx="1"/>
-          </p:cNvCxnSpPr>
-          <p:nvPr/>
-        </p:nvCxnSpPr>
-        <p:spPr>
-          <a:xfrm flipV="1">
-            <a:off x="1423146" y="2691871"/>
-            <a:ext cx="600636" cy="4805"/>
-          </a:xfrm>
-          <a:prstGeom prst="line">
-            <a:avLst/>
-          </a:prstGeom>
-          <a:ln>
-            <a:solidFill>
-              <a:schemeClr val="tx1"/>
-            </a:solidFill>
-          </a:ln>
-        </p:spPr>
-        <p:style>
-          <a:lnRef idx="2">
-            <a:schemeClr val="accent1"/>
-          </a:lnRef>
-          <a:fillRef idx="0">
-            <a:schemeClr val="accent1"/>
-          </a:fillRef>
-          <a:effectRef idx="1">
-            <a:schemeClr val="accent1"/>
-          </a:effectRef>
-          <a:fontRef idx="minor">
-            <a:schemeClr val="tx1"/>
-          </a:fontRef>
-        </p:style>
-      </p:cxnSp>
-      <p:cxnSp>
-        <p:nvCxnSpPr>
-          <p:cNvPr id="99" name="Connector: Elbow 98">
-            <a:extLst>
-              <a:ext uri="{FF2B5EF4-FFF2-40B4-BE49-F238E27FC236}">
-                <a16:creationId xmlns:a16="http://schemas.microsoft.com/office/drawing/2014/main" id="{8EC5EE78-B2BF-EDB6-69BA-E4E41037132D}"/>
-              </a:ext>
-            </a:extLst>
-          </p:cNvPr>
-          <p:cNvCxnSpPr>
-            <a:stCxn id="92" idx="2"/>
-            <a:endCxn id="13" idx="1"/>
-          </p:cNvCxnSpPr>
-          <p:nvPr/>
-        </p:nvCxnSpPr>
-        <p:spPr>
-          <a:xfrm rot="16200000" flipH="1">
-            <a:off x="841761" y="3263352"/>
-            <a:ext cx="1447400" cy="916642"/>
-          </a:xfrm>
-          <a:prstGeom prst="bentConnector2">
-            <a:avLst/>
-          </a:prstGeom>
-          <a:ln>
-            <a:solidFill>
-              <a:schemeClr val="tx1"/>
-            </a:solidFill>
-            <a:tailEnd type="arrow"/>
-          </a:ln>
-        </p:spPr>
-        <p:style>
-          <a:lnRef idx="2">
-            <a:schemeClr val="accent1"/>
-          </a:lnRef>
-          <a:fillRef idx="0">
-            <a:schemeClr val="accent1"/>
-          </a:fillRef>
-          <a:effectRef idx="1">
-            <a:schemeClr val="accent1"/>
-          </a:effectRef>
-          <a:fontRef idx="minor">
-            <a:schemeClr val="tx1"/>
-          </a:fontRef>
-        </p:style>
-      </p:cxnSp>
-      <p:sp>
-        <p:nvSpPr>
-          <p:cNvPr id="101" name="TextBox 100">
-            <a:extLst>
-              <a:ext uri="{FF2B5EF4-FFF2-40B4-BE49-F238E27FC236}">
-                <a16:creationId xmlns:a16="http://schemas.microsoft.com/office/drawing/2014/main" id="{C41711BC-2201-04BD-8C67-7278DAD31A09}"/>
-              </a:ext>
-            </a:extLst>
-          </p:cNvPr>
-          <p:cNvSpPr txBox="1"/>
-          <p:nvPr/>
-        </p:nvSpPr>
-        <p:spPr>
-          <a:xfrm>
-            <a:off x="668682" y="445973"/>
-            <a:ext cx="4515788" cy="830997"/>
-          </a:xfrm>
-          <a:prstGeom prst="rect">
-            <a:avLst/>
-          </a:prstGeom>
-          <a:noFill/>
-        </p:spPr>
-        <p:txBody>
-          <a:bodyPr wrap="none" rtlCol="0">
-            <a:spAutoFit/>
-          </a:bodyPr>
-          <a:lstStyle/>
-          <a:p>
-            <a:r>
-              <a:rPr lang="en-US" sz="2400" b="1" dirty="0"/>
-              <a:t>E/R Diagram – Vote Tracker App</a:t>
-            </a:r>
-          </a:p>
-          <a:p>
-            <a:r>
-              <a:rPr lang="en-US" b="1" dirty="0"/>
-              <a:t>Draft May 1</a:t>
-            </a:r>
-            <a:r>
-              <a:rPr lang="en-US" b="1" baseline="30000" dirty="0"/>
-              <a:t>st</a:t>
-            </a:r>
-            <a:r>
-              <a:rPr lang="en-US" sz="2400" b="1" dirty="0"/>
-              <a:t> </a:t>
-            </a:r>
-            <a:endParaRPr lang="en-DK" sz="2400" b="1" dirty="0"/>
-          </a:p>
-        </p:txBody>
-      </p:sp>
-      <p:sp>
-        <p:nvSpPr>
-          <p:cNvPr id="2" name="Oval 1">
-            <a:extLst>
-              <a:ext uri="{FF2B5EF4-FFF2-40B4-BE49-F238E27FC236}">
-                <a16:creationId xmlns:a16="http://schemas.microsoft.com/office/drawing/2014/main" id="{89195ADB-3325-BE87-5499-F9469970FA6F}"/>
-              </a:ext>
-            </a:extLst>
-          </p:cNvPr>
-          <p:cNvSpPr/>
-          <p:nvPr/>
-        </p:nvSpPr>
-        <p:spPr>
-          <a:xfrm>
-            <a:off x="984189" y="6168487"/>
-            <a:ext cx="1190065" cy="275665"/>
-          </a:xfrm>
-          <a:prstGeom prst="ellipse">
-            <a:avLst/>
-          </a:prstGeom>
-          <a:solidFill>
-            <a:schemeClr val="tx2">
-              <a:lumMod val="25000"/>
-              <a:lumOff val="75000"/>
-            </a:schemeClr>
-          </a:solidFill>
-          <a:ln w="9525"/>
-        </p:spPr>
-        <p:style>
-          <a:lnRef idx="2">
-            <a:schemeClr val="accent1">
-              <a:shade val="15000"/>
-            </a:schemeClr>
-          </a:lnRef>
-          <a:fillRef idx="1">
-            <a:schemeClr val="accent1"/>
-          </a:fillRef>
-          <a:effectRef idx="0">
-            <a:schemeClr val="accent1"/>
-          </a:effectRef>
-          <a:fontRef idx="minor">
-            <a:schemeClr val="lt1"/>
-          </a:fontRef>
-        </p:style>
-        <p:txBody>
-          <a:bodyPr rtlCol="0" anchor="ctr"/>
-          <a:lstStyle/>
-          <a:p>
-            <a:pPr algn="ctr"/>
-            <a:r>
-              <a:rPr lang="en-US" sz="800" dirty="0">
-                <a:solidFill>
-                  <a:schemeClr val="tx1"/>
-                </a:solidFill>
-              </a:rPr>
-              <a:t>Attribute to be shown</a:t>
-            </a:r>
-            <a:endParaRPr lang="en-DK" sz="800" dirty="0">
-              <a:solidFill>
-                <a:schemeClr val="tx1"/>
-              </a:solidFill>
-            </a:endParaRPr>
-          </a:p>
-        </p:txBody>
-      </p:sp>
-      <p:sp>
-        <p:nvSpPr>
-          <p:cNvPr id="3" name="Oval 2">
-            <a:extLst>
-              <a:ext uri="{FF2B5EF4-FFF2-40B4-BE49-F238E27FC236}">
-                <a16:creationId xmlns:a16="http://schemas.microsoft.com/office/drawing/2014/main" id="{BDF08879-C914-3CED-B2BC-66F88FE01137}"/>
-              </a:ext>
-            </a:extLst>
-          </p:cNvPr>
-          <p:cNvSpPr/>
-          <p:nvPr/>
-        </p:nvSpPr>
-        <p:spPr>
-          <a:xfrm>
-            <a:off x="7530335" y="4148417"/>
-            <a:ext cx="1190065" cy="275665"/>
-          </a:xfrm>
-          <a:prstGeom prst="ellipse">
-            <a:avLst/>
-          </a:prstGeom>
-          <a:solidFill>
-            <a:schemeClr val="bg1"/>
-          </a:solidFill>
-          <a:ln w="9525"/>
-        </p:spPr>
-        <p:style>
-          <a:lnRef idx="2">
-            <a:schemeClr val="accent1">
-              <a:shade val="15000"/>
-            </a:schemeClr>
-          </a:lnRef>
-          <a:fillRef idx="1">
-            <a:schemeClr val="accent1"/>
-          </a:fillRef>
-          <a:effectRef idx="0">
-            <a:schemeClr val="accent1"/>
-          </a:effectRef>
-          <a:fontRef idx="minor">
-            <a:schemeClr val="lt1"/>
-          </a:fontRef>
-        </p:style>
-        <p:txBody>
-          <a:bodyPr lIns="36000" rIns="36000" rtlCol="0" anchor="ctr"/>
-          <a:lstStyle/>
-          <a:p>
-            <a:pPr algn="ctr"/>
-            <a:r>
-              <a:rPr lang="en-US" sz="800" u="sng" dirty="0" err="1">
-                <a:solidFill>
-                  <a:schemeClr val="tx1"/>
-                </a:solidFill>
-              </a:rPr>
-              <a:t>CaseStep_TYPE</a:t>
-            </a:r>
-            <a:endParaRPr lang="en-DK" sz="800" u="sng" dirty="0">
-              <a:solidFill>
-                <a:schemeClr val="tx1"/>
-              </a:solidFill>
-            </a:endParaRPr>
-          </a:p>
-        </p:txBody>
-      </p:sp>
-      <p:cxnSp>
-        <p:nvCxnSpPr>
-          <p:cNvPr id="12" name="Straight Connector 11">
-            <a:extLst>
-              <a:ext uri="{FF2B5EF4-FFF2-40B4-BE49-F238E27FC236}">
-                <a16:creationId xmlns:a16="http://schemas.microsoft.com/office/drawing/2014/main" id="{BAF726DF-8F64-4738-1F36-E221BB5C57A5}"/>
-              </a:ext>
-            </a:extLst>
-          </p:cNvPr>
-          <p:cNvCxnSpPr>
-            <a:cxnSpLocks/>
-            <a:endCxn id="3" idx="0"/>
-          </p:cNvCxnSpPr>
-          <p:nvPr/>
-        </p:nvCxnSpPr>
-        <p:spPr>
-          <a:xfrm>
-            <a:off x="8125368" y="3979351"/>
-            <a:ext cx="0" cy="169066"/>
-          </a:xfrm>
-          <a:prstGeom prst="line">
-            <a:avLst/>
-          </a:prstGeom>
-          <a:ln w="9525">
-            <a:solidFill>
-              <a:schemeClr val="tx1"/>
-            </a:solidFill>
-          </a:ln>
-        </p:spPr>
-        <p:style>
-          <a:lnRef idx="2">
-            <a:schemeClr val="accent1"/>
-          </a:lnRef>
-          <a:fillRef idx="0">
-            <a:schemeClr val="accent1"/>
-          </a:fillRef>
-          <a:effectRef idx="1">
-            <a:schemeClr val="accent1"/>
-          </a:effectRef>
-          <a:fontRef idx="minor">
-            <a:schemeClr val="tx1"/>
-          </a:fontRef>
-        </p:style>
-      </p:cxnSp>
-      <p:sp>
-        <p:nvSpPr>
-          <p:cNvPr id="14" name="Rectangle 13">
-            <a:extLst>
-              <a:ext uri="{FF2B5EF4-FFF2-40B4-BE49-F238E27FC236}">
-                <a16:creationId xmlns:a16="http://schemas.microsoft.com/office/drawing/2014/main" id="{2B4A1878-B412-C54E-084C-1BFF46848137}"/>
-              </a:ext>
-            </a:extLst>
-          </p:cNvPr>
-          <p:cNvSpPr/>
-          <p:nvPr/>
-        </p:nvSpPr>
-        <p:spPr>
-          <a:xfrm>
-            <a:off x="9049592" y="3703685"/>
-            <a:ext cx="2391896" cy="275665"/>
-          </a:xfrm>
-          <a:prstGeom prst="rect">
-            <a:avLst/>
-          </a:prstGeom>
-          <a:solidFill>
-            <a:schemeClr val="bg1"/>
-          </a:solidFill>
-          <a:ln w="9525"/>
-        </p:spPr>
-        <p:style>
-          <a:lnRef idx="2">
-            <a:schemeClr val="accent1">
-              <a:shade val="15000"/>
-            </a:schemeClr>
-          </a:lnRef>
-          <a:fillRef idx="1">
-            <a:schemeClr val="accent1"/>
-          </a:fillRef>
-          <a:effectRef idx="0">
-            <a:schemeClr val="accent1"/>
-          </a:effectRef>
-          <a:fontRef idx="minor">
-            <a:schemeClr val="lt1"/>
-          </a:fontRef>
-        </p:style>
-        <p:txBody>
-          <a:bodyPr rtlCol="0" anchor="ctr"/>
-          <a:lstStyle/>
-          <a:p>
-            <a:pPr algn="ctr"/>
-            <a:r>
-              <a:rPr lang="en-US" sz="800" dirty="0" err="1">
-                <a:solidFill>
-                  <a:sysClr val="windowText" lastClr="000000"/>
-                </a:solidFill>
-              </a:rPr>
-              <a:t>CaseStepType</a:t>
-            </a:r>
-            <a:endParaRPr lang="en-DK" sz="800" dirty="0">
-              <a:solidFill>
-                <a:sysClr val="windowText" lastClr="000000"/>
-              </a:solidFill>
-            </a:endParaRPr>
-          </a:p>
-        </p:txBody>
-      </p:sp>
-      <p:sp>
-        <p:nvSpPr>
-          <p:cNvPr id="20" name="Oval 19">
-            <a:extLst>
-              <a:ext uri="{FF2B5EF4-FFF2-40B4-BE49-F238E27FC236}">
-                <a16:creationId xmlns:a16="http://schemas.microsoft.com/office/drawing/2014/main" id="{CC98E242-BC92-E22B-7E86-1582CF23E9A5}"/>
-              </a:ext>
-            </a:extLst>
-          </p:cNvPr>
-          <p:cNvSpPr/>
-          <p:nvPr/>
-        </p:nvSpPr>
-        <p:spPr>
-          <a:xfrm>
-            <a:off x="8948730" y="3275312"/>
-            <a:ext cx="1190065" cy="275665"/>
-          </a:xfrm>
-          <a:prstGeom prst="ellipse">
-            <a:avLst/>
-          </a:prstGeom>
-          <a:solidFill>
-            <a:schemeClr val="bg1"/>
-          </a:solidFill>
-          <a:ln w="9525"/>
-        </p:spPr>
-        <p:style>
-          <a:lnRef idx="2">
-            <a:schemeClr val="accent1">
-              <a:shade val="15000"/>
-            </a:schemeClr>
-          </a:lnRef>
-          <a:fillRef idx="1">
-            <a:schemeClr val="accent1"/>
-          </a:fillRef>
-          <a:effectRef idx="0">
-            <a:schemeClr val="accent1"/>
-          </a:effectRef>
-          <a:fontRef idx="minor">
-            <a:schemeClr val="lt1"/>
-          </a:fontRef>
-        </p:style>
-        <p:txBody>
-          <a:bodyPr rtlCol="0" anchor="ctr"/>
-          <a:lstStyle/>
-          <a:p>
-            <a:pPr algn="ctr"/>
-            <a:r>
-              <a:rPr lang="en-US" sz="800" dirty="0" err="1">
-                <a:solidFill>
-                  <a:schemeClr val="tx1"/>
-                </a:solidFill>
-              </a:rPr>
-              <a:t>CaseStepType_ID</a:t>
-            </a:r>
-            <a:endParaRPr lang="en-DK" sz="800" dirty="0">
-              <a:solidFill>
-                <a:schemeClr val="tx1"/>
-              </a:solidFill>
-            </a:endParaRPr>
-          </a:p>
-        </p:txBody>
-      </p:sp>
-      <p:sp>
-        <p:nvSpPr>
-          <p:cNvPr id="22" name="Oval 21">
-            <a:extLst>
-              <a:ext uri="{FF2B5EF4-FFF2-40B4-BE49-F238E27FC236}">
-                <a16:creationId xmlns:a16="http://schemas.microsoft.com/office/drawing/2014/main" id="{509E1E4E-B24B-93E9-EFA7-1E8305D718C5}"/>
-              </a:ext>
-            </a:extLst>
-          </p:cNvPr>
-          <p:cNvSpPr/>
-          <p:nvPr/>
-        </p:nvSpPr>
-        <p:spPr>
-          <a:xfrm>
-            <a:off x="10344983" y="3280914"/>
-            <a:ext cx="1190065" cy="275665"/>
-          </a:xfrm>
-          <a:prstGeom prst="ellipse">
-            <a:avLst/>
-          </a:prstGeom>
-          <a:solidFill>
-            <a:schemeClr val="bg1"/>
-          </a:solidFill>
-          <a:ln w="9525"/>
-        </p:spPr>
-        <p:style>
-          <a:lnRef idx="2">
-            <a:schemeClr val="accent1">
-              <a:shade val="15000"/>
-            </a:schemeClr>
-          </a:lnRef>
-          <a:fillRef idx="1">
-            <a:schemeClr val="accent1"/>
-          </a:fillRef>
-          <a:effectRef idx="0">
-            <a:schemeClr val="accent1"/>
-          </a:effectRef>
-          <a:fontRef idx="minor">
-            <a:schemeClr val="lt1"/>
-          </a:fontRef>
-        </p:style>
-        <p:txBody>
-          <a:bodyPr rtlCol="0" anchor="ctr"/>
-          <a:lstStyle/>
-          <a:p>
-            <a:pPr algn="ctr"/>
-            <a:r>
-              <a:rPr lang="en-US" sz="800" dirty="0" err="1">
-                <a:solidFill>
-                  <a:schemeClr val="tx1"/>
-                </a:solidFill>
-              </a:rPr>
-              <a:t>CaseStepType_type</a:t>
-            </a:r>
-            <a:endParaRPr lang="en-DK" sz="800" dirty="0">
-              <a:solidFill>
-                <a:schemeClr val="tx1"/>
-              </a:solidFill>
-            </a:endParaRPr>
-          </a:p>
-        </p:txBody>
-      </p:sp>
-      <p:cxnSp>
-        <p:nvCxnSpPr>
-          <p:cNvPr id="28" name="Straight Connector 27">
-            <a:extLst>
-              <a:ext uri="{FF2B5EF4-FFF2-40B4-BE49-F238E27FC236}">
-                <a16:creationId xmlns:a16="http://schemas.microsoft.com/office/drawing/2014/main" id="{AFFEDAC1-E296-E107-FBA4-BD5AC0A0CF76}"/>
-              </a:ext>
-            </a:extLst>
-          </p:cNvPr>
-          <p:cNvCxnSpPr>
-            <a:cxnSpLocks/>
-            <a:stCxn id="20" idx="4"/>
-          </p:cNvCxnSpPr>
-          <p:nvPr/>
-        </p:nvCxnSpPr>
-        <p:spPr>
-          <a:xfrm>
-            <a:off x="9543763" y="3550977"/>
-            <a:ext cx="0" cy="149879"/>
-          </a:xfrm>
-          <a:prstGeom prst="line">
-            <a:avLst/>
-          </a:prstGeom>
-          <a:ln w="9525"/>
-        </p:spPr>
-        <p:style>
-          <a:lnRef idx="2">
-            <a:schemeClr val="accent1"/>
-          </a:lnRef>
-          <a:fillRef idx="0">
-            <a:schemeClr val="accent1"/>
-          </a:fillRef>
-          <a:effectRef idx="1">
-            <a:schemeClr val="accent1"/>
-          </a:effectRef>
-          <a:fontRef idx="minor">
-            <a:schemeClr val="tx1"/>
-          </a:fontRef>
-        </p:style>
-      </p:cxnSp>
-      <p:cxnSp>
-        <p:nvCxnSpPr>
-          <p:cNvPr id="29" name="Straight Connector 28">
-            <a:extLst>
-              <a:ext uri="{FF2B5EF4-FFF2-40B4-BE49-F238E27FC236}">
-                <a16:creationId xmlns:a16="http://schemas.microsoft.com/office/drawing/2014/main" id="{ECC5599C-83E6-D3AF-5AE0-25559F16C1FA}"/>
-              </a:ext>
-            </a:extLst>
-          </p:cNvPr>
-          <p:cNvCxnSpPr>
-            <a:cxnSpLocks/>
-          </p:cNvCxnSpPr>
-          <p:nvPr/>
-        </p:nvCxnSpPr>
-        <p:spPr>
-          <a:xfrm>
-            <a:off x="10940015" y="3550977"/>
-            <a:ext cx="0" cy="149879"/>
-          </a:xfrm>
-          <a:prstGeom prst="line">
-            <a:avLst/>
-          </a:prstGeom>
-          <a:ln w="9525"/>
-        </p:spPr>
-        <p:style>
-          <a:lnRef idx="2">
-            <a:schemeClr val="accent1"/>
-          </a:lnRef>
-          <a:fillRef idx="0">
-            <a:schemeClr val="accent1"/>
-          </a:fillRef>
-          <a:effectRef idx="1">
-            <a:schemeClr val="accent1"/>
-          </a:effectRef>
-          <a:fontRef idx="minor">
-            <a:schemeClr val="tx1"/>
-          </a:fontRef>
-        </p:style>
-      </p:cxnSp>
-      <p:cxnSp>
-        <p:nvCxnSpPr>
-          <p:cNvPr id="30" name="Straight Connector 29">
-            <a:extLst>
-              <a:ext uri="{FF2B5EF4-FFF2-40B4-BE49-F238E27FC236}">
-                <a16:creationId xmlns:a16="http://schemas.microsoft.com/office/drawing/2014/main" id="{9167E446-8BC7-3967-AAFF-057C6BEF9F5B}"/>
-              </a:ext>
-            </a:extLst>
-          </p:cNvPr>
-          <p:cNvCxnSpPr>
-            <a:cxnSpLocks/>
-            <a:stCxn id="36" idx="3"/>
-            <a:endCxn id="14" idx="1"/>
-          </p:cNvCxnSpPr>
-          <p:nvPr/>
-        </p:nvCxnSpPr>
-        <p:spPr>
-          <a:xfrm flipV="1">
-            <a:off x="8684561" y="3841518"/>
-            <a:ext cx="365031" cy="1"/>
-          </a:xfrm>
-          <a:prstGeom prst="line">
-            <a:avLst/>
-          </a:prstGeom>
-          <a:ln w="9525">
-            <a:solidFill>
-              <a:schemeClr val="tx1"/>
-            </a:solidFill>
-          </a:ln>
-        </p:spPr>
-        <p:style>
-          <a:lnRef idx="2">
-            <a:schemeClr val="accent1"/>
-          </a:lnRef>
-          <a:fillRef idx="0">
-            <a:schemeClr val="accent1"/>
-          </a:fillRef>
-          <a:effectRef idx="1">
-            <a:schemeClr val="accent1"/>
-          </a:effectRef>
-          <a:fontRef idx="minor">
-            <a:schemeClr val="tx1"/>
-          </a:fontRef>
-        </p:style>
-      </p:cxnSp>
-      <p:sp>
-        <p:nvSpPr>
-          <p:cNvPr id="33" name="Oval 32">
-            <a:extLst>
-              <a:ext uri="{FF2B5EF4-FFF2-40B4-BE49-F238E27FC236}">
-                <a16:creationId xmlns:a16="http://schemas.microsoft.com/office/drawing/2014/main" id="{DD1A2294-BFE8-B9B5-A67F-39B0D9B7D375}"/>
-              </a:ext>
-            </a:extLst>
-          </p:cNvPr>
-          <p:cNvSpPr/>
-          <p:nvPr/>
-        </p:nvSpPr>
-        <p:spPr>
-          <a:xfrm>
-            <a:off x="7682735" y="3265917"/>
-            <a:ext cx="1190065" cy="275665"/>
-          </a:xfrm>
-          <a:prstGeom prst="ellipse">
-            <a:avLst/>
-          </a:prstGeom>
-          <a:solidFill>
-            <a:schemeClr val="bg1"/>
-          </a:solidFill>
-          <a:ln w="9525"/>
-        </p:spPr>
-        <p:style>
-          <a:lnRef idx="2">
-            <a:schemeClr val="accent1">
-              <a:shade val="15000"/>
-            </a:schemeClr>
-          </a:lnRef>
-          <a:fillRef idx="1">
-            <a:schemeClr val="accent1"/>
-          </a:fillRef>
-          <a:effectRef idx="0">
-            <a:schemeClr val="accent1"/>
-          </a:effectRef>
-          <a:fontRef idx="minor">
-            <a:schemeClr val="lt1"/>
-          </a:fontRef>
-        </p:style>
-        <p:txBody>
-          <a:bodyPr lIns="36000" rIns="36000" rtlCol="0" anchor="ctr"/>
-          <a:lstStyle/>
-          <a:p>
-            <a:pPr algn="ctr"/>
-            <a:r>
-              <a:rPr lang="en-US" sz="800" dirty="0" err="1">
-                <a:solidFill>
-                  <a:schemeClr val="tx1"/>
-                </a:solidFill>
-              </a:rPr>
-              <a:t>Case_ID</a:t>
-            </a:r>
-            <a:endParaRPr lang="en-DK" sz="800" dirty="0">
-              <a:solidFill>
-                <a:schemeClr val="tx1"/>
-              </a:solidFill>
-            </a:endParaRPr>
-          </a:p>
-        </p:txBody>
-      </p:sp>
-      <p:cxnSp>
-        <p:nvCxnSpPr>
-          <p:cNvPr id="34" name="Straight Connector 33">
-            <a:extLst>
-              <a:ext uri="{FF2B5EF4-FFF2-40B4-BE49-F238E27FC236}">
-                <a16:creationId xmlns:a16="http://schemas.microsoft.com/office/drawing/2014/main" id="{D3B5844F-662C-7448-6491-F13ED110B3ED}"/>
-              </a:ext>
-            </a:extLst>
-          </p:cNvPr>
-          <p:cNvCxnSpPr>
-            <a:cxnSpLocks/>
-          </p:cNvCxnSpPr>
-          <p:nvPr/>
-        </p:nvCxnSpPr>
-        <p:spPr>
-          <a:xfrm>
-            <a:off x="8310572" y="3534620"/>
-            <a:ext cx="0" cy="162342"/>
-          </a:xfrm>
-          <a:prstGeom prst="line">
-            <a:avLst/>
-          </a:prstGeom>
-          <a:ln w="9525">
-            <a:solidFill>
-              <a:schemeClr val="tx1"/>
-            </a:solidFill>
-          </a:ln>
-        </p:spPr>
-        <p:style>
-          <a:lnRef idx="2">
-            <a:schemeClr val="accent1"/>
-          </a:lnRef>
-          <a:fillRef idx="0">
-            <a:schemeClr val="accent1"/>
-          </a:fillRef>
-          <a:effectRef idx="1">
-            <a:schemeClr val="accent1"/>
-          </a:effectRef>
-          <a:fontRef idx="minor">
-            <a:schemeClr val="tx1"/>
-          </a:fontRef>
-        </p:style>
-      </p:cxnSp>
-    </p:spTree>
-    <p:extLst>
-      <p:ext uri="{BB962C8B-B14F-4D97-AF65-F5344CB8AC3E}">
-        <p14:creationId xmlns:p14="http://schemas.microsoft.com/office/powerpoint/2010/main" val="1804535035"/>
-      </p:ext>
-    </p:extLst>
-  </p:cSld>
-  <p:clrMapOvr>
-    <a:masterClrMapping/>
-  </p:clrMapOvr>
-</p:sld>
-</file>
-
-<file path=ppt/slides/slide3.xml><?xml version="1.0" encoding="utf-8"?>
-<p:sld xmlns:a="http://schemas.openxmlformats.org/drawingml/2006/main" xmlns:r="http://schemas.openxmlformats.org/officeDocument/2006/relationships" xmlns:p="http://schemas.openxmlformats.org/presentationml/2006/main">
-  <p:cSld>
-    <p:spTree>
-      <p:nvGrpSpPr>
         <p:cNvPr id="1" name="">
           <a:extLst>
             <a:ext uri="{FF2B5EF4-FFF2-40B4-BE49-F238E27FC236}">
@@ -7755,7 +4234,7 @@
                   <a:sysClr val="windowText" lastClr="000000"/>
                 </a:solidFill>
               </a:rPr>
-              <a:t>afstemning</a:t>
+              <a:t>Afstemning</a:t>
             </a:r>
             <a:endParaRPr lang="en-DK" sz="800" dirty="0">
               <a:solidFill>
@@ -8193,7 +4672,7 @@
                   <a:sysClr val="windowText" lastClr="000000"/>
                 </a:solidFill>
               </a:rPr>
-              <a:t>CaseStep</a:t>
+              <a:t>Sagstrin</a:t>
             </a:r>
             <a:endParaRPr lang="en-DK" sz="800" dirty="0">
               <a:solidFill>
@@ -8338,12 +4817,12 @@
           <a:p>
             <a:pPr algn="ctr"/>
             <a:r>
-              <a:rPr lang="en-US" sz="800" u="sng" dirty="0" err="1">
+              <a:rPr lang="en-US" sz="800" u="sng" dirty="0">
                 <a:solidFill>
                   <a:schemeClr val="tx1"/>
                 </a:solidFill>
               </a:rPr>
-              <a:t>CaseStep_ID</a:t>
+              <a:t>id</a:t>
             </a:r>
             <a:endParaRPr lang="en-DK" sz="800" u="sng" dirty="0">
               <a:solidFill>
@@ -8556,7 +5035,7 @@
                   <a:sysClr val="windowText" lastClr="000000"/>
                 </a:solidFill>
               </a:rPr>
-              <a:t>Case</a:t>
+              <a:t>Sag</a:t>
             </a:r>
             <a:endParaRPr lang="en-DK" sz="800" dirty="0">
               <a:solidFill>
@@ -8657,14 +5136,14 @@
           <a:p>
             <a:pPr algn="ctr"/>
             <a:r>
-              <a:rPr lang="en-US" sz="800" dirty="0" err="1">
+              <a:rPr lang="en-US" sz="800" u="sng" dirty="0">
                 <a:solidFill>
                   <a:schemeClr val="tx1"/>
                 </a:solidFill>
               </a:rPr>
-              <a:t>Case_ID</a:t>
-            </a:r>
-            <a:endParaRPr lang="en-DK" sz="800" dirty="0">
+              <a:t>id</a:t>
+            </a:r>
+            <a:endParaRPr lang="en-DK" sz="800" u="sng" dirty="0">
               <a:solidFill>
                 <a:schemeClr val="tx1"/>
               </a:solidFill>
@@ -8724,7 +5203,47 @@
                   <a:schemeClr val="tx1"/>
                 </a:solidFill>
               </a:rPr>
-              <a:t>Case_Type</a:t>
+              <a:t>Typeid</a:t>
+            </a:r>
+            <a:r>
+              <a:rPr lang="en-US" sz="800" dirty="0">
+                <a:solidFill>
+                  <a:schemeClr val="tx1"/>
+                </a:solidFill>
+              </a:rPr>
+              <a:t> (</a:t>
+            </a:r>
+            <a:r>
+              <a:rPr lang="en-US" sz="800" dirty="0" err="1">
+                <a:solidFill>
+                  <a:schemeClr val="tx1"/>
+                </a:solidFill>
+              </a:rPr>
+              <a:t>fra</a:t>
+            </a:r>
+            <a:r>
+              <a:rPr lang="en-US" sz="800" dirty="0">
+                <a:solidFill>
+                  <a:schemeClr val="tx1"/>
+                </a:solidFill>
+              </a:rPr>
+              <a:t> </a:t>
+            </a:r>
+            <a:r>
+              <a:rPr lang="en-US" sz="800" dirty="0" err="1">
+                <a:solidFill>
+                  <a:schemeClr val="tx1"/>
+                </a:solidFill>
+              </a:rPr>
+              <a:t>sagstype</a:t>
+            </a:r>
+            <a:r>
+              <a:rPr lang="en-US" sz="800" dirty="0">
+                <a:solidFill>
+                  <a:schemeClr val="tx1"/>
+                </a:solidFill>
+              </a:rPr>
+              <a:t>, 3)</a:t>
             </a:r>
             <a:endParaRPr lang="en-DK" sz="800" dirty="0">
               <a:solidFill>
@@ -8754,12 +5273,7 @@
           <a:prstGeom prst="ellipse">
             <a:avLst/>
           </a:prstGeom>
-          <a:solidFill>
-            <a:schemeClr val="tx2">
-              <a:lumMod val="25000"/>
-              <a:lumOff val="75000"/>
-            </a:schemeClr>
-          </a:solidFill>
+          <a:noFill/>
           <a:ln w="9525"/>
         </p:spPr>
         <p:style>
@@ -8789,7 +5303,7 @@
                   <a:schemeClr val="tx1"/>
                 </a:solidFill>
               </a:rPr>
-              <a:t>Title_Short</a:t>
+              <a:t>titelkort</a:t>
             </a:r>
             <a:endParaRPr lang="en-DK" sz="800" dirty="0">
               <a:solidFill>
@@ -8917,56 +5431,12 @@
           </a:fontRef>
         </p:style>
       </p:cxnSp>
-      <p:cxnSp>
-        <p:nvCxnSpPr>
-          <p:cNvPr id="71" name="Connector: Elbow 70">
-            <a:extLst>
-              <a:ext uri="{FF2B5EF4-FFF2-40B4-BE49-F238E27FC236}">
-                <a16:creationId xmlns:a16="http://schemas.microsoft.com/office/drawing/2014/main" id="{E3387C29-5FB6-8D5D-942D-D214E73E8C13}"/>
-              </a:ext>
-            </a:extLst>
-          </p:cNvPr>
-          <p:cNvCxnSpPr>
-            <a:cxnSpLocks/>
-            <a:stCxn id="72" idx="0"/>
-          </p:cNvCxnSpPr>
-          <p:nvPr/>
-        </p:nvCxnSpPr>
-        <p:spPr>
-          <a:xfrm rot="16200000" flipV="1">
-            <a:off x="4840104" y="4045587"/>
-            <a:ext cx="151276" cy="1000126"/>
-          </a:xfrm>
-          <a:prstGeom prst="bentConnector2">
-            <a:avLst/>
-          </a:prstGeom>
-          <a:ln w="9525">
-            <a:solidFill>
-              <a:schemeClr val="tx1"/>
-            </a:solidFill>
-          </a:ln>
-        </p:spPr>
-        <p:style>
-          <a:lnRef idx="2">
-            <a:schemeClr val="accent1"/>
-          </a:lnRef>
-          <a:fillRef idx="0">
-            <a:schemeClr val="accent1"/>
-          </a:fillRef>
-          <a:effectRef idx="1">
-            <a:schemeClr val="accent1"/>
-          </a:effectRef>
-          <a:fontRef idx="minor">
-            <a:schemeClr val="tx1"/>
-          </a:fontRef>
-        </p:style>
-      </p:cxnSp>
-      <p:sp>
-        <p:nvSpPr>
-          <p:cNvPr id="72" name="Diamond 71">
-            <a:extLst>
-              <a:ext uri="{FF2B5EF4-FFF2-40B4-BE49-F238E27FC236}">
-                <a16:creationId xmlns:a16="http://schemas.microsoft.com/office/drawing/2014/main" id="{F792DCC3-E8DC-EB37-0522-B1B919B40B37}"/>
+      <p:sp>
+        <p:nvSpPr>
+          <p:cNvPr id="85" name="Rectangle 84">
+            <a:extLst>
+              <a:ext uri="{FF2B5EF4-FFF2-40B4-BE49-F238E27FC236}">
+                <a16:creationId xmlns:a16="http://schemas.microsoft.com/office/drawing/2014/main" id="{FAB855C2-1591-8EB8-EDAE-D0007D64575A}"/>
               </a:ext>
             </a:extLst>
           </p:cNvPr>
@@ -8975,20 +5445,16 @@
         </p:nvSpPr>
         <p:spPr>
           <a:xfrm>
-            <a:off x="5099799" y="4621288"/>
-            <a:ext cx="632012" cy="602594"/>
-          </a:xfrm>
-          <a:prstGeom prst="diamond">
+            <a:off x="2023782" y="2554038"/>
+            <a:ext cx="2391896" cy="275665"/>
+          </a:xfrm>
+          <a:prstGeom prst="rect">
             <a:avLst/>
           </a:prstGeom>
           <a:solidFill>
             <a:schemeClr val="bg1"/>
           </a:solidFill>
-          <a:ln w="9525">
-            <a:solidFill>
-              <a:schemeClr val="tx1"/>
-            </a:solidFill>
-          </a:ln>
+          <a:ln w="19050"/>
         </p:spPr>
         <p:style>
           <a:lnRef idx="2">
@@ -9007,28 +5473,32 @@
           </a:fontRef>
         </p:style>
         <p:txBody>
-          <a:bodyPr wrap="none" lIns="0" rIns="0" rtlCol="0" anchor="ctr"/>
+          <a:bodyPr rtlCol="0" anchor="ctr"/>
           <a:lstStyle/>
           <a:p>
             <a:pPr algn="ctr"/>
             <a:r>
-              <a:rPr lang="en-US" sz="800" dirty="0">
+              <a:rPr lang="en-US" sz="800" dirty="0" err="1">
                 <a:solidFill>
-                  <a:schemeClr val="tx1"/>
+                  <a:sysClr val="windowText" lastClr="000000"/>
                 </a:solidFill>
               </a:rPr>
-              <a:t>At</a:t>
-            </a:r>
-            <a:endParaRPr lang="en-DK" sz="800" dirty="0"/>
-          </a:p>
-        </p:txBody>
-      </p:sp>
-      <p:sp>
-        <p:nvSpPr>
-          <p:cNvPr id="73" name="Rectangle 72">
-            <a:extLst>
-              <a:ext uri="{FF2B5EF4-FFF2-40B4-BE49-F238E27FC236}">
-                <a16:creationId xmlns:a16="http://schemas.microsoft.com/office/drawing/2014/main" id="{9F0A646A-B907-DD79-76AC-60B82A291B57}"/>
+              <a:t>PartiStemmer</a:t>
+            </a:r>
+            <a:endParaRPr lang="en-DK" sz="800" dirty="0">
+              <a:solidFill>
+                <a:sysClr val="windowText" lastClr="000000"/>
+              </a:solidFill>
+            </a:endParaRPr>
+          </a:p>
+        </p:txBody>
+      </p:sp>
+      <p:sp>
+        <p:nvSpPr>
+          <p:cNvPr id="86" name="Oval 85">
+            <a:extLst>
+              <a:ext uri="{FF2B5EF4-FFF2-40B4-BE49-F238E27FC236}">
+                <a16:creationId xmlns:a16="http://schemas.microsoft.com/office/drawing/2014/main" id="{D361741B-A095-B67C-629E-E23E8605BFF6}"/>
               </a:ext>
             </a:extLst>
           </p:cNvPr>
@@ -9037,10 +5507,10 @@
         </p:nvSpPr>
         <p:spPr>
           <a:xfrm>
-            <a:off x="6290985" y="4784751"/>
-            <a:ext cx="2391896" cy="275665"/>
-          </a:xfrm>
-          <a:prstGeom prst="rect">
+            <a:off x="1959903" y="2130453"/>
+            <a:ext cx="1190065" cy="275665"/>
+          </a:xfrm>
+          <a:prstGeom prst="ellipse">
             <a:avLst/>
           </a:prstGeom>
           <a:solidFill>
@@ -9072,68 +5542,25 @@
             <a:r>
               <a:rPr lang="en-US" sz="800" dirty="0">
                 <a:solidFill>
-                  <a:sysClr val="windowText" lastClr="000000"/>
+                  <a:schemeClr val="tx1"/>
                 </a:solidFill>
               </a:rPr>
-              <a:t>Meeting</a:t>
+              <a:t>parti</a:t>
             </a:r>
             <a:endParaRPr lang="en-DK" sz="800" dirty="0">
               <a:solidFill>
-                <a:sysClr val="windowText" lastClr="000000"/>
+                <a:schemeClr val="tx1"/>
               </a:solidFill>
             </a:endParaRPr>
           </a:p>
         </p:txBody>
       </p:sp>
-      <p:cxnSp>
-        <p:nvCxnSpPr>
-          <p:cNvPr id="74" name="Straight Connector 73">
-            <a:extLst>
-              <a:ext uri="{FF2B5EF4-FFF2-40B4-BE49-F238E27FC236}">
-                <a16:creationId xmlns:a16="http://schemas.microsoft.com/office/drawing/2014/main" id="{8B03A982-89B6-6DB8-BE04-1C916966E1E7}"/>
-              </a:ext>
-            </a:extLst>
-          </p:cNvPr>
-          <p:cNvCxnSpPr>
-            <a:endCxn id="73" idx="1"/>
-          </p:cNvCxnSpPr>
-          <p:nvPr/>
-        </p:nvCxnSpPr>
-        <p:spPr>
-          <a:xfrm>
-            <a:off x="5731811" y="4922583"/>
-            <a:ext cx="559174" cy="1"/>
-          </a:xfrm>
-          <a:prstGeom prst="line">
-            <a:avLst/>
-          </a:prstGeom>
-          <a:ln w="9525">
-            <a:solidFill>
-              <a:schemeClr val="tx1"/>
-            </a:solidFill>
-          </a:ln>
-        </p:spPr>
-        <p:style>
-          <a:lnRef idx="2">
-            <a:schemeClr val="accent1"/>
-          </a:lnRef>
-          <a:fillRef idx="0">
-            <a:schemeClr val="accent1"/>
-          </a:fillRef>
-          <a:effectRef idx="1">
-            <a:schemeClr val="accent1"/>
-          </a:effectRef>
-          <a:fontRef idx="minor">
-            <a:schemeClr val="tx1"/>
-          </a:fontRef>
-        </p:style>
-      </p:cxnSp>
-      <p:sp>
-        <p:nvSpPr>
-          <p:cNvPr id="77" name="Oval 76">
-            <a:extLst>
-              <a:ext uri="{FF2B5EF4-FFF2-40B4-BE49-F238E27FC236}">
-                <a16:creationId xmlns:a16="http://schemas.microsoft.com/office/drawing/2014/main" id="{FE64A7C7-8A88-FC76-0E42-DDD99F6844E1}"/>
+      <p:sp>
+        <p:nvSpPr>
+          <p:cNvPr id="87" name="Oval 86">
+            <a:extLst>
+              <a:ext uri="{FF2B5EF4-FFF2-40B4-BE49-F238E27FC236}">
+                <a16:creationId xmlns:a16="http://schemas.microsoft.com/office/drawing/2014/main" id="{E5FD25C5-CC7E-C319-3360-E93A24C17A68}"/>
               </a:ext>
             </a:extLst>
           </p:cNvPr>
@@ -9142,7 +5569,7 @@
         </p:nvSpPr>
         <p:spPr>
           <a:xfrm>
-            <a:off x="6140817" y="5223435"/>
+            <a:off x="3356156" y="2136055"/>
             <a:ext cx="1190065" cy="275665"/>
           </a:xfrm>
           <a:prstGeom prst="ellipse">
@@ -9150,341 +5577,6 @@
           </a:prstGeom>
           <a:solidFill>
             <a:schemeClr val="bg1"/>
-          </a:solidFill>
-          <a:ln w="9525"/>
-        </p:spPr>
-        <p:style>
-          <a:lnRef idx="2">
-            <a:schemeClr val="accent1">
-              <a:shade val="15000"/>
-            </a:schemeClr>
-          </a:lnRef>
-          <a:fillRef idx="1">
-            <a:schemeClr val="accent1"/>
-          </a:fillRef>
-          <a:effectRef idx="0">
-            <a:schemeClr val="accent1"/>
-          </a:effectRef>
-          <a:fontRef idx="minor">
-            <a:schemeClr val="lt1"/>
-          </a:fontRef>
-        </p:style>
-        <p:txBody>
-          <a:bodyPr rtlCol="0" anchor="ctr"/>
-          <a:lstStyle/>
-          <a:p>
-            <a:pPr algn="ctr"/>
-            <a:r>
-              <a:rPr lang="en-US" sz="800" dirty="0" err="1">
-                <a:solidFill>
-                  <a:schemeClr val="tx1"/>
-                </a:solidFill>
-              </a:rPr>
-              <a:t>Meeting_ID</a:t>
-            </a:r>
-            <a:endParaRPr lang="en-DK" sz="800" dirty="0">
-              <a:solidFill>
-                <a:schemeClr val="tx1"/>
-              </a:solidFill>
-            </a:endParaRPr>
-          </a:p>
-        </p:txBody>
-      </p:sp>
-      <p:sp>
-        <p:nvSpPr>
-          <p:cNvPr id="78" name="Oval 77">
-            <a:extLst>
-              <a:ext uri="{FF2B5EF4-FFF2-40B4-BE49-F238E27FC236}">
-                <a16:creationId xmlns:a16="http://schemas.microsoft.com/office/drawing/2014/main" id="{94381F04-AEBD-2183-63ED-F7F5105943F1}"/>
-              </a:ext>
-            </a:extLst>
-          </p:cNvPr>
-          <p:cNvSpPr/>
-          <p:nvPr/>
-        </p:nvSpPr>
-        <p:spPr>
-          <a:xfrm>
-            <a:off x="7537070" y="5229037"/>
-            <a:ext cx="1190065" cy="275665"/>
-          </a:xfrm>
-          <a:prstGeom prst="ellipse">
-            <a:avLst/>
-          </a:prstGeom>
-          <a:solidFill>
-            <a:schemeClr val="tx2">
-              <a:lumMod val="25000"/>
-              <a:lumOff val="75000"/>
-            </a:schemeClr>
-          </a:solidFill>
-          <a:ln w="9525"/>
-        </p:spPr>
-        <p:style>
-          <a:lnRef idx="2">
-            <a:schemeClr val="accent1">
-              <a:shade val="15000"/>
-            </a:schemeClr>
-          </a:lnRef>
-          <a:fillRef idx="1">
-            <a:schemeClr val="accent1"/>
-          </a:fillRef>
-          <a:effectRef idx="0">
-            <a:schemeClr val="accent1"/>
-          </a:effectRef>
-          <a:fontRef idx="minor">
-            <a:schemeClr val="lt1"/>
-          </a:fontRef>
-        </p:style>
-        <p:txBody>
-          <a:bodyPr rtlCol="0" anchor="ctr"/>
-          <a:lstStyle/>
-          <a:p>
-            <a:pPr algn="ctr"/>
-            <a:r>
-              <a:rPr lang="en-US" sz="800" dirty="0" err="1">
-                <a:solidFill>
-                  <a:schemeClr val="tx1"/>
-                </a:solidFill>
-              </a:rPr>
-              <a:t>Meeting_Date</a:t>
-            </a:r>
-            <a:endParaRPr lang="en-DK" sz="800" dirty="0">
-              <a:solidFill>
-                <a:schemeClr val="tx1"/>
-              </a:solidFill>
-            </a:endParaRPr>
-          </a:p>
-        </p:txBody>
-      </p:sp>
-      <p:cxnSp>
-        <p:nvCxnSpPr>
-          <p:cNvPr id="79" name="Straight Connector 78">
-            <a:extLst>
-              <a:ext uri="{FF2B5EF4-FFF2-40B4-BE49-F238E27FC236}">
-                <a16:creationId xmlns:a16="http://schemas.microsoft.com/office/drawing/2014/main" id="{82A6458F-D755-9680-9A84-A9D869234FB9}"/>
-              </a:ext>
-            </a:extLst>
-          </p:cNvPr>
-          <p:cNvCxnSpPr>
-            <a:cxnSpLocks/>
-          </p:cNvCxnSpPr>
-          <p:nvPr/>
-        </p:nvCxnSpPr>
-        <p:spPr>
-          <a:xfrm>
-            <a:off x="6716799" y="5067140"/>
-            <a:ext cx="0" cy="149879"/>
-          </a:xfrm>
-          <a:prstGeom prst="line">
-            <a:avLst/>
-          </a:prstGeom>
-          <a:ln w="9525"/>
-        </p:spPr>
-        <p:style>
-          <a:lnRef idx="2">
-            <a:schemeClr val="accent1"/>
-          </a:lnRef>
-          <a:fillRef idx="0">
-            <a:schemeClr val="accent1"/>
-          </a:fillRef>
-          <a:effectRef idx="1">
-            <a:schemeClr val="accent1"/>
-          </a:effectRef>
-          <a:fontRef idx="minor">
-            <a:schemeClr val="tx1"/>
-          </a:fontRef>
-        </p:style>
-      </p:cxnSp>
-      <p:cxnSp>
-        <p:nvCxnSpPr>
-          <p:cNvPr id="80" name="Straight Connector 79">
-            <a:extLst>
-              <a:ext uri="{FF2B5EF4-FFF2-40B4-BE49-F238E27FC236}">
-                <a16:creationId xmlns:a16="http://schemas.microsoft.com/office/drawing/2014/main" id="{7C97E9B6-1DBB-1EC8-FCA5-F8D8087D99D7}"/>
-              </a:ext>
-            </a:extLst>
-          </p:cNvPr>
-          <p:cNvCxnSpPr>
-            <a:cxnSpLocks/>
-          </p:cNvCxnSpPr>
-          <p:nvPr/>
-        </p:nvCxnSpPr>
-        <p:spPr>
-          <a:xfrm>
-            <a:off x="8125368" y="5067140"/>
-            <a:ext cx="0" cy="156295"/>
-          </a:xfrm>
-          <a:prstGeom prst="line">
-            <a:avLst/>
-          </a:prstGeom>
-          <a:ln w="9525"/>
-        </p:spPr>
-        <p:style>
-          <a:lnRef idx="2">
-            <a:schemeClr val="accent1"/>
-          </a:lnRef>
-          <a:fillRef idx="0">
-            <a:schemeClr val="accent1"/>
-          </a:fillRef>
-          <a:effectRef idx="1">
-            <a:schemeClr val="accent1"/>
-          </a:effectRef>
-          <a:fontRef idx="minor">
-            <a:schemeClr val="tx1"/>
-          </a:fontRef>
-        </p:style>
-      </p:cxnSp>
-      <p:sp>
-        <p:nvSpPr>
-          <p:cNvPr id="85" name="Rectangle 84">
-            <a:extLst>
-              <a:ext uri="{FF2B5EF4-FFF2-40B4-BE49-F238E27FC236}">
-                <a16:creationId xmlns:a16="http://schemas.microsoft.com/office/drawing/2014/main" id="{FAB855C2-1591-8EB8-EDAE-D0007D64575A}"/>
-              </a:ext>
-            </a:extLst>
-          </p:cNvPr>
-          <p:cNvSpPr/>
-          <p:nvPr/>
-        </p:nvSpPr>
-        <p:spPr>
-          <a:xfrm>
-            <a:off x="2023782" y="2554038"/>
-            <a:ext cx="2391896" cy="275665"/>
-          </a:xfrm>
-          <a:prstGeom prst="rect">
-            <a:avLst/>
-          </a:prstGeom>
-          <a:solidFill>
-            <a:schemeClr val="bg1"/>
-          </a:solidFill>
-          <a:ln w="19050"/>
-        </p:spPr>
-        <p:style>
-          <a:lnRef idx="2">
-            <a:schemeClr val="accent1">
-              <a:shade val="15000"/>
-            </a:schemeClr>
-          </a:lnRef>
-          <a:fillRef idx="1">
-            <a:schemeClr val="accent1"/>
-          </a:fillRef>
-          <a:effectRef idx="0">
-            <a:schemeClr val="accent1"/>
-          </a:effectRef>
-          <a:fontRef idx="minor">
-            <a:schemeClr val="lt1"/>
-          </a:fontRef>
-        </p:style>
-        <p:txBody>
-          <a:bodyPr rtlCol="0" anchor="ctr"/>
-          <a:lstStyle/>
-          <a:p>
-            <a:pPr algn="ctr"/>
-            <a:r>
-              <a:rPr lang="en-US" sz="800" dirty="0" err="1">
-                <a:solidFill>
-                  <a:sysClr val="windowText" lastClr="000000"/>
-                </a:solidFill>
-              </a:rPr>
-              <a:t>PartiStemmer</a:t>
-            </a:r>
-            <a:endParaRPr lang="en-DK" sz="800" dirty="0">
-              <a:solidFill>
-                <a:sysClr val="windowText" lastClr="000000"/>
-              </a:solidFill>
-            </a:endParaRPr>
-          </a:p>
-        </p:txBody>
-      </p:sp>
-      <p:sp>
-        <p:nvSpPr>
-          <p:cNvPr id="86" name="Oval 85">
-            <a:extLst>
-              <a:ext uri="{FF2B5EF4-FFF2-40B4-BE49-F238E27FC236}">
-                <a16:creationId xmlns:a16="http://schemas.microsoft.com/office/drawing/2014/main" id="{D361741B-A095-B67C-629E-E23E8605BFF6}"/>
-              </a:ext>
-            </a:extLst>
-          </p:cNvPr>
-          <p:cNvSpPr/>
-          <p:nvPr/>
-        </p:nvSpPr>
-        <p:spPr>
-          <a:xfrm>
-            <a:off x="1959903" y="2130453"/>
-            <a:ext cx="1190065" cy="275665"/>
-          </a:xfrm>
-          <a:prstGeom prst="ellipse">
-            <a:avLst/>
-          </a:prstGeom>
-          <a:solidFill>
-            <a:schemeClr val="tx2">
-              <a:lumMod val="25000"/>
-              <a:lumOff val="75000"/>
-            </a:schemeClr>
-          </a:solidFill>
-          <a:ln w="9525"/>
-        </p:spPr>
-        <p:style>
-          <a:lnRef idx="2">
-            <a:schemeClr val="accent1">
-              <a:shade val="15000"/>
-            </a:schemeClr>
-          </a:lnRef>
-          <a:fillRef idx="1">
-            <a:schemeClr val="accent1"/>
-          </a:fillRef>
-          <a:effectRef idx="0">
-            <a:schemeClr val="accent1"/>
-          </a:effectRef>
-          <a:fontRef idx="minor">
-            <a:schemeClr val="lt1"/>
-          </a:fontRef>
-        </p:style>
-        <p:txBody>
-          <a:bodyPr rtlCol="0" anchor="ctr"/>
-          <a:lstStyle/>
-          <a:p>
-            <a:pPr algn="ctr"/>
-            <a:r>
-              <a:rPr lang="en-US" sz="800" dirty="0">
-                <a:solidFill>
-                  <a:schemeClr val="tx1"/>
-                </a:solidFill>
-              </a:rPr>
-              <a:t>parti</a:t>
-            </a:r>
-            <a:endParaRPr lang="en-DK" sz="800" dirty="0">
-              <a:solidFill>
-                <a:schemeClr val="tx1"/>
-              </a:solidFill>
-            </a:endParaRPr>
-          </a:p>
-        </p:txBody>
-      </p:sp>
-      <p:sp>
-        <p:nvSpPr>
-          <p:cNvPr id="87" name="Oval 86">
-            <a:extLst>
-              <a:ext uri="{FF2B5EF4-FFF2-40B4-BE49-F238E27FC236}">
-                <a16:creationId xmlns:a16="http://schemas.microsoft.com/office/drawing/2014/main" id="{E5FD25C5-CC7E-C319-3360-E93A24C17A68}"/>
-              </a:ext>
-            </a:extLst>
-          </p:cNvPr>
-          <p:cNvSpPr/>
-          <p:nvPr/>
-        </p:nvSpPr>
-        <p:spPr>
-          <a:xfrm>
-            <a:off x="3356156" y="2136055"/>
-            <a:ext cx="1190065" cy="275665"/>
-          </a:xfrm>
-          <a:prstGeom prst="ellipse">
-            <a:avLst/>
-          </a:prstGeom>
-          <a:solidFill>
-            <a:schemeClr val="tx2">
-              <a:lumMod val="25000"/>
-              <a:lumOff val="75000"/>
-            </a:schemeClr>
           </a:solidFill>
           <a:ln w="9525"/>
         </p:spPr>
@@ -9799,10 +5891,10 @@
       </p:sp>
       <p:sp>
         <p:nvSpPr>
-          <p:cNvPr id="2" name="Oval 1">
-            <a:extLst>
-              <a:ext uri="{FF2B5EF4-FFF2-40B4-BE49-F238E27FC236}">
-                <a16:creationId xmlns:a16="http://schemas.microsoft.com/office/drawing/2014/main" id="{4BE75545-6E4A-F431-A3E5-FB00006557A5}"/>
+          <p:cNvPr id="3" name="Oval 2">
+            <a:extLst>
+              <a:ext uri="{FF2B5EF4-FFF2-40B4-BE49-F238E27FC236}">
+                <a16:creationId xmlns:a16="http://schemas.microsoft.com/office/drawing/2014/main" id="{CD41D8C5-ABC9-9D65-12F8-9E19C6376BD7}"/>
               </a:ext>
             </a:extLst>
           </p:cNvPr>
@@ -9811,17 +5903,14 @@
         </p:nvSpPr>
         <p:spPr>
           <a:xfrm>
-            <a:off x="984189" y="6168487"/>
+            <a:off x="7530335" y="4148417"/>
             <a:ext cx="1190065" cy="275665"/>
           </a:xfrm>
           <a:prstGeom prst="ellipse">
             <a:avLst/>
           </a:prstGeom>
           <a:solidFill>
-            <a:schemeClr val="tx2">
-              <a:lumMod val="25000"/>
-              <a:lumOff val="75000"/>
-            </a:schemeClr>
+            <a:schemeClr val="bg1"/>
           </a:solidFill>
           <a:ln w="9525"/>
         </p:spPr>
@@ -9842,81 +5931,70 @@
           </a:fontRef>
         </p:style>
         <p:txBody>
-          <a:bodyPr rtlCol="0" anchor="ctr"/>
+          <a:bodyPr lIns="36000" rIns="36000" rtlCol="0" anchor="ctr"/>
           <a:lstStyle/>
           <a:p>
             <a:pPr algn="ctr"/>
+            <a:r>
+              <a:rPr lang="en-US" sz="800" dirty="0" err="1">
+                <a:solidFill>
+                  <a:schemeClr val="tx1"/>
+                </a:solidFill>
+              </a:rPr>
+              <a:t>typeid</a:t>
+            </a:r>
             <a:r>
               <a:rPr lang="en-US" sz="800" dirty="0">
                 <a:solidFill>
                   <a:schemeClr val="tx1"/>
                 </a:solidFill>
               </a:rPr>
-              <a:t>Attribute to be shown</a:t>
-            </a:r>
-            <a:endParaRPr lang="en-DK" sz="800" dirty="0">
-              <a:solidFill>
-                <a:schemeClr val="tx1"/>
-              </a:solidFill>
-            </a:endParaRPr>
-          </a:p>
-        </p:txBody>
-      </p:sp>
-      <p:sp>
-        <p:nvSpPr>
-          <p:cNvPr id="3" name="Oval 2">
-            <a:extLst>
-              <a:ext uri="{FF2B5EF4-FFF2-40B4-BE49-F238E27FC236}">
-                <a16:creationId xmlns:a16="http://schemas.microsoft.com/office/drawing/2014/main" id="{CD41D8C5-ABC9-9D65-12F8-9E19C6376BD7}"/>
-              </a:ext>
-            </a:extLst>
-          </p:cNvPr>
-          <p:cNvSpPr/>
-          <p:nvPr/>
-        </p:nvSpPr>
-        <p:spPr>
-          <a:xfrm>
-            <a:off x="7530335" y="4148417"/>
-            <a:ext cx="1190065" cy="275665"/>
-          </a:xfrm>
-          <a:prstGeom prst="ellipse">
-            <a:avLst/>
-          </a:prstGeom>
-          <a:solidFill>
-            <a:schemeClr val="bg1"/>
-          </a:solidFill>
-          <a:ln w="9525"/>
-        </p:spPr>
-        <p:style>
-          <a:lnRef idx="2">
-            <a:schemeClr val="accent1">
-              <a:shade val="15000"/>
-            </a:schemeClr>
-          </a:lnRef>
-          <a:fillRef idx="1">
-            <a:schemeClr val="accent1"/>
-          </a:fillRef>
-          <a:effectRef idx="0">
-            <a:schemeClr val="accent1"/>
-          </a:effectRef>
-          <a:fontRef idx="minor">
-            <a:schemeClr val="lt1"/>
-          </a:fontRef>
-        </p:style>
-        <p:txBody>
-          <a:bodyPr lIns="36000" rIns="36000" rtlCol="0" anchor="ctr"/>
-          <a:lstStyle/>
+              <a:t> </a:t>
+            </a:r>
+          </a:p>
           <a:p>
             <a:pPr algn="ctr"/>
             <a:r>
-              <a:rPr lang="en-US" sz="800" u="sng" dirty="0" err="1">
+              <a:rPr lang="en-US" sz="800" dirty="0">
                 <a:solidFill>
                   <a:schemeClr val="tx1"/>
                 </a:solidFill>
               </a:rPr>
-              <a:t>CaseStep_TYPE</a:t>
-            </a:r>
-            <a:endParaRPr lang="en-DK" sz="800" u="sng" dirty="0">
+              <a:t>(</a:t>
+            </a:r>
+            <a:r>
+              <a:rPr lang="en-US" sz="800" dirty="0" err="1">
+                <a:solidFill>
+                  <a:schemeClr val="tx1"/>
+                </a:solidFill>
+              </a:rPr>
+              <a:t>fra</a:t>
+            </a:r>
+            <a:r>
+              <a:rPr lang="en-US" sz="800" dirty="0">
+                <a:solidFill>
+                  <a:schemeClr val="tx1"/>
+                </a:solidFill>
+              </a:rPr>
+              <a:t> </a:t>
+            </a:r>
+            <a:r>
+              <a:rPr lang="en-US" sz="800" dirty="0" err="1">
+                <a:solidFill>
+                  <a:schemeClr val="tx1"/>
+                </a:solidFill>
+              </a:rPr>
+              <a:t>sagstrin</a:t>
+            </a:r>
+            <a:r>
+              <a:rPr lang="en-US" sz="800" dirty="0">
+                <a:solidFill>
+                  <a:schemeClr val="tx1"/>
+                </a:solidFill>
+              </a:rPr>
+              <a:t>, 17)</a:t>
+            </a:r>
+            <a:endParaRPr lang="en-DK" sz="800" dirty="0">
               <a:solidFill>
                 <a:schemeClr val="tx1"/>
               </a:solidFill>
@@ -9970,10 +6048,10 @@
       </p:cxnSp>
       <p:sp>
         <p:nvSpPr>
-          <p:cNvPr id="14" name="Rectangle 13">
-            <a:extLst>
-              <a:ext uri="{FF2B5EF4-FFF2-40B4-BE49-F238E27FC236}">
-                <a16:creationId xmlns:a16="http://schemas.microsoft.com/office/drawing/2014/main" id="{DF4D5939-6662-205C-2B71-1E2A41CC47E8}"/>
+          <p:cNvPr id="33" name="Oval 32">
+            <a:extLst>
+              <a:ext uri="{FF2B5EF4-FFF2-40B4-BE49-F238E27FC236}">
+                <a16:creationId xmlns:a16="http://schemas.microsoft.com/office/drawing/2014/main" id="{5C324880-120A-1AD2-2B0D-78C3F11B550D}"/>
               </a:ext>
             </a:extLst>
           </p:cNvPr>
@@ -9982,10 +6060,10 @@
         </p:nvSpPr>
         <p:spPr>
           <a:xfrm>
-            <a:off x="9049592" y="3703685"/>
-            <a:ext cx="2391896" cy="275665"/>
-          </a:xfrm>
-          <a:prstGeom prst="rect">
+            <a:off x="7682735" y="3265917"/>
+            <a:ext cx="1190065" cy="275665"/>
+          </a:xfrm>
+          <a:prstGeom prst="ellipse">
             <a:avLst/>
           </a:prstGeom>
           <a:solidFill>
@@ -10010,69 +6088,7 @@
           </a:fontRef>
         </p:style>
         <p:txBody>
-          <a:bodyPr rtlCol="0" anchor="ctr"/>
-          <a:lstStyle/>
-          <a:p>
-            <a:pPr algn="ctr"/>
-            <a:r>
-              <a:rPr lang="en-US" sz="800" dirty="0" err="1">
-                <a:solidFill>
-                  <a:sysClr val="windowText" lastClr="000000"/>
-                </a:solidFill>
-              </a:rPr>
-              <a:t>CaseStepType</a:t>
-            </a:r>
-            <a:endParaRPr lang="en-DK" sz="800" dirty="0">
-              <a:solidFill>
-                <a:sysClr val="windowText" lastClr="000000"/>
-              </a:solidFill>
-            </a:endParaRPr>
-          </a:p>
-        </p:txBody>
-      </p:sp>
-      <p:sp>
-        <p:nvSpPr>
-          <p:cNvPr id="20" name="Oval 19">
-            <a:extLst>
-              <a:ext uri="{FF2B5EF4-FFF2-40B4-BE49-F238E27FC236}">
-                <a16:creationId xmlns:a16="http://schemas.microsoft.com/office/drawing/2014/main" id="{3157C241-C5BF-578E-A521-EAA4D4978C82}"/>
-              </a:ext>
-            </a:extLst>
-          </p:cNvPr>
-          <p:cNvSpPr/>
-          <p:nvPr/>
-        </p:nvSpPr>
-        <p:spPr>
-          <a:xfrm>
-            <a:off x="8948730" y="3275312"/>
-            <a:ext cx="1190065" cy="275665"/>
-          </a:xfrm>
-          <a:prstGeom prst="ellipse">
-            <a:avLst/>
-          </a:prstGeom>
-          <a:solidFill>
-            <a:schemeClr val="bg1"/>
-          </a:solidFill>
-          <a:ln w="9525"/>
-        </p:spPr>
-        <p:style>
-          <a:lnRef idx="2">
-            <a:schemeClr val="accent1">
-              <a:shade val="15000"/>
-            </a:schemeClr>
-          </a:lnRef>
-          <a:fillRef idx="1">
-            <a:schemeClr val="accent1"/>
-          </a:fillRef>
-          <a:effectRef idx="0">
-            <a:schemeClr val="accent1"/>
-          </a:effectRef>
-          <a:fontRef idx="minor">
-            <a:schemeClr val="lt1"/>
-          </a:fontRef>
-        </p:style>
-        <p:txBody>
-          <a:bodyPr rtlCol="0" anchor="ctr"/>
+          <a:bodyPr lIns="36000" rIns="36000" rtlCol="0" anchor="ctr"/>
           <a:lstStyle/>
           <a:p>
             <a:pPr algn="ctr"/>
@@ -10082,7 +6098,7 @@
                   <a:schemeClr val="tx1"/>
                 </a:solidFill>
               </a:rPr>
-              <a:t>CaseStepType_ID</a:t>
+              <a:t>sagid</a:t>
             </a:r>
             <a:endParaRPr lang="en-DK" sz="800" dirty="0">
               <a:solidFill>
@@ -10092,114 +6108,12 @@
           </a:p>
         </p:txBody>
       </p:sp>
-      <p:sp>
-        <p:nvSpPr>
-          <p:cNvPr id="22" name="Oval 21">
-            <a:extLst>
-              <a:ext uri="{FF2B5EF4-FFF2-40B4-BE49-F238E27FC236}">
-                <a16:creationId xmlns:a16="http://schemas.microsoft.com/office/drawing/2014/main" id="{E9A0A4A1-B97C-E85B-AC37-D7BA9FC7B404}"/>
-              </a:ext>
-            </a:extLst>
-          </p:cNvPr>
-          <p:cNvSpPr/>
-          <p:nvPr/>
-        </p:nvSpPr>
-        <p:spPr>
-          <a:xfrm>
-            <a:off x="10344983" y="3280914"/>
-            <a:ext cx="1190065" cy="275665"/>
-          </a:xfrm>
-          <a:prstGeom prst="ellipse">
-            <a:avLst/>
-          </a:prstGeom>
-          <a:solidFill>
-            <a:schemeClr val="bg1"/>
-          </a:solidFill>
-          <a:ln w="9525"/>
-        </p:spPr>
-        <p:style>
-          <a:lnRef idx="2">
-            <a:schemeClr val="accent1">
-              <a:shade val="15000"/>
-            </a:schemeClr>
-          </a:lnRef>
-          <a:fillRef idx="1">
-            <a:schemeClr val="accent1"/>
-          </a:fillRef>
-          <a:effectRef idx="0">
-            <a:schemeClr val="accent1"/>
-          </a:effectRef>
-          <a:fontRef idx="minor">
-            <a:schemeClr val="lt1"/>
-          </a:fontRef>
-        </p:style>
-        <p:txBody>
-          <a:bodyPr rtlCol="0" anchor="ctr"/>
-          <a:lstStyle/>
-          <a:p>
-            <a:pPr algn="ctr"/>
-            <a:r>
-              <a:rPr lang="en-US" sz="800" dirty="0" err="1">
-                <a:solidFill>
-                  <a:schemeClr val="tx1"/>
-                </a:solidFill>
-              </a:rPr>
-              <a:t>CaseStepType_type</a:t>
-            </a:r>
-            <a:endParaRPr lang="en-DK" sz="800" dirty="0">
-              <a:solidFill>
-                <a:schemeClr val="tx1"/>
-              </a:solidFill>
-            </a:endParaRPr>
-          </a:p>
-        </p:txBody>
-      </p:sp>
       <p:cxnSp>
         <p:nvCxnSpPr>
-          <p:cNvPr id="28" name="Straight Connector 27">
-            <a:extLst>
-              <a:ext uri="{FF2B5EF4-FFF2-40B4-BE49-F238E27FC236}">
-                <a16:creationId xmlns:a16="http://schemas.microsoft.com/office/drawing/2014/main" id="{CEE27779-AF59-9B21-2501-3FE9E5155161}"/>
-              </a:ext>
-            </a:extLst>
-          </p:cNvPr>
-          <p:cNvCxnSpPr>
-            <a:cxnSpLocks/>
-            <a:stCxn id="20" idx="4"/>
-          </p:cNvCxnSpPr>
-          <p:nvPr/>
-        </p:nvCxnSpPr>
-        <p:spPr>
-          <a:xfrm>
-            <a:off x="9543763" y="3550977"/>
-            <a:ext cx="0" cy="149879"/>
-          </a:xfrm>
-          <a:prstGeom prst="line">
-            <a:avLst/>
-          </a:prstGeom>
-          <a:ln w="9525"/>
-        </p:spPr>
-        <p:style>
-          <a:lnRef idx="2">
-            <a:schemeClr val="accent1"/>
-          </a:lnRef>
-          <a:fillRef idx="0">
-            <a:schemeClr val="accent1"/>
-          </a:fillRef>
-          <a:effectRef idx="1">
-            <a:schemeClr val="accent1"/>
-          </a:effectRef>
-          <a:fontRef idx="minor">
-            <a:schemeClr val="tx1"/>
-          </a:fontRef>
-        </p:style>
-      </p:cxnSp>
-      <p:cxnSp>
-        <p:nvCxnSpPr>
-          <p:cNvPr id="29" name="Straight Connector 28">
-            <a:extLst>
-              <a:ext uri="{FF2B5EF4-FFF2-40B4-BE49-F238E27FC236}">
-                <a16:creationId xmlns:a16="http://schemas.microsoft.com/office/drawing/2014/main" id="{D70C58E2-4318-7BCA-E068-7570B7939777}"/>
+          <p:cNvPr id="34" name="Straight Connector 33">
+            <a:extLst>
+              <a:ext uri="{FF2B5EF4-FFF2-40B4-BE49-F238E27FC236}">
+                <a16:creationId xmlns:a16="http://schemas.microsoft.com/office/drawing/2014/main" id="{8EBC432C-D02E-82EA-2F27-67A7F619C56B}"/>
               </a:ext>
             </a:extLst>
           </p:cNvPr>
@@ -10210,49 +6124,8 @@
         </p:nvCxnSpPr>
         <p:spPr>
           <a:xfrm>
-            <a:off x="10940015" y="3550977"/>
-            <a:ext cx="0" cy="149879"/>
-          </a:xfrm>
-          <a:prstGeom prst="line">
-            <a:avLst/>
-          </a:prstGeom>
-          <a:ln w="9525"/>
-        </p:spPr>
-        <p:style>
-          <a:lnRef idx="2">
-            <a:schemeClr val="accent1"/>
-          </a:lnRef>
-          <a:fillRef idx="0">
-            <a:schemeClr val="accent1"/>
-          </a:fillRef>
-          <a:effectRef idx="1">
-            <a:schemeClr val="accent1"/>
-          </a:effectRef>
-          <a:fontRef idx="minor">
-            <a:schemeClr val="tx1"/>
-          </a:fontRef>
-        </p:style>
-      </p:cxnSp>
-      <p:cxnSp>
-        <p:nvCxnSpPr>
-          <p:cNvPr id="30" name="Straight Connector 29">
-            <a:extLst>
-              <a:ext uri="{FF2B5EF4-FFF2-40B4-BE49-F238E27FC236}">
-                <a16:creationId xmlns:a16="http://schemas.microsoft.com/office/drawing/2014/main" id="{3EDAC2CB-4221-6E0C-2AB9-2FAF012E18E4}"/>
-              </a:ext>
-            </a:extLst>
-          </p:cNvPr>
-          <p:cNvCxnSpPr>
-            <a:cxnSpLocks/>
-            <a:stCxn id="36" idx="3"/>
-            <a:endCxn id="14" idx="1"/>
-          </p:cNvCxnSpPr>
-          <p:nvPr/>
-        </p:nvCxnSpPr>
-        <p:spPr>
-          <a:xfrm flipV="1">
-            <a:off x="8684561" y="3841518"/>
-            <a:ext cx="365031" cy="1"/>
+            <a:off x="8310572" y="3534620"/>
+            <a:ext cx="0" cy="162342"/>
           </a:xfrm>
           <a:prstGeom prst="line">
             <a:avLst/>
@@ -10280,10 +6153,10 @@
       </p:cxnSp>
       <p:sp>
         <p:nvSpPr>
-          <p:cNvPr id="33" name="Oval 32">
-            <a:extLst>
-              <a:ext uri="{FF2B5EF4-FFF2-40B4-BE49-F238E27FC236}">
-                <a16:creationId xmlns:a16="http://schemas.microsoft.com/office/drawing/2014/main" id="{5C324880-120A-1AD2-2B0D-78C3F11B550D}"/>
+          <p:cNvPr id="16" name="Oval 15">
+            <a:extLst>
+              <a:ext uri="{FF2B5EF4-FFF2-40B4-BE49-F238E27FC236}">
+                <a16:creationId xmlns:a16="http://schemas.microsoft.com/office/drawing/2014/main" id="{4AC81A10-8C03-D89E-FE3E-CC5BCDAF7212}"/>
               </a:ext>
             </a:extLst>
           </p:cNvPr>
@@ -10292,7 +6165,7 @@
         </p:nvSpPr>
         <p:spPr>
           <a:xfrm>
-            <a:off x="7682735" y="3265917"/>
+            <a:off x="2709839" y="1688067"/>
             <a:ext cx="1190065" cy="275665"/>
           </a:xfrm>
           <a:prstGeom prst="ellipse">
@@ -10320,7 +6193,7 @@
           </a:fontRef>
         </p:style>
         <p:txBody>
-          <a:bodyPr lIns="36000" rIns="36000" rtlCol="0" anchor="ctr"/>
+          <a:bodyPr rtlCol="0" anchor="ctr"/>
           <a:lstStyle/>
           <a:p>
             <a:pPr algn="ctr"/>
@@ -10330,7 +6203,7 @@
                   <a:schemeClr val="tx1"/>
                 </a:solidFill>
               </a:rPr>
-              <a:t>Case_ID</a:t>
+              <a:t>afstemningsid</a:t>
             </a:r>
             <a:endParaRPr lang="en-DK" sz="800" dirty="0">
               <a:solidFill>
@@ -10342,10 +6215,10 @@
       </p:sp>
       <p:cxnSp>
         <p:nvCxnSpPr>
-          <p:cNvPr id="34" name="Straight Connector 33">
-            <a:extLst>
-              <a:ext uri="{FF2B5EF4-FFF2-40B4-BE49-F238E27FC236}">
-                <a16:creationId xmlns:a16="http://schemas.microsoft.com/office/drawing/2014/main" id="{8EBC432C-D02E-82EA-2F27-67A7F619C56B}"/>
+          <p:cNvPr id="26" name="Straight Connector 25">
+            <a:extLst>
+              <a:ext uri="{FF2B5EF4-FFF2-40B4-BE49-F238E27FC236}">
+                <a16:creationId xmlns:a16="http://schemas.microsoft.com/office/drawing/2014/main" id="{BB3832F6-9679-66C3-331B-456C9D1D884B}"/>
               </a:ext>
             </a:extLst>
           </p:cNvPr>
@@ -10356,8 +6229,206 @@
         </p:nvCxnSpPr>
         <p:spPr>
           <a:xfrm>
-            <a:off x="8310572" y="3534620"/>
-            <a:ext cx="0" cy="162342"/>
+            <a:off x="3219730" y="1963732"/>
+            <a:ext cx="0" cy="575425"/>
+          </a:xfrm>
+          <a:prstGeom prst="line">
+            <a:avLst/>
+          </a:prstGeom>
+          <a:ln w="9525"/>
+        </p:spPr>
+        <p:style>
+          <a:lnRef idx="2">
+            <a:schemeClr val="accent1"/>
+          </a:lnRef>
+          <a:fillRef idx="0">
+            <a:schemeClr val="accent1"/>
+          </a:fillRef>
+          <a:effectRef idx="1">
+            <a:schemeClr val="accent1"/>
+          </a:effectRef>
+          <a:fontRef idx="minor">
+            <a:schemeClr val="tx1"/>
+          </a:fontRef>
+        </p:style>
+      </p:cxnSp>
+      <p:sp>
+        <p:nvSpPr>
+          <p:cNvPr id="32" name="Oval 31">
+            <a:extLst>
+              <a:ext uri="{FF2B5EF4-FFF2-40B4-BE49-F238E27FC236}">
+                <a16:creationId xmlns:a16="http://schemas.microsoft.com/office/drawing/2014/main" id="{7C7EB0E4-7B62-85D0-CF6D-0A5FF82D92FB}"/>
+              </a:ext>
+            </a:extLst>
+          </p:cNvPr>
+          <p:cNvSpPr/>
+          <p:nvPr/>
+        </p:nvSpPr>
+        <p:spPr>
+          <a:xfrm>
+            <a:off x="1448357" y="5137658"/>
+            <a:ext cx="1190065" cy="275665"/>
+          </a:xfrm>
+          <a:prstGeom prst="ellipse">
+            <a:avLst/>
+          </a:prstGeom>
+          <a:solidFill>
+            <a:schemeClr val="bg1"/>
+          </a:solidFill>
+          <a:ln w="9525"/>
+        </p:spPr>
+        <p:style>
+          <a:lnRef idx="2">
+            <a:schemeClr val="accent1">
+              <a:shade val="15000"/>
+            </a:schemeClr>
+          </a:lnRef>
+          <a:fillRef idx="1">
+            <a:schemeClr val="accent1"/>
+          </a:fillRef>
+          <a:effectRef idx="0">
+            <a:schemeClr val="accent1"/>
+          </a:effectRef>
+          <a:fontRef idx="minor">
+            <a:schemeClr val="lt1"/>
+          </a:fontRef>
+        </p:style>
+        <p:txBody>
+          <a:bodyPr rtlCol="0" anchor="ctr"/>
+          <a:lstStyle/>
+          <a:p>
+            <a:pPr algn="ctr"/>
+            <a:r>
+              <a:rPr lang="en-US" sz="800" dirty="0" err="1">
+                <a:solidFill>
+                  <a:schemeClr val="tx1"/>
+                </a:solidFill>
+              </a:rPr>
+              <a:t>typeid</a:t>
+            </a:r>
+            <a:r>
+              <a:rPr lang="en-US" sz="800" dirty="0">
+                <a:solidFill>
+                  <a:schemeClr val="tx1"/>
+                </a:solidFill>
+              </a:rPr>
+              <a:t> </a:t>
+            </a:r>
+          </a:p>
+          <a:p>
+            <a:pPr algn="ctr"/>
+            <a:r>
+              <a:rPr lang="en-US" sz="800" dirty="0">
+                <a:solidFill>
+                  <a:schemeClr val="tx1"/>
+                </a:solidFill>
+              </a:rPr>
+              <a:t>(</a:t>
+            </a:r>
+            <a:r>
+              <a:rPr lang="en-US" sz="800" dirty="0" err="1">
+                <a:solidFill>
+                  <a:schemeClr val="tx1"/>
+                </a:solidFill>
+              </a:rPr>
+              <a:t>afst.type</a:t>
+            </a:r>
+            <a:r>
+              <a:rPr lang="en-US" sz="800" dirty="0">
+                <a:solidFill>
+                  <a:schemeClr val="tx1"/>
+                </a:solidFill>
+              </a:rPr>
+              <a:t>, 1)</a:t>
+            </a:r>
+            <a:endParaRPr lang="en-DK" sz="800" dirty="0">
+              <a:solidFill>
+                <a:schemeClr val="tx1"/>
+              </a:solidFill>
+            </a:endParaRPr>
+          </a:p>
+        </p:txBody>
+      </p:sp>
+      <p:sp>
+        <p:nvSpPr>
+          <p:cNvPr id="11" name="Oval 10">
+            <a:extLst>
+              <a:ext uri="{FF2B5EF4-FFF2-40B4-BE49-F238E27FC236}">
+                <a16:creationId xmlns:a16="http://schemas.microsoft.com/office/drawing/2014/main" id="{BD7DA258-4445-EF92-BC21-172A87EE24FD}"/>
+              </a:ext>
+            </a:extLst>
+          </p:cNvPr>
+          <p:cNvSpPr/>
+          <p:nvPr/>
+        </p:nvSpPr>
+        <p:spPr>
+          <a:xfrm>
+            <a:off x="6006535" y="3252526"/>
+            <a:ext cx="1280835" cy="313327"/>
+          </a:xfrm>
+          <a:prstGeom prst="ellipse">
+            <a:avLst/>
+          </a:prstGeom>
+          <a:solidFill>
+            <a:schemeClr val="bg1"/>
+          </a:solidFill>
+          <a:ln w="9525"/>
+        </p:spPr>
+        <p:style>
+          <a:lnRef idx="2">
+            <a:schemeClr val="accent1">
+              <a:shade val="15000"/>
+            </a:schemeClr>
+          </a:lnRef>
+          <a:fillRef idx="1">
+            <a:schemeClr val="accent1"/>
+          </a:fillRef>
+          <a:effectRef idx="0">
+            <a:schemeClr val="accent1"/>
+          </a:effectRef>
+          <a:fontRef idx="minor">
+            <a:schemeClr val="lt1"/>
+          </a:fontRef>
+        </p:style>
+        <p:txBody>
+          <a:bodyPr rtlCol="0" anchor="ctr"/>
+          <a:lstStyle/>
+          <a:p>
+            <a:pPr algn="ctr"/>
+            <a:r>
+              <a:rPr lang="en-US" sz="800" dirty="0" err="1">
+                <a:solidFill>
+                  <a:schemeClr val="tx1"/>
+                </a:solidFill>
+              </a:rPr>
+              <a:t>opdateringsdato</a:t>
+            </a:r>
+            <a:endParaRPr lang="en-DK" sz="800" dirty="0">
+              <a:solidFill>
+                <a:schemeClr val="tx1"/>
+              </a:solidFill>
+            </a:endParaRPr>
+          </a:p>
+        </p:txBody>
+      </p:sp>
+      <p:cxnSp>
+        <p:nvCxnSpPr>
+          <p:cNvPr id="27" name="Straight Connector 26">
+            <a:extLst>
+              <a:ext uri="{FF2B5EF4-FFF2-40B4-BE49-F238E27FC236}">
+                <a16:creationId xmlns:a16="http://schemas.microsoft.com/office/drawing/2014/main" id="{BC880FC1-6BA3-8C36-30F0-5C6302F09BB5}"/>
+              </a:ext>
+            </a:extLst>
+          </p:cNvPr>
+          <p:cNvCxnSpPr>
+            <a:cxnSpLocks/>
+          </p:cNvCxnSpPr>
+          <p:nvPr/>
+        </p:nvCxnSpPr>
+        <p:spPr>
+          <a:xfrm>
+            <a:off x="6646952" y="3552607"/>
+            <a:ext cx="0" cy="169066"/>
           </a:xfrm>
           <a:prstGeom prst="line">
             <a:avLst/>
@@ -10383,202 +6454,6 @@
           </a:fontRef>
         </p:style>
       </p:cxnSp>
-      <p:sp>
-        <p:nvSpPr>
-          <p:cNvPr id="16" name="Oval 15">
-            <a:extLst>
-              <a:ext uri="{FF2B5EF4-FFF2-40B4-BE49-F238E27FC236}">
-                <a16:creationId xmlns:a16="http://schemas.microsoft.com/office/drawing/2014/main" id="{4AC81A10-8C03-D89E-FE3E-CC5BCDAF7212}"/>
-              </a:ext>
-            </a:extLst>
-          </p:cNvPr>
-          <p:cNvSpPr/>
-          <p:nvPr/>
-        </p:nvSpPr>
-        <p:spPr>
-          <a:xfrm>
-            <a:off x="2709839" y="1688067"/>
-            <a:ext cx="1190065" cy="275665"/>
-          </a:xfrm>
-          <a:prstGeom prst="ellipse">
-            <a:avLst/>
-          </a:prstGeom>
-          <a:solidFill>
-            <a:schemeClr val="tx2">
-              <a:lumMod val="25000"/>
-              <a:lumOff val="75000"/>
-            </a:schemeClr>
-          </a:solidFill>
-          <a:ln w="9525"/>
-        </p:spPr>
-        <p:style>
-          <a:lnRef idx="2">
-            <a:schemeClr val="accent1">
-              <a:shade val="15000"/>
-            </a:schemeClr>
-          </a:lnRef>
-          <a:fillRef idx="1">
-            <a:schemeClr val="accent1"/>
-          </a:fillRef>
-          <a:effectRef idx="0">
-            <a:schemeClr val="accent1"/>
-          </a:effectRef>
-          <a:fontRef idx="minor">
-            <a:schemeClr val="lt1"/>
-          </a:fontRef>
-        </p:style>
-        <p:txBody>
-          <a:bodyPr rtlCol="0" anchor="ctr"/>
-          <a:lstStyle/>
-          <a:p>
-            <a:pPr algn="ctr"/>
-            <a:r>
-              <a:rPr lang="en-US" sz="800" dirty="0" err="1">
-                <a:solidFill>
-                  <a:schemeClr val="tx1"/>
-                </a:solidFill>
-              </a:rPr>
-              <a:t>afstemningsid</a:t>
-            </a:r>
-            <a:endParaRPr lang="en-DK" sz="800" dirty="0">
-              <a:solidFill>
-                <a:schemeClr val="tx1"/>
-              </a:solidFill>
-            </a:endParaRPr>
-          </a:p>
-        </p:txBody>
-      </p:sp>
-      <p:cxnSp>
-        <p:nvCxnSpPr>
-          <p:cNvPr id="26" name="Straight Connector 25">
-            <a:extLst>
-              <a:ext uri="{FF2B5EF4-FFF2-40B4-BE49-F238E27FC236}">
-                <a16:creationId xmlns:a16="http://schemas.microsoft.com/office/drawing/2014/main" id="{BB3832F6-9679-66C3-331B-456C9D1D884B}"/>
-              </a:ext>
-            </a:extLst>
-          </p:cNvPr>
-          <p:cNvCxnSpPr>
-            <a:cxnSpLocks/>
-          </p:cNvCxnSpPr>
-          <p:nvPr/>
-        </p:nvCxnSpPr>
-        <p:spPr>
-          <a:xfrm>
-            <a:off x="3219730" y="1963732"/>
-            <a:ext cx="0" cy="575425"/>
-          </a:xfrm>
-          <a:prstGeom prst="line">
-            <a:avLst/>
-          </a:prstGeom>
-          <a:ln w="9525"/>
-        </p:spPr>
-        <p:style>
-          <a:lnRef idx="2">
-            <a:schemeClr val="accent1"/>
-          </a:lnRef>
-          <a:fillRef idx="0">
-            <a:schemeClr val="accent1"/>
-          </a:fillRef>
-          <a:effectRef idx="1">
-            <a:schemeClr val="accent1"/>
-          </a:effectRef>
-          <a:fontRef idx="minor">
-            <a:schemeClr val="tx1"/>
-          </a:fontRef>
-        </p:style>
-      </p:cxnSp>
-      <p:pic>
-        <p:nvPicPr>
-          <p:cNvPr id="31" name="Picture 30">
-            <a:extLst>
-              <a:ext uri="{FF2B5EF4-FFF2-40B4-BE49-F238E27FC236}">
-                <a16:creationId xmlns:a16="http://schemas.microsoft.com/office/drawing/2014/main" id="{90DCCC3E-8A0C-9F18-16C0-5BB2A45FC4F5}"/>
-              </a:ext>
-            </a:extLst>
-          </p:cNvPr>
-          <p:cNvPicPr>
-            <a:picLocks noChangeAspect="1"/>
-          </p:cNvPicPr>
-          <p:nvPr/>
-        </p:nvPicPr>
-        <p:blipFill>
-          <a:blip r:embed="rId2"/>
-          <a:stretch>
-            <a:fillRect/>
-          </a:stretch>
-        </p:blipFill>
-        <p:spPr>
-          <a:xfrm>
-            <a:off x="5223973" y="1224427"/>
-            <a:ext cx="2921150" cy="2076557"/>
-          </a:xfrm>
-          <a:prstGeom prst="rect">
-            <a:avLst/>
-          </a:prstGeom>
-        </p:spPr>
-      </p:pic>
-      <p:sp>
-        <p:nvSpPr>
-          <p:cNvPr id="32" name="Oval 31">
-            <a:extLst>
-              <a:ext uri="{FF2B5EF4-FFF2-40B4-BE49-F238E27FC236}">
-                <a16:creationId xmlns:a16="http://schemas.microsoft.com/office/drawing/2014/main" id="{7C7EB0E4-7B62-85D0-CF6D-0A5FF82D92FB}"/>
-              </a:ext>
-            </a:extLst>
-          </p:cNvPr>
-          <p:cNvSpPr/>
-          <p:nvPr/>
-        </p:nvSpPr>
-        <p:spPr>
-          <a:xfrm>
-            <a:off x="1448357" y="5137658"/>
-            <a:ext cx="1190065" cy="275665"/>
-          </a:xfrm>
-          <a:prstGeom prst="ellipse">
-            <a:avLst/>
-          </a:prstGeom>
-          <a:solidFill>
-            <a:schemeClr val="bg1"/>
-          </a:solidFill>
-          <a:ln w="9525"/>
-        </p:spPr>
-        <p:style>
-          <a:lnRef idx="2">
-            <a:schemeClr val="accent1">
-              <a:shade val="15000"/>
-            </a:schemeClr>
-          </a:lnRef>
-          <a:fillRef idx="1">
-            <a:schemeClr val="accent1"/>
-          </a:fillRef>
-          <a:effectRef idx="0">
-            <a:schemeClr val="accent1"/>
-          </a:effectRef>
-          <a:fontRef idx="minor">
-            <a:schemeClr val="lt1"/>
-          </a:fontRef>
-        </p:style>
-        <p:txBody>
-          <a:bodyPr rtlCol="0" anchor="ctr"/>
-          <a:lstStyle/>
-          <a:p>
-            <a:pPr algn="ctr"/>
-            <a:r>
-              <a:rPr lang="en-US" sz="800" dirty="0" err="1">
-                <a:solidFill>
-                  <a:schemeClr val="tx1"/>
-                </a:solidFill>
-              </a:rPr>
-              <a:t>typeid</a:t>
-            </a:r>
-            <a:endParaRPr lang="en-DK" sz="800" dirty="0">
-              <a:solidFill>
-                <a:schemeClr val="tx1"/>
-              </a:solidFill>
-            </a:endParaRPr>
-          </a:p>
-        </p:txBody>
-      </p:sp>
     </p:spTree>
     <p:extLst>
       <p:ext uri="{BB962C8B-B14F-4D97-AF65-F5344CB8AC3E}">

--- a/ER_4.pptx
+++ b/ER_4.pptx
@@ -125,7 +125,7 @@
   <pc:docChgLst>
     <pc:chgData name="Kristian Bitsch Ebbensgaard" userId="db474494-81e8-4465-9809-a1d335558f45" providerId="ADAL" clId="{073E60A3-31A6-4ECE-9FA7-E76095E30EF5}"/>
     <pc:docChg chg="undo custSel addSld delSld modSld">
-      <pc:chgData name="Kristian Bitsch Ebbensgaard" userId="db474494-81e8-4465-9809-a1d335558f45" providerId="ADAL" clId="{073E60A3-31A6-4ECE-9FA7-E76095E30EF5}" dt="2025-05-22T11:46:49.032" v="416" actId="20577"/>
+      <pc:chgData name="Kristian Bitsch Ebbensgaard" userId="db474494-81e8-4465-9809-a1d335558f45" providerId="ADAL" clId="{073E60A3-31A6-4ECE-9FA7-E76095E30EF5}" dt="2025-05-22T13:37:13.940" v="418" actId="20577"/>
       <pc:docMkLst>
         <pc:docMk/>
       </pc:docMkLst>
@@ -144,7 +144,7 @@
         </pc:sldMkLst>
       </pc:sldChg>
       <pc:sldChg chg="addSp delSp modSp add mod">
-        <pc:chgData name="Kristian Bitsch Ebbensgaard" userId="db474494-81e8-4465-9809-a1d335558f45" providerId="ADAL" clId="{073E60A3-31A6-4ECE-9FA7-E76095E30EF5}" dt="2025-05-22T11:46:49.032" v="416" actId="20577"/>
+        <pc:chgData name="Kristian Bitsch Ebbensgaard" userId="db474494-81e8-4465-9809-a1d335558f45" providerId="ADAL" clId="{073E60A3-31A6-4ECE-9FA7-E76095E30EF5}" dt="2025-05-22T13:37:13.940" v="418" actId="20577"/>
         <pc:sldMkLst>
           <pc:docMk/>
           <pc:sldMk cId="2452662424" sldId="259"/>
@@ -166,7 +166,7 @@
           </ac:spMkLst>
         </pc:spChg>
         <pc:spChg chg="mod">
-          <ac:chgData name="Kristian Bitsch Ebbensgaard" userId="db474494-81e8-4465-9809-a1d335558f45" providerId="ADAL" clId="{073E60A3-31A6-4ECE-9FA7-E76095E30EF5}" dt="2025-05-22T11:07:44.311" v="171" actId="20577"/>
+          <ac:chgData name="Kristian Bitsch Ebbensgaard" userId="db474494-81e8-4465-9809-a1d335558f45" providerId="ADAL" clId="{073E60A3-31A6-4ECE-9FA7-E76095E30EF5}" dt="2025-05-22T13:37:13.940" v="418" actId="20577"/>
           <ac:spMkLst>
             <pc:docMk/>
             <pc:sldMk cId="2452662424" sldId="259"/>
@@ -3795,12 +3795,12 @@
           <a:p>
             <a:pPr algn="ctr"/>
             <a:r>
-              <a:rPr lang="en-US" sz="800" dirty="0" err="1">
+              <a:rPr lang="en-US" sz="800">
                 <a:solidFill>
                   <a:schemeClr val="tx1"/>
                 </a:solidFill>
               </a:rPr>
-              <a:t>mødeid</a:t>
+              <a:t>modeid</a:t>
             </a:r>
             <a:endParaRPr lang="en-DK" sz="800" dirty="0">
               <a:solidFill>
